--- a/document/poster.pptx
+++ b/document/poster.pptx
@@ -1,19 +1,19 @@
 
 <file path=ppt/presentation.xml><?xml version="1.0" encoding="utf-8"?>
-<p:presentation xmlns:a="http://schemas.openxmlformats.org/drawingml/2006/main" xmlns:r="http://schemas.openxmlformats.org/officeDocument/2006/relationships" xmlns:mc="http://schemas.openxmlformats.org/markup-compatibility/2006" xmlns:mv="urn:schemas-microsoft-com:mac:vml" xmlns:p="http://schemas.openxmlformats.org/presentationml/2006/main" xmlns:c="http://schemas.openxmlformats.org/drawingml/2006/chart" xmlns:dgm="http://schemas.openxmlformats.org/drawingml/2006/diagram" xmlns:o="urn:schemas-microsoft-com:office:office" xmlns:v="urn:schemas-microsoft-com:vml" xmlns:pvml="urn:schemas-microsoft-com:office:powerpoint" xmlns:com="http://schemas.openxmlformats.org/drawingml/2006/compatibility" xmlns:p14="http://schemas.microsoft.com/office/powerpoint/2010/main" xmlns:p15="http://schemas.microsoft.com/office/powerpoint/2012/main" autoCompressPictures="0" strictFirstAndLastChars="0" saveSubsetFonts="1">
+<p:presentation xmlns:a="http://schemas.openxmlformats.org/drawingml/2006/main" xmlns:r="http://schemas.openxmlformats.org/officeDocument/2006/relationships" xmlns:p="http://schemas.openxmlformats.org/presentationml/2006/main" strictFirstAndLastChars="0" saveSubsetFonts="1" autoCompressPictures="0">
   <p:sldMasterIdLst>
-    <p:sldMasterId id="2147483659" r:id="rId4"/>
+    <p:sldMasterId id="2147483659" r:id="rId1"/>
   </p:sldMasterIdLst>
   <p:notesMasterIdLst>
-    <p:notesMasterId r:id="rId5"/>
+    <p:notesMasterId r:id="rId3"/>
   </p:notesMasterIdLst>
   <p:sldIdLst>
-    <p:sldId id="256" r:id="rId6"/>
+    <p:sldId id="256" r:id="rId2"/>
   </p:sldIdLst>
-  <p:sldSz cy="21945600" cx="32918400"/>
+  <p:sldSz cx="32918400" cy="21945600"/>
   <p:notesSz cx="6858000" cy="9144000"/>
   <p:defaultTextStyle>
-    <a:defPPr lvl="0" marR="0" rtl="0" algn="l">
+    <a:defPPr marR="0" lvl="0" algn="l" rtl="0">
       <a:lnSpc>
         <a:spcPct val="100000"/>
       </a:lnSpc>
@@ -24,7 +24,7 @@
         <a:spcPts val="0"/>
       </a:spcAft>
     </a:defPPr>
-    <a:lvl1pPr lvl="0" marR="0" rtl="0" algn="l">
+    <a:lvl1pPr marR="0" lvl="0" algn="l" rtl="0">
       <a:lnSpc>
         <a:spcPct val="100000"/>
       </a:lnSpc>
@@ -38,7 +38,7 @@
         <a:srgbClr val="000000"/>
       </a:buClr>
       <a:buFont typeface="Arial"/>
-      <a:defRPr b="0" i="0" sz="1400" u="none" cap="none" strike="noStrike">
+      <a:defRPr sz="1400" b="0" i="0" u="none" strike="noStrike" cap="none">
         <a:solidFill>
           <a:srgbClr val="000000"/>
         </a:solidFill>
@@ -48,7 +48,7 @@
         <a:sym typeface="Arial"/>
       </a:defRPr>
     </a:lvl1pPr>
-    <a:lvl2pPr lvl="1" marR="0" rtl="0" algn="l">
+    <a:lvl2pPr marR="0" lvl="1" algn="l" rtl="0">
       <a:lnSpc>
         <a:spcPct val="100000"/>
       </a:lnSpc>
@@ -62,7 +62,7 @@
         <a:srgbClr val="000000"/>
       </a:buClr>
       <a:buFont typeface="Arial"/>
-      <a:defRPr b="0" i="0" sz="1400" u="none" cap="none" strike="noStrike">
+      <a:defRPr sz="1400" b="0" i="0" u="none" strike="noStrike" cap="none">
         <a:solidFill>
           <a:srgbClr val="000000"/>
         </a:solidFill>
@@ -72,7 +72,7 @@
         <a:sym typeface="Arial"/>
       </a:defRPr>
     </a:lvl2pPr>
-    <a:lvl3pPr lvl="2" marR="0" rtl="0" algn="l">
+    <a:lvl3pPr marR="0" lvl="2" algn="l" rtl="0">
       <a:lnSpc>
         <a:spcPct val="100000"/>
       </a:lnSpc>
@@ -86,7 +86,7 @@
         <a:srgbClr val="000000"/>
       </a:buClr>
       <a:buFont typeface="Arial"/>
-      <a:defRPr b="0" i="0" sz="1400" u="none" cap="none" strike="noStrike">
+      <a:defRPr sz="1400" b="0" i="0" u="none" strike="noStrike" cap="none">
         <a:solidFill>
           <a:srgbClr val="000000"/>
         </a:solidFill>
@@ -96,7 +96,7 @@
         <a:sym typeface="Arial"/>
       </a:defRPr>
     </a:lvl3pPr>
-    <a:lvl4pPr lvl="3" marR="0" rtl="0" algn="l">
+    <a:lvl4pPr marR="0" lvl="3" algn="l" rtl="0">
       <a:lnSpc>
         <a:spcPct val="100000"/>
       </a:lnSpc>
@@ -110,7 +110,7 @@
         <a:srgbClr val="000000"/>
       </a:buClr>
       <a:buFont typeface="Arial"/>
-      <a:defRPr b="0" i="0" sz="1400" u="none" cap="none" strike="noStrike">
+      <a:defRPr sz="1400" b="0" i="0" u="none" strike="noStrike" cap="none">
         <a:solidFill>
           <a:srgbClr val="000000"/>
         </a:solidFill>
@@ -120,7 +120,7 @@
         <a:sym typeface="Arial"/>
       </a:defRPr>
     </a:lvl4pPr>
-    <a:lvl5pPr lvl="4" marR="0" rtl="0" algn="l">
+    <a:lvl5pPr marR="0" lvl="4" algn="l" rtl="0">
       <a:lnSpc>
         <a:spcPct val="100000"/>
       </a:lnSpc>
@@ -134,7 +134,7 @@
         <a:srgbClr val="000000"/>
       </a:buClr>
       <a:buFont typeface="Arial"/>
-      <a:defRPr b="0" i="0" sz="1400" u="none" cap="none" strike="noStrike">
+      <a:defRPr sz="1400" b="0" i="0" u="none" strike="noStrike" cap="none">
         <a:solidFill>
           <a:srgbClr val="000000"/>
         </a:solidFill>
@@ -144,7 +144,7 @@
         <a:sym typeface="Arial"/>
       </a:defRPr>
     </a:lvl5pPr>
-    <a:lvl6pPr lvl="5" marR="0" rtl="0" algn="l">
+    <a:lvl6pPr marR="0" lvl="5" algn="l" rtl="0">
       <a:lnSpc>
         <a:spcPct val="100000"/>
       </a:lnSpc>
@@ -158,7 +158,7 @@
         <a:srgbClr val="000000"/>
       </a:buClr>
       <a:buFont typeface="Arial"/>
-      <a:defRPr b="0" i="0" sz="1400" u="none" cap="none" strike="noStrike">
+      <a:defRPr sz="1400" b="0" i="0" u="none" strike="noStrike" cap="none">
         <a:solidFill>
           <a:srgbClr val="000000"/>
         </a:solidFill>
@@ -168,7 +168,7 @@
         <a:sym typeface="Arial"/>
       </a:defRPr>
     </a:lvl6pPr>
-    <a:lvl7pPr lvl="6" marR="0" rtl="0" algn="l">
+    <a:lvl7pPr marR="0" lvl="6" algn="l" rtl="0">
       <a:lnSpc>
         <a:spcPct val="100000"/>
       </a:lnSpc>
@@ -182,7 +182,7 @@
         <a:srgbClr val="000000"/>
       </a:buClr>
       <a:buFont typeface="Arial"/>
-      <a:defRPr b="0" i="0" sz="1400" u="none" cap="none" strike="noStrike">
+      <a:defRPr sz="1400" b="0" i="0" u="none" strike="noStrike" cap="none">
         <a:solidFill>
           <a:srgbClr val="000000"/>
         </a:solidFill>
@@ -192,7 +192,7 @@
         <a:sym typeface="Arial"/>
       </a:defRPr>
     </a:lvl7pPr>
-    <a:lvl8pPr lvl="7" marR="0" rtl="0" algn="l">
+    <a:lvl8pPr marR="0" lvl="7" algn="l" rtl="0">
       <a:lnSpc>
         <a:spcPct val="100000"/>
       </a:lnSpc>
@@ -206,7 +206,7 @@
         <a:srgbClr val="000000"/>
       </a:buClr>
       <a:buFont typeface="Arial"/>
-      <a:defRPr b="0" i="0" sz="1400" u="none" cap="none" strike="noStrike">
+      <a:defRPr sz="1400" b="0" i="0" u="none" strike="noStrike" cap="none">
         <a:solidFill>
           <a:srgbClr val="000000"/>
         </a:solidFill>
@@ -216,7 +216,7 @@
         <a:sym typeface="Arial"/>
       </a:defRPr>
     </a:lvl8pPr>
-    <a:lvl9pPr lvl="8" marR="0" rtl="0" algn="l">
+    <a:lvl9pPr marR="0" lvl="8" algn="l" rtl="0">
       <a:lnSpc>
         <a:spcPct val="100000"/>
       </a:lnSpc>
@@ -230,7 +230,7 @@
         <a:srgbClr val="000000"/>
       </a:buClr>
       <a:buFont typeface="Arial"/>
-      <a:defRPr b="0" i="0" sz="1400" u="none" cap="none" strike="noStrike">
+      <a:defRPr sz="1400" b="0" i="0" u="none" strike="noStrike" cap="none">
         <a:solidFill>
           <a:srgbClr val="000000"/>
         </a:solidFill>
@@ -245,18 +245,19 @@
 </file>
 
 <file path=ppt/notesMasters/notesMaster1.xml><?xml version="1.0" encoding="utf-8"?>
-<p:notesMaster xmlns:a="http://schemas.openxmlformats.org/drawingml/2006/main" xmlns:r="http://schemas.openxmlformats.org/officeDocument/2006/relationships" xmlns:mc="http://schemas.openxmlformats.org/markup-compatibility/2006" xmlns:mv="urn:schemas-microsoft-com:mac:vml" xmlns:p="http://schemas.openxmlformats.org/presentationml/2006/main" xmlns:c="http://schemas.openxmlformats.org/drawingml/2006/chart" xmlns:dgm="http://schemas.openxmlformats.org/drawingml/2006/diagram" xmlns:o="urn:schemas-microsoft-com:office:office" xmlns:v="urn:schemas-microsoft-com:vml" xmlns:pvml="urn:schemas-microsoft-com:office:powerpoint" xmlns:com="http://schemas.openxmlformats.org/drawingml/2006/compatibility" xmlns:p14="http://schemas.microsoft.com/office/powerpoint/2010/main" xmlns:p15="http://schemas.microsoft.com/office/powerpoint/2012/main">
+<p:notesMaster xmlns:a="http://schemas.openxmlformats.org/drawingml/2006/main" xmlns:r="http://schemas.openxmlformats.org/officeDocument/2006/relationships" xmlns:p="http://schemas.openxmlformats.org/presentationml/2006/main">
   <p:cSld>
     <p:bg>
       <p:bgPr>
         <a:solidFill>
           <a:schemeClr val="lt1"/>
         </a:solidFill>
+        <a:effectLst/>
       </p:bgPr>
     </p:bg>
     <p:spTree>
       <p:nvGrpSpPr>
-        <p:cNvPr id="2" name="Shape 2"/>
+        <p:cNvPr id="1" name="Shape 2"/>
         <p:cNvGrpSpPr/>
         <p:nvPr/>
       </p:nvGrpSpPr>
@@ -271,9 +272,11 @@
       <p:sp>
         <p:nvSpPr>
           <p:cNvPr id="3" name="Google Shape;3;n"/>
-          <p:cNvSpPr txBox="1"/>
+          <p:cNvSpPr txBox="1">
+            <a:spLocks noGrp="1"/>
+          </p:cNvSpPr>
           <p:nvPr>
-            <p:ph idx="2" type="hdr"/>
+            <p:ph type="hdr" idx="2"/>
           </p:nvPr>
         </p:nvSpPr>
         <p:spPr>
@@ -290,18 +293,18 @@
           </a:ln>
         </p:spPr>
         <p:txBody>
-          <a:bodyPr anchorCtr="0" anchor="t" bIns="45700" lIns="91425" spcFirstLastPara="1" rIns="91425" wrap="square" tIns="45700"/>
+          <a:bodyPr spcFirstLastPara="1" wrap="square" lIns="91425" tIns="45700" rIns="91425" bIns="45700" anchor="t" anchorCtr="0"/>
           <a:lstStyle>
-            <a:lvl1pPr lvl="0" marR="0" rtl="0" algn="l">
-              <a:spcBef>
-                <a:spcPts val="0"/>
-              </a:spcBef>
-              <a:spcAft>
-                <a:spcPts val="0"/>
-              </a:spcAft>
-              <a:buSzPts val="1400"/>
-              <a:buNone/>
-              <a:defRPr b="0" i="0" sz="1200" u="none" cap="none" strike="noStrike">
+            <a:lvl1pPr marR="0" lvl="0" algn="l" rtl="0">
+              <a:spcBef>
+                <a:spcPts val="0"/>
+              </a:spcBef>
+              <a:spcAft>
+                <a:spcPts val="0"/>
+              </a:spcAft>
+              <a:buSzPts val="1400"/>
+              <a:buNone/>
+              <a:defRPr sz="1200" b="0" i="0" u="none" strike="noStrike" cap="none">
                 <a:solidFill>
                   <a:schemeClr val="dk1"/>
                 </a:solidFill>
@@ -311,16 +314,16 @@
                 <a:sym typeface="Calibri"/>
               </a:defRPr>
             </a:lvl1pPr>
-            <a:lvl2pPr lvl="1" marR="0" rtl="0" algn="l">
-              <a:spcBef>
-                <a:spcPts val="0"/>
-              </a:spcBef>
-              <a:spcAft>
-                <a:spcPts val="0"/>
-              </a:spcAft>
-              <a:buSzPts val="1400"/>
-              <a:buNone/>
-              <a:defRPr b="0" i="0" sz="5184" u="none" cap="none" strike="noStrike">
+            <a:lvl2pPr marR="0" lvl="1" algn="l" rtl="0">
+              <a:spcBef>
+                <a:spcPts val="0"/>
+              </a:spcBef>
+              <a:spcAft>
+                <a:spcPts val="0"/>
+              </a:spcAft>
+              <a:buSzPts val="1400"/>
+              <a:buNone/>
+              <a:defRPr sz="5184" b="0" i="0" u="none" strike="noStrike" cap="none">
                 <a:solidFill>
                   <a:schemeClr val="dk1"/>
                 </a:solidFill>
@@ -330,16 +333,16 @@
                 <a:sym typeface="Calibri"/>
               </a:defRPr>
             </a:lvl2pPr>
-            <a:lvl3pPr lvl="2" marR="0" rtl="0" algn="l">
-              <a:spcBef>
-                <a:spcPts val="0"/>
-              </a:spcBef>
-              <a:spcAft>
-                <a:spcPts val="0"/>
-              </a:spcAft>
-              <a:buSzPts val="1400"/>
-              <a:buNone/>
-              <a:defRPr b="0" i="0" sz="5184" u="none" cap="none" strike="noStrike">
+            <a:lvl3pPr marR="0" lvl="2" algn="l" rtl="0">
+              <a:spcBef>
+                <a:spcPts val="0"/>
+              </a:spcBef>
+              <a:spcAft>
+                <a:spcPts val="0"/>
+              </a:spcAft>
+              <a:buSzPts val="1400"/>
+              <a:buNone/>
+              <a:defRPr sz="5184" b="0" i="0" u="none" strike="noStrike" cap="none">
                 <a:solidFill>
                   <a:schemeClr val="dk1"/>
                 </a:solidFill>
@@ -349,16 +352,16 @@
                 <a:sym typeface="Calibri"/>
               </a:defRPr>
             </a:lvl3pPr>
-            <a:lvl4pPr lvl="3" marR="0" rtl="0" algn="l">
-              <a:spcBef>
-                <a:spcPts val="0"/>
-              </a:spcBef>
-              <a:spcAft>
-                <a:spcPts val="0"/>
-              </a:spcAft>
-              <a:buSzPts val="1400"/>
-              <a:buNone/>
-              <a:defRPr b="0" i="0" sz="5184" u="none" cap="none" strike="noStrike">
+            <a:lvl4pPr marR="0" lvl="3" algn="l" rtl="0">
+              <a:spcBef>
+                <a:spcPts val="0"/>
+              </a:spcBef>
+              <a:spcAft>
+                <a:spcPts val="0"/>
+              </a:spcAft>
+              <a:buSzPts val="1400"/>
+              <a:buNone/>
+              <a:defRPr sz="5184" b="0" i="0" u="none" strike="noStrike" cap="none">
                 <a:solidFill>
                   <a:schemeClr val="dk1"/>
                 </a:solidFill>
@@ -368,16 +371,16 @@
                 <a:sym typeface="Calibri"/>
               </a:defRPr>
             </a:lvl4pPr>
-            <a:lvl5pPr lvl="4" marR="0" rtl="0" algn="l">
-              <a:spcBef>
-                <a:spcPts val="0"/>
-              </a:spcBef>
-              <a:spcAft>
-                <a:spcPts val="0"/>
-              </a:spcAft>
-              <a:buSzPts val="1400"/>
-              <a:buNone/>
-              <a:defRPr b="0" i="0" sz="5184" u="none" cap="none" strike="noStrike">
+            <a:lvl5pPr marR="0" lvl="4" algn="l" rtl="0">
+              <a:spcBef>
+                <a:spcPts val="0"/>
+              </a:spcBef>
+              <a:spcAft>
+                <a:spcPts val="0"/>
+              </a:spcAft>
+              <a:buSzPts val="1400"/>
+              <a:buNone/>
+              <a:defRPr sz="5184" b="0" i="0" u="none" strike="noStrike" cap="none">
                 <a:solidFill>
                   <a:schemeClr val="dk1"/>
                 </a:solidFill>
@@ -387,16 +390,16 @@
                 <a:sym typeface="Calibri"/>
               </a:defRPr>
             </a:lvl5pPr>
-            <a:lvl6pPr lvl="5" marR="0" rtl="0" algn="l">
-              <a:spcBef>
-                <a:spcPts val="0"/>
-              </a:spcBef>
-              <a:spcAft>
-                <a:spcPts val="0"/>
-              </a:spcAft>
-              <a:buSzPts val="1400"/>
-              <a:buNone/>
-              <a:defRPr b="0" i="0" sz="5184" u="none" cap="none" strike="noStrike">
+            <a:lvl6pPr marR="0" lvl="5" algn="l" rtl="0">
+              <a:spcBef>
+                <a:spcPts val="0"/>
+              </a:spcBef>
+              <a:spcAft>
+                <a:spcPts val="0"/>
+              </a:spcAft>
+              <a:buSzPts val="1400"/>
+              <a:buNone/>
+              <a:defRPr sz="5184" b="0" i="0" u="none" strike="noStrike" cap="none">
                 <a:solidFill>
                   <a:schemeClr val="dk1"/>
                 </a:solidFill>
@@ -406,16 +409,16 @@
                 <a:sym typeface="Calibri"/>
               </a:defRPr>
             </a:lvl6pPr>
-            <a:lvl7pPr lvl="6" marR="0" rtl="0" algn="l">
-              <a:spcBef>
-                <a:spcPts val="0"/>
-              </a:spcBef>
-              <a:spcAft>
-                <a:spcPts val="0"/>
-              </a:spcAft>
-              <a:buSzPts val="1400"/>
-              <a:buNone/>
-              <a:defRPr b="0" i="0" sz="5184" u="none" cap="none" strike="noStrike">
+            <a:lvl7pPr marR="0" lvl="6" algn="l" rtl="0">
+              <a:spcBef>
+                <a:spcPts val="0"/>
+              </a:spcBef>
+              <a:spcAft>
+                <a:spcPts val="0"/>
+              </a:spcAft>
+              <a:buSzPts val="1400"/>
+              <a:buNone/>
+              <a:defRPr sz="5184" b="0" i="0" u="none" strike="noStrike" cap="none">
                 <a:solidFill>
                   <a:schemeClr val="dk1"/>
                 </a:solidFill>
@@ -425,16 +428,16 @@
                 <a:sym typeface="Calibri"/>
               </a:defRPr>
             </a:lvl7pPr>
-            <a:lvl8pPr lvl="7" marR="0" rtl="0" algn="l">
-              <a:spcBef>
-                <a:spcPts val="0"/>
-              </a:spcBef>
-              <a:spcAft>
-                <a:spcPts val="0"/>
-              </a:spcAft>
-              <a:buSzPts val="1400"/>
-              <a:buNone/>
-              <a:defRPr b="0" i="0" sz="5184" u="none" cap="none" strike="noStrike">
+            <a:lvl8pPr marR="0" lvl="7" algn="l" rtl="0">
+              <a:spcBef>
+                <a:spcPts val="0"/>
+              </a:spcBef>
+              <a:spcAft>
+                <a:spcPts val="0"/>
+              </a:spcAft>
+              <a:buSzPts val="1400"/>
+              <a:buNone/>
+              <a:defRPr sz="5184" b="0" i="0" u="none" strike="noStrike" cap="none">
                 <a:solidFill>
                   <a:schemeClr val="dk1"/>
                 </a:solidFill>
@@ -444,16 +447,16 @@
                 <a:sym typeface="Calibri"/>
               </a:defRPr>
             </a:lvl8pPr>
-            <a:lvl9pPr lvl="8" marR="0" rtl="0" algn="l">
-              <a:spcBef>
-                <a:spcPts val="0"/>
-              </a:spcBef>
-              <a:spcAft>
-                <a:spcPts val="0"/>
-              </a:spcAft>
-              <a:buSzPts val="1400"/>
-              <a:buNone/>
-              <a:defRPr b="0" i="0" sz="5184" u="none" cap="none" strike="noStrike">
+            <a:lvl9pPr marR="0" lvl="8" algn="l" rtl="0">
+              <a:spcBef>
+                <a:spcPts val="0"/>
+              </a:spcBef>
+              <a:spcAft>
+                <a:spcPts val="0"/>
+              </a:spcAft>
+              <a:buSzPts val="1400"/>
+              <a:buNone/>
+              <a:defRPr sz="5184" b="0" i="0" u="none" strike="noStrike" cap="none">
                 <a:solidFill>
                   <a:schemeClr val="dk1"/>
                 </a:solidFill>
@@ -464,15 +467,19 @@
               </a:defRPr>
             </a:lvl9pPr>
           </a:lstStyle>
-          <a:p/>
+          <a:p>
+            <a:endParaRPr/>
+          </a:p>
         </p:txBody>
       </p:sp>
       <p:sp>
         <p:nvSpPr>
           <p:cNvPr id="4" name="Google Shape;4;n"/>
-          <p:cNvSpPr txBox="1"/>
+          <p:cNvSpPr txBox="1">
+            <a:spLocks noGrp="1"/>
+          </p:cNvSpPr>
           <p:nvPr>
-            <p:ph idx="10" type="dt"/>
+            <p:ph type="dt" idx="10"/>
           </p:nvPr>
         </p:nvSpPr>
         <p:spPr>
@@ -489,18 +496,18 @@
           </a:ln>
         </p:spPr>
         <p:txBody>
-          <a:bodyPr anchorCtr="0" anchor="t" bIns="45700" lIns="91425" spcFirstLastPara="1" rIns="91425" wrap="square" tIns="45700"/>
+          <a:bodyPr spcFirstLastPara="1" wrap="square" lIns="91425" tIns="45700" rIns="91425" bIns="45700" anchor="t" anchorCtr="0"/>
           <a:lstStyle>
-            <a:lvl1pPr lvl="0" marR="0" rtl="0" algn="r">
-              <a:spcBef>
-                <a:spcPts val="0"/>
-              </a:spcBef>
-              <a:spcAft>
-                <a:spcPts val="0"/>
-              </a:spcAft>
-              <a:buSzPts val="1400"/>
-              <a:buNone/>
-              <a:defRPr b="0" i="0" sz="1200" u="none" cap="none" strike="noStrike">
+            <a:lvl1pPr marR="0" lvl="0" algn="r" rtl="0">
+              <a:spcBef>
+                <a:spcPts val="0"/>
+              </a:spcBef>
+              <a:spcAft>
+                <a:spcPts val="0"/>
+              </a:spcAft>
+              <a:buSzPts val="1400"/>
+              <a:buNone/>
+              <a:defRPr sz="1200" b="0" i="0" u="none" strike="noStrike" cap="none">
                 <a:solidFill>
                   <a:schemeClr val="dk1"/>
                 </a:solidFill>
@@ -510,16 +517,16 @@
                 <a:sym typeface="Calibri"/>
               </a:defRPr>
             </a:lvl1pPr>
-            <a:lvl2pPr lvl="1" marR="0" rtl="0" algn="l">
-              <a:spcBef>
-                <a:spcPts val="0"/>
-              </a:spcBef>
-              <a:spcAft>
-                <a:spcPts val="0"/>
-              </a:spcAft>
-              <a:buSzPts val="1400"/>
-              <a:buNone/>
-              <a:defRPr b="0" i="0" sz="5184" u="none" cap="none" strike="noStrike">
+            <a:lvl2pPr marR="0" lvl="1" algn="l" rtl="0">
+              <a:spcBef>
+                <a:spcPts val="0"/>
+              </a:spcBef>
+              <a:spcAft>
+                <a:spcPts val="0"/>
+              </a:spcAft>
+              <a:buSzPts val="1400"/>
+              <a:buNone/>
+              <a:defRPr sz="5184" b="0" i="0" u="none" strike="noStrike" cap="none">
                 <a:solidFill>
                   <a:schemeClr val="dk1"/>
                 </a:solidFill>
@@ -529,16 +536,16 @@
                 <a:sym typeface="Calibri"/>
               </a:defRPr>
             </a:lvl2pPr>
-            <a:lvl3pPr lvl="2" marR="0" rtl="0" algn="l">
-              <a:spcBef>
-                <a:spcPts val="0"/>
-              </a:spcBef>
-              <a:spcAft>
-                <a:spcPts val="0"/>
-              </a:spcAft>
-              <a:buSzPts val="1400"/>
-              <a:buNone/>
-              <a:defRPr b="0" i="0" sz="5184" u="none" cap="none" strike="noStrike">
+            <a:lvl3pPr marR="0" lvl="2" algn="l" rtl="0">
+              <a:spcBef>
+                <a:spcPts val="0"/>
+              </a:spcBef>
+              <a:spcAft>
+                <a:spcPts val="0"/>
+              </a:spcAft>
+              <a:buSzPts val="1400"/>
+              <a:buNone/>
+              <a:defRPr sz="5184" b="0" i="0" u="none" strike="noStrike" cap="none">
                 <a:solidFill>
                   <a:schemeClr val="dk1"/>
                 </a:solidFill>
@@ -548,16 +555,16 @@
                 <a:sym typeface="Calibri"/>
               </a:defRPr>
             </a:lvl3pPr>
-            <a:lvl4pPr lvl="3" marR="0" rtl="0" algn="l">
-              <a:spcBef>
-                <a:spcPts val="0"/>
-              </a:spcBef>
-              <a:spcAft>
-                <a:spcPts val="0"/>
-              </a:spcAft>
-              <a:buSzPts val="1400"/>
-              <a:buNone/>
-              <a:defRPr b="0" i="0" sz="5184" u="none" cap="none" strike="noStrike">
+            <a:lvl4pPr marR="0" lvl="3" algn="l" rtl="0">
+              <a:spcBef>
+                <a:spcPts val="0"/>
+              </a:spcBef>
+              <a:spcAft>
+                <a:spcPts val="0"/>
+              </a:spcAft>
+              <a:buSzPts val="1400"/>
+              <a:buNone/>
+              <a:defRPr sz="5184" b="0" i="0" u="none" strike="noStrike" cap="none">
                 <a:solidFill>
                   <a:schemeClr val="dk1"/>
                 </a:solidFill>
@@ -567,16 +574,16 @@
                 <a:sym typeface="Calibri"/>
               </a:defRPr>
             </a:lvl4pPr>
-            <a:lvl5pPr lvl="4" marR="0" rtl="0" algn="l">
-              <a:spcBef>
-                <a:spcPts val="0"/>
-              </a:spcBef>
-              <a:spcAft>
-                <a:spcPts val="0"/>
-              </a:spcAft>
-              <a:buSzPts val="1400"/>
-              <a:buNone/>
-              <a:defRPr b="0" i="0" sz="5184" u="none" cap="none" strike="noStrike">
+            <a:lvl5pPr marR="0" lvl="4" algn="l" rtl="0">
+              <a:spcBef>
+                <a:spcPts val="0"/>
+              </a:spcBef>
+              <a:spcAft>
+                <a:spcPts val="0"/>
+              </a:spcAft>
+              <a:buSzPts val="1400"/>
+              <a:buNone/>
+              <a:defRPr sz="5184" b="0" i="0" u="none" strike="noStrike" cap="none">
                 <a:solidFill>
                   <a:schemeClr val="dk1"/>
                 </a:solidFill>
@@ -586,16 +593,16 @@
                 <a:sym typeface="Calibri"/>
               </a:defRPr>
             </a:lvl5pPr>
-            <a:lvl6pPr lvl="5" marR="0" rtl="0" algn="l">
-              <a:spcBef>
-                <a:spcPts val="0"/>
-              </a:spcBef>
-              <a:spcAft>
-                <a:spcPts val="0"/>
-              </a:spcAft>
-              <a:buSzPts val="1400"/>
-              <a:buNone/>
-              <a:defRPr b="0" i="0" sz="5184" u="none" cap="none" strike="noStrike">
+            <a:lvl6pPr marR="0" lvl="5" algn="l" rtl="0">
+              <a:spcBef>
+                <a:spcPts val="0"/>
+              </a:spcBef>
+              <a:spcAft>
+                <a:spcPts val="0"/>
+              </a:spcAft>
+              <a:buSzPts val="1400"/>
+              <a:buNone/>
+              <a:defRPr sz="5184" b="0" i="0" u="none" strike="noStrike" cap="none">
                 <a:solidFill>
                   <a:schemeClr val="dk1"/>
                 </a:solidFill>
@@ -605,16 +612,16 @@
                 <a:sym typeface="Calibri"/>
               </a:defRPr>
             </a:lvl6pPr>
-            <a:lvl7pPr lvl="6" marR="0" rtl="0" algn="l">
-              <a:spcBef>
-                <a:spcPts val="0"/>
-              </a:spcBef>
-              <a:spcAft>
-                <a:spcPts val="0"/>
-              </a:spcAft>
-              <a:buSzPts val="1400"/>
-              <a:buNone/>
-              <a:defRPr b="0" i="0" sz="5184" u="none" cap="none" strike="noStrike">
+            <a:lvl7pPr marR="0" lvl="6" algn="l" rtl="0">
+              <a:spcBef>
+                <a:spcPts val="0"/>
+              </a:spcBef>
+              <a:spcAft>
+                <a:spcPts val="0"/>
+              </a:spcAft>
+              <a:buSzPts val="1400"/>
+              <a:buNone/>
+              <a:defRPr sz="5184" b="0" i="0" u="none" strike="noStrike" cap="none">
                 <a:solidFill>
                   <a:schemeClr val="dk1"/>
                 </a:solidFill>
@@ -624,16 +631,16 @@
                 <a:sym typeface="Calibri"/>
               </a:defRPr>
             </a:lvl7pPr>
-            <a:lvl8pPr lvl="7" marR="0" rtl="0" algn="l">
-              <a:spcBef>
-                <a:spcPts val="0"/>
-              </a:spcBef>
-              <a:spcAft>
-                <a:spcPts val="0"/>
-              </a:spcAft>
-              <a:buSzPts val="1400"/>
-              <a:buNone/>
-              <a:defRPr b="0" i="0" sz="5184" u="none" cap="none" strike="noStrike">
+            <a:lvl8pPr marR="0" lvl="7" algn="l" rtl="0">
+              <a:spcBef>
+                <a:spcPts val="0"/>
+              </a:spcBef>
+              <a:spcAft>
+                <a:spcPts val="0"/>
+              </a:spcAft>
+              <a:buSzPts val="1400"/>
+              <a:buNone/>
+              <a:defRPr sz="5184" b="0" i="0" u="none" strike="noStrike" cap="none">
                 <a:solidFill>
                   <a:schemeClr val="dk1"/>
                 </a:solidFill>
@@ -643,16 +650,16 @@
                 <a:sym typeface="Calibri"/>
               </a:defRPr>
             </a:lvl8pPr>
-            <a:lvl9pPr lvl="8" marR="0" rtl="0" algn="l">
-              <a:spcBef>
-                <a:spcPts val="0"/>
-              </a:spcBef>
-              <a:spcAft>
-                <a:spcPts val="0"/>
-              </a:spcAft>
-              <a:buSzPts val="1400"/>
-              <a:buNone/>
-              <a:defRPr b="0" i="0" sz="5184" u="none" cap="none" strike="noStrike">
+            <a:lvl9pPr marR="0" lvl="8" algn="l" rtl="0">
+              <a:spcBef>
+                <a:spcPts val="0"/>
+              </a:spcBef>
+              <a:spcAft>
+                <a:spcPts val="0"/>
+              </a:spcAft>
+              <a:buSzPts val="1400"/>
+              <a:buNone/>
+              <a:defRPr sz="5184" b="0" i="0" u="none" strike="noStrike" cap="none">
                 <a:solidFill>
                   <a:schemeClr val="dk1"/>
                 </a:solidFill>
@@ -663,15 +670,19 @@
               </a:defRPr>
             </a:lvl9pPr>
           </a:lstStyle>
-          <a:p/>
+          <a:p>
+            <a:endParaRPr/>
+          </a:p>
         </p:txBody>
       </p:sp>
       <p:sp>
         <p:nvSpPr>
           <p:cNvPr id="5" name="Google Shape;5;n"/>
-          <p:cNvSpPr/>
+          <p:cNvSpPr>
+            <a:spLocks noGrp="1" noRot="1" noChangeAspect="1"/>
+          </p:cNvSpPr>
           <p:nvPr>
-            <p:ph idx="3" type="sldImg"/>
+            <p:ph type="sldImg" idx="3"/>
           </p:nvPr>
         </p:nvSpPr>
         <p:spPr>
@@ -680,9 +691,13 @@
             <a:ext cx="4629150" cy="3086100"/>
           </a:xfrm>
           <a:custGeom>
-            <a:rect b="b" l="l" r="r" t="t"/>
+            <a:avLst/>
+            <a:gdLst/>
+            <a:ahLst/>
+            <a:cxnLst/>
+            <a:rect l="l" t="t" r="r" b="b"/>
             <a:pathLst>
-              <a:path extrusionOk="0" h="120000" w="120000">
+              <a:path w="120000" h="120000" extrusionOk="0">
                 <a:moveTo>
                   <a:pt x="0" y="0"/>
                 </a:moveTo>
@@ -700,23 +715,25 @@
             </a:pathLst>
           </a:custGeom>
           <a:noFill/>
-          <a:ln cap="flat" cmpd="sng" w="12700">
+          <a:ln w="12700" cap="flat" cmpd="sng">
             <a:solidFill>
               <a:srgbClr val="000000"/>
             </a:solidFill>
             <a:prstDash val="solid"/>
             <a:round/>
-            <a:headEnd len="sm" w="sm" type="none"/>
-            <a:tailEnd len="sm" w="sm" type="none"/>
+            <a:headEnd type="none" w="sm" len="sm"/>
+            <a:tailEnd type="none" w="sm" len="sm"/>
           </a:ln>
         </p:spPr>
       </p:sp>
       <p:sp>
         <p:nvSpPr>
           <p:cNvPr id="6" name="Google Shape;6;n"/>
-          <p:cNvSpPr txBox="1"/>
+          <p:cNvSpPr txBox="1">
+            <a:spLocks noGrp="1"/>
+          </p:cNvSpPr>
           <p:nvPr>
-            <p:ph idx="1" type="body"/>
+            <p:ph type="body" idx="1"/>
           </p:nvPr>
         </p:nvSpPr>
         <p:spPr>
@@ -733,18 +750,18 @@
           </a:ln>
         </p:spPr>
         <p:txBody>
-          <a:bodyPr anchorCtr="0" anchor="t" bIns="45700" lIns="91425" spcFirstLastPara="1" rIns="91425" wrap="square" tIns="45700"/>
+          <a:bodyPr spcFirstLastPara="1" wrap="square" lIns="91425" tIns="45700" rIns="91425" bIns="45700" anchor="t" anchorCtr="0"/>
           <a:lstStyle>
-            <a:lvl1pPr indent="-228600" lvl="0" marL="457200" marR="0" rtl="0" algn="l">
-              <a:spcBef>
-                <a:spcPts val="0"/>
-              </a:spcBef>
-              <a:spcAft>
-                <a:spcPts val="0"/>
-              </a:spcAft>
-              <a:buSzPts val="1400"/>
-              <a:buNone/>
-              <a:defRPr b="0" i="0" sz="3456" u="none" cap="none" strike="noStrike">
+            <a:lvl1pPr marL="457200" marR="0" lvl="0" indent="-228600" algn="l" rtl="0">
+              <a:spcBef>
+                <a:spcPts val="0"/>
+              </a:spcBef>
+              <a:spcAft>
+                <a:spcPts val="0"/>
+              </a:spcAft>
+              <a:buSzPts val="1400"/>
+              <a:buNone/>
+              <a:defRPr sz="3456" b="0" i="0" u="none" strike="noStrike" cap="none">
                 <a:solidFill>
                   <a:schemeClr val="dk1"/>
                 </a:solidFill>
@@ -754,16 +771,16 @@
                 <a:sym typeface="Calibri"/>
               </a:defRPr>
             </a:lvl1pPr>
-            <a:lvl2pPr indent="-228600" lvl="1" marL="914400" marR="0" rtl="0" algn="l">
-              <a:spcBef>
-                <a:spcPts val="0"/>
-              </a:spcBef>
-              <a:spcAft>
-                <a:spcPts val="0"/>
-              </a:spcAft>
-              <a:buSzPts val="1400"/>
-              <a:buNone/>
-              <a:defRPr b="0" i="0" sz="3456" u="none" cap="none" strike="noStrike">
+            <a:lvl2pPr marL="914400" marR="0" lvl="1" indent="-228600" algn="l" rtl="0">
+              <a:spcBef>
+                <a:spcPts val="0"/>
+              </a:spcBef>
+              <a:spcAft>
+                <a:spcPts val="0"/>
+              </a:spcAft>
+              <a:buSzPts val="1400"/>
+              <a:buNone/>
+              <a:defRPr sz="3456" b="0" i="0" u="none" strike="noStrike" cap="none">
                 <a:solidFill>
                   <a:schemeClr val="dk1"/>
                 </a:solidFill>
@@ -773,16 +790,16 @@
                 <a:sym typeface="Calibri"/>
               </a:defRPr>
             </a:lvl2pPr>
-            <a:lvl3pPr indent="-228600" lvl="2" marL="1371600" marR="0" rtl="0" algn="l">
-              <a:spcBef>
-                <a:spcPts val="0"/>
-              </a:spcBef>
-              <a:spcAft>
-                <a:spcPts val="0"/>
-              </a:spcAft>
-              <a:buSzPts val="1400"/>
-              <a:buNone/>
-              <a:defRPr b="0" i="0" sz="3456" u="none" cap="none" strike="noStrike">
+            <a:lvl3pPr marL="1371600" marR="0" lvl="2" indent="-228600" algn="l" rtl="0">
+              <a:spcBef>
+                <a:spcPts val="0"/>
+              </a:spcBef>
+              <a:spcAft>
+                <a:spcPts val="0"/>
+              </a:spcAft>
+              <a:buSzPts val="1400"/>
+              <a:buNone/>
+              <a:defRPr sz="3456" b="0" i="0" u="none" strike="noStrike" cap="none">
                 <a:solidFill>
                   <a:schemeClr val="dk1"/>
                 </a:solidFill>
@@ -792,16 +809,16 @@
                 <a:sym typeface="Calibri"/>
               </a:defRPr>
             </a:lvl3pPr>
-            <a:lvl4pPr indent="-228600" lvl="3" marL="1828800" marR="0" rtl="0" algn="l">
-              <a:spcBef>
-                <a:spcPts val="0"/>
-              </a:spcBef>
-              <a:spcAft>
-                <a:spcPts val="0"/>
-              </a:spcAft>
-              <a:buSzPts val="1400"/>
-              <a:buNone/>
-              <a:defRPr b="0" i="0" sz="3456" u="none" cap="none" strike="noStrike">
+            <a:lvl4pPr marL="1828800" marR="0" lvl="3" indent="-228600" algn="l" rtl="0">
+              <a:spcBef>
+                <a:spcPts val="0"/>
+              </a:spcBef>
+              <a:spcAft>
+                <a:spcPts val="0"/>
+              </a:spcAft>
+              <a:buSzPts val="1400"/>
+              <a:buNone/>
+              <a:defRPr sz="3456" b="0" i="0" u="none" strike="noStrike" cap="none">
                 <a:solidFill>
                   <a:schemeClr val="dk1"/>
                 </a:solidFill>
@@ -811,16 +828,16 @@
                 <a:sym typeface="Calibri"/>
               </a:defRPr>
             </a:lvl4pPr>
-            <a:lvl5pPr indent="-228600" lvl="4" marL="2286000" marR="0" rtl="0" algn="l">
-              <a:spcBef>
-                <a:spcPts val="0"/>
-              </a:spcBef>
-              <a:spcAft>
-                <a:spcPts val="0"/>
-              </a:spcAft>
-              <a:buSzPts val="1400"/>
-              <a:buNone/>
-              <a:defRPr b="0" i="0" sz="3456" u="none" cap="none" strike="noStrike">
+            <a:lvl5pPr marL="2286000" marR="0" lvl="4" indent="-228600" algn="l" rtl="0">
+              <a:spcBef>
+                <a:spcPts val="0"/>
+              </a:spcBef>
+              <a:spcAft>
+                <a:spcPts val="0"/>
+              </a:spcAft>
+              <a:buSzPts val="1400"/>
+              <a:buNone/>
+              <a:defRPr sz="3456" b="0" i="0" u="none" strike="noStrike" cap="none">
                 <a:solidFill>
                   <a:schemeClr val="dk1"/>
                 </a:solidFill>
@@ -830,16 +847,16 @@
                 <a:sym typeface="Calibri"/>
               </a:defRPr>
             </a:lvl5pPr>
-            <a:lvl6pPr indent="-228600" lvl="5" marL="2743200" marR="0" rtl="0" algn="l">
-              <a:spcBef>
-                <a:spcPts val="0"/>
-              </a:spcBef>
-              <a:spcAft>
-                <a:spcPts val="0"/>
-              </a:spcAft>
-              <a:buSzPts val="1400"/>
-              <a:buNone/>
-              <a:defRPr b="0" i="0" sz="3456" u="none" cap="none" strike="noStrike">
+            <a:lvl6pPr marL="2743200" marR="0" lvl="5" indent="-228600" algn="l" rtl="0">
+              <a:spcBef>
+                <a:spcPts val="0"/>
+              </a:spcBef>
+              <a:spcAft>
+                <a:spcPts val="0"/>
+              </a:spcAft>
+              <a:buSzPts val="1400"/>
+              <a:buNone/>
+              <a:defRPr sz="3456" b="0" i="0" u="none" strike="noStrike" cap="none">
                 <a:solidFill>
                   <a:schemeClr val="dk1"/>
                 </a:solidFill>
@@ -849,16 +866,16 @@
                 <a:sym typeface="Calibri"/>
               </a:defRPr>
             </a:lvl6pPr>
-            <a:lvl7pPr indent="-228600" lvl="6" marL="3200400" marR="0" rtl="0" algn="l">
-              <a:spcBef>
-                <a:spcPts val="0"/>
-              </a:spcBef>
-              <a:spcAft>
-                <a:spcPts val="0"/>
-              </a:spcAft>
-              <a:buSzPts val="1400"/>
-              <a:buNone/>
-              <a:defRPr b="0" i="0" sz="3456" u="none" cap="none" strike="noStrike">
+            <a:lvl7pPr marL="3200400" marR="0" lvl="6" indent="-228600" algn="l" rtl="0">
+              <a:spcBef>
+                <a:spcPts val="0"/>
+              </a:spcBef>
+              <a:spcAft>
+                <a:spcPts val="0"/>
+              </a:spcAft>
+              <a:buSzPts val="1400"/>
+              <a:buNone/>
+              <a:defRPr sz="3456" b="0" i="0" u="none" strike="noStrike" cap="none">
                 <a:solidFill>
                   <a:schemeClr val="dk1"/>
                 </a:solidFill>
@@ -868,16 +885,16 @@
                 <a:sym typeface="Calibri"/>
               </a:defRPr>
             </a:lvl7pPr>
-            <a:lvl8pPr indent="-228600" lvl="7" marL="3657600" marR="0" rtl="0" algn="l">
-              <a:spcBef>
-                <a:spcPts val="0"/>
-              </a:spcBef>
-              <a:spcAft>
-                <a:spcPts val="0"/>
-              </a:spcAft>
-              <a:buSzPts val="1400"/>
-              <a:buNone/>
-              <a:defRPr b="0" i="0" sz="3456" u="none" cap="none" strike="noStrike">
+            <a:lvl8pPr marL="3657600" marR="0" lvl="7" indent="-228600" algn="l" rtl="0">
+              <a:spcBef>
+                <a:spcPts val="0"/>
+              </a:spcBef>
+              <a:spcAft>
+                <a:spcPts val="0"/>
+              </a:spcAft>
+              <a:buSzPts val="1400"/>
+              <a:buNone/>
+              <a:defRPr sz="3456" b="0" i="0" u="none" strike="noStrike" cap="none">
                 <a:solidFill>
                   <a:schemeClr val="dk1"/>
                 </a:solidFill>
@@ -887,16 +904,16 @@
                 <a:sym typeface="Calibri"/>
               </a:defRPr>
             </a:lvl8pPr>
-            <a:lvl9pPr indent="-228600" lvl="8" marL="4114800" marR="0" rtl="0" algn="l">
-              <a:spcBef>
-                <a:spcPts val="0"/>
-              </a:spcBef>
-              <a:spcAft>
-                <a:spcPts val="0"/>
-              </a:spcAft>
-              <a:buSzPts val="1400"/>
-              <a:buNone/>
-              <a:defRPr b="0" i="0" sz="3456" u="none" cap="none" strike="noStrike">
+            <a:lvl9pPr marL="4114800" marR="0" lvl="8" indent="-228600" algn="l" rtl="0">
+              <a:spcBef>
+                <a:spcPts val="0"/>
+              </a:spcBef>
+              <a:spcAft>
+                <a:spcPts val="0"/>
+              </a:spcAft>
+              <a:buSzPts val="1400"/>
+              <a:buNone/>
+              <a:defRPr sz="3456" b="0" i="0" u="none" strike="noStrike" cap="none">
                 <a:solidFill>
                   <a:schemeClr val="dk1"/>
                 </a:solidFill>
@@ -907,15 +924,19 @@
               </a:defRPr>
             </a:lvl9pPr>
           </a:lstStyle>
-          <a:p/>
+          <a:p>
+            <a:endParaRPr/>
+          </a:p>
         </p:txBody>
       </p:sp>
       <p:sp>
         <p:nvSpPr>
           <p:cNvPr id="7" name="Google Shape;7;n"/>
-          <p:cNvSpPr txBox="1"/>
+          <p:cNvSpPr txBox="1">
+            <a:spLocks noGrp="1"/>
+          </p:cNvSpPr>
           <p:nvPr>
-            <p:ph idx="11" type="ftr"/>
+            <p:ph type="ftr" idx="11"/>
           </p:nvPr>
         </p:nvSpPr>
         <p:spPr>
@@ -932,18 +953,18 @@
           </a:ln>
         </p:spPr>
         <p:txBody>
-          <a:bodyPr anchorCtr="0" anchor="b" bIns="45700" lIns="91425" spcFirstLastPara="1" rIns="91425" wrap="square" tIns="45700"/>
+          <a:bodyPr spcFirstLastPara="1" wrap="square" lIns="91425" tIns="45700" rIns="91425" bIns="45700" anchor="b" anchorCtr="0"/>
           <a:lstStyle>
-            <a:lvl1pPr lvl="0" marR="0" rtl="0" algn="l">
-              <a:spcBef>
-                <a:spcPts val="0"/>
-              </a:spcBef>
-              <a:spcAft>
-                <a:spcPts val="0"/>
-              </a:spcAft>
-              <a:buSzPts val="1400"/>
-              <a:buNone/>
-              <a:defRPr b="0" i="0" sz="1200" u="none" cap="none" strike="noStrike">
+            <a:lvl1pPr marR="0" lvl="0" algn="l" rtl="0">
+              <a:spcBef>
+                <a:spcPts val="0"/>
+              </a:spcBef>
+              <a:spcAft>
+                <a:spcPts val="0"/>
+              </a:spcAft>
+              <a:buSzPts val="1400"/>
+              <a:buNone/>
+              <a:defRPr sz="1200" b="0" i="0" u="none" strike="noStrike" cap="none">
                 <a:solidFill>
                   <a:schemeClr val="dk1"/>
                 </a:solidFill>
@@ -953,16 +974,16 @@
                 <a:sym typeface="Calibri"/>
               </a:defRPr>
             </a:lvl1pPr>
-            <a:lvl2pPr lvl="1" marR="0" rtl="0" algn="l">
-              <a:spcBef>
-                <a:spcPts val="0"/>
-              </a:spcBef>
-              <a:spcAft>
-                <a:spcPts val="0"/>
-              </a:spcAft>
-              <a:buSzPts val="1400"/>
-              <a:buNone/>
-              <a:defRPr b="0" i="0" sz="5184" u="none" cap="none" strike="noStrike">
+            <a:lvl2pPr marR="0" lvl="1" algn="l" rtl="0">
+              <a:spcBef>
+                <a:spcPts val="0"/>
+              </a:spcBef>
+              <a:spcAft>
+                <a:spcPts val="0"/>
+              </a:spcAft>
+              <a:buSzPts val="1400"/>
+              <a:buNone/>
+              <a:defRPr sz="5184" b="0" i="0" u="none" strike="noStrike" cap="none">
                 <a:solidFill>
                   <a:schemeClr val="dk1"/>
                 </a:solidFill>
@@ -972,16 +993,16 @@
                 <a:sym typeface="Calibri"/>
               </a:defRPr>
             </a:lvl2pPr>
-            <a:lvl3pPr lvl="2" marR="0" rtl="0" algn="l">
-              <a:spcBef>
-                <a:spcPts val="0"/>
-              </a:spcBef>
-              <a:spcAft>
-                <a:spcPts val="0"/>
-              </a:spcAft>
-              <a:buSzPts val="1400"/>
-              <a:buNone/>
-              <a:defRPr b="0" i="0" sz="5184" u="none" cap="none" strike="noStrike">
+            <a:lvl3pPr marR="0" lvl="2" algn="l" rtl="0">
+              <a:spcBef>
+                <a:spcPts val="0"/>
+              </a:spcBef>
+              <a:spcAft>
+                <a:spcPts val="0"/>
+              </a:spcAft>
+              <a:buSzPts val="1400"/>
+              <a:buNone/>
+              <a:defRPr sz="5184" b="0" i="0" u="none" strike="noStrike" cap="none">
                 <a:solidFill>
                   <a:schemeClr val="dk1"/>
                 </a:solidFill>
@@ -991,16 +1012,16 @@
                 <a:sym typeface="Calibri"/>
               </a:defRPr>
             </a:lvl3pPr>
-            <a:lvl4pPr lvl="3" marR="0" rtl="0" algn="l">
-              <a:spcBef>
-                <a:spcPts val="0"/>
-              </a:spcBef>
-              <a:spcAft>
-                <a:spcPts val="0"/>
-              </a:spcAft>
-              <a:buSzPts val="1400"/>
-              <a:buNone/>
-              <a:defRPr b="0" i="0" sz="5184" u="none" cap="none" strike="noStrike">
+            <a:lvl4pPr marR="0" lvl="3" algn="l" rtl="0">
+              <a:spcBef>
+                <a:spcPts val="0"/>
+              </a:spcBef>
+              <a:spcAft>
+                <a:spcPts val="0"/>
+              </a:spcAft>
+              <a:buSzPts val="1400"/>
+              <a:buNone/>
+              <a:defRPr sz="5184" b="0" i="0" u="none" strike="noStrike" cap="none">
                 <a:solidFill>
                   <a:schemeClr val="dk1"/>
                 </a:solidFill>
@@ -1010,16 +1031,16 @@
                 <a:sym typeface="Calibri"/>
               </a:defRPr>
             </a:lvl4pPr>
-            <a:lvl5pPr lvl="4" marR="0" rtl="0" algn="l">
-              <a:spcBef>
-                <a:spcPts val="0"/>
-              </a:spcBef>
-              <a:spcAft>
-                <a:spcPts val="0"/>
-              </a:spcAft>
-              <a:buSzPts val="1400"/>
-              <a:buNone/>
-              <a:defRPr b="0" i="0" sz="5184" u="none" cap="none" strike="noStrike">
+            <a:lvl5pPr marR="0" lvl="4" algn="l" rtl="0">
+              <a:spcBef>
+                <a:spcPts val="0"/>
+              </a:spcBef>
+              <a:spcAft>
+                <a:spcPts val="0"/>
+              </a:spcAft>
+              <a:buSzPts val="1400"/>
+              <a:buNone/>
+              <a:defRPr sz="5184" b="0" i="0" u="none" strike="noStrike" cap="none">
                 <a:solidFill>
                   <a:schemeClr val="dk1"/>
                 </a:solidFill>
@@ -1029,16 +1050,16 @@
                 <a:sym typeface="Calibri"/>
               </a:defRPr>
             </a:lvl5pPr>
-            <a:lvl6pPr lvl="5" marR="0" rtl="0" algn="l">
-              <a:spcBef>
-                <a:spcPts val="0"/>
-              </a:spcBef>
-              <a:spcAft>
-                <a:spcPts val="0"/>
-              </a:spcAft>
-              <a:buSzPts val="1400"/>
-              <a:buNone/>
-              <a:defRPr b="0" i="0" sz="5184" u="none" cap="none" strike="noStrike">
+            <a:lvl6pPr marR="0" lvl="5" algn="l" rtl="0">
+              <a:spcBef>
+                <a:spcPts val="0"/>
+              </a:spcBef>
+              <a:spcAft>
+                <a:spcPts val="0"/>
+              </a:spcAft>
+              <a:buSzPts val="1400"/>
+              <a:buNone/>
+              <a:defRPr sz="5184" b="0" i="0" u="none" strike="noStrike" cap="none">
                 <a:solidFill>
                   <a:schemeClr val="dk1"/>
                 </a:solidFill>
@@ -1048,16 +1069,16 @@
                 <a:sym typeface="Calibri"/>
               </a:defRPr>
             </a:lvl6pPr>
-            <a:lvl7pPr lvl="6" marR="0" rtl="0" algn="l">
-              <a:spcBef>
-                <a:spcPts val="0"/>
-              </a:spcBef>
-              <a:spcAft>
-                <a:spcPts val="0"/>
-              </a:spcAft>
-              <a:buSzPts val="1400"/>
-              <a:buNone/>
-              <a:defRPr b="0" i="0" sz="5184" u="none" cap="none" strike="noStrike">
+            <a:lvl7pPr marR="0" lvl="6" algn="l" rtl="0">
+              <a:spcBef>
+                <a:spcPts val="0"/>
+              </a:spcBef>
+              <a:spcAft>
+                <a:spcPts val="0"/>
+              </a:spcAft>
+              <a:buSzPts val="1400"/>
+              <a:buNone/>
+              <a:defRPr sz="5184" b="0" i="0" u="none" strike="noStrike" cap="none">
                 <a:solidFill>
                   <a:schemeClr val="dk1"/>
                 </a:solidFill>
@@ -1067,16 +1088,16 @@
                 <a:sym typeface="Calibri"/>
               </a:defRPr>
             </a:lvl7pPr>
-            <a:lvl8pPr lvl="7" marR="0" rtl="0" algn="l">
-              <a:spcBef>
-                <a:spcPts val="0"/>
-              </a:spcBef>
-              <a:spcAft>
-                <a:spcPts val="0"/>
-              </a:spcAft>
-              <a:buSzPts val="1400"/>
-              <a:buNone/>
-              <a:defRPr b="0" i="0" sz="5184" u="none" cap="none" strike="noStrike">
+            <a:lvl8pPr marR="0" lvl="7" algn="l" rtl="0">
+              <a:spcBef>
+                <a:spcPts val="0"/>
+              </a:spcBef>
+              <a:spcAft>
+                <a:spcPts val="0"/>
+              </a:spcAft>
+              <a:buSzPts val="1400"/>
+              <a:buNone/>
+              <a:defRPr sz="5184" b="0" i="0" u="none" strike="noStrike" cap="none">
                 <a:solidFill>
                   <a:schemeClr val="dk1"/>
                 </a:solidFill>
@@ -1086,16 +1107,16 @@
                 <a:sym typeface="Calibri"/>
               </a:defRPr>
             </a:lvl8pPr>
-            <a:lvl9pPr lvl="8" marR="0" rtl="0" algn="l">
-              <a:spcBef>
-                <a:spcPts val="0"/>
-              </a:spcBef>
-              <a:spcAft>
-                <a:spcPts val="0"/>
-              </a:spcAft>
-              <a:buSzPts val="1400"/>
-              <a:buNone/>
-              <a:defRPr b="0" i="0" sz="5184" u="none" cap="none" strike="noStrike">
+            <a:lvl9pPr marR="0" lvl="8" algn="l" rtl="0">
+              <a:spcBef>
+                <a:spcPts val="0"/>
+              </a:spcBef>
+              <a:spcAft>
+                <a:spcPts val="0"/>
+              </a:spcAft>
+              <a:buSzPts val="1400"/>
+              <a:buNone/>
+              <a:defRPr sz="5184" b="0" i="0" u="none" strike="noStrike" cap="none">
                 <a:solidFill>
                   <a:schemeClr val="dk1"/>
                 </a:solidFill>
@@ -1106,15 +1127,19 @@
               </a:defRPr>
             </a:lvl9pPr>
           </a:lstStyle>
-          <a:p/>
+          <a:p>
+            <a:endParaRPr/>
+          </a:p>
         </p:txBody>
       </p:sp>
       <p:sp>
         <p:nvSpPr>
           <p:cNvPr id="8" name="Google Shape;8;n"/>
-          <p:cNvSpPr txBox="1"/>
+          <p:cNvSpPr txBox="1">
+            <a:spLocks noGrp="1"/>
+          </p:cNvSpPr>
           <p:nvPr>
-            <p:ph idx="12" type="sldNum"/>
+            <p:ph type="sldNum" idx="12"/>
           </p:nvPr>
         </p:nvSpPr>
         <p:spPr>
@@ -1131,12 +1156,12 @@
           </a:ln>
         </p:spPr>
         <p:txBody>
-          <a:bodyPr anchorCtr="0" anchor="b" bIns="45700" lIns="91425" spcFirstLastPara="1" rIns="91425" wrap="square" tIns="45700">
+          <a:bodyPr spcFirstLastPara="1" wrap="square" lIns="91425" tIns="45700" rIns="91425" bIns="45700" anchor="b" anchorCtr="0">
             <a:noAutofit/>
           </a:bodyPr>
           <a:lstStyle/>
           <a:p>
-            <a:pPr indent="0" lvl="0" marL="0" marR="0" rtl="0" algn="r">
+            <a:pPr marL="0" marR="0" lvl="0" indent="0" algn="r" rtl="0">
               <a:spcBef>
                 <a:spcPts val="0"/>
               </a:spcBef>
@@ -1146,7 +1171,7 @@
               <a:buNone/>
             </a:pPr>
             <a:fld id="{00000000-1234-1234-1234-123412341234}" type="slidenum">
-              <a:rPr b="0" i="0" lang="en-US" sz="1200" u="none" cap="none" strike="noStrike">
+              <a:rPr lang="en-US" sz="1200" b="0" i="0" u="none" strike="noStrike" cap="none">
                 <a:solidFill>
                   <a:schemeClr val="dk1"/>
                 </a:solidFill>
@@ -1157,7 +1182,7 @@
               </a:rPr>
               <a:t>‹#›</a:t>
             </a:fld>
-            <a:endParaRPr b="0" i="0" sz="1200" u="none" cap="none" strike="noStrike">
+            <a:endParaRPr sz="1200" b="0" i="0" u="none" strike="noStrike" cap="none">
               <a:solidFill>
                 <a:schemeClr val="dk1"/>
               </a:solidFill>
@@ -1171,9 +1196,9 @@
       </p:sp>
     </p:spTree>
   </p:cSld>
-  <p:clrMap accent1="accent1" accent2="accent2" accent3="accent3" accent4="accent4" accent5="accent5" accent6="accent6" bg1="lt1" bg2="dk2" tx1="dk1" tx2="lt2" folHlink="folHlink" hlink="hlink"/>
+  <p:clrMap bg1="lt1" tx1="dk1" bg2="dk2" tx2="lt2" accent1="accent1" accent2="accent2" accent3="accent3" accent4="accent4" accent5="accent5" accent6="accent6" hlink="hlink" folHlink="folHlink"/>
   <p:notesStyle>
-    <a:defPPr lvl="0" marR="0" rtl="0" algn="l">
+    <a:defPPr marR="0" lvl="0" algn="l" rtl="0">
       <a:lnSpc>
         <a:spcPct val="100000"/>
       </a:lnSpc>
@@ -1184,7 +1209,7 @@
         <a:spcPts val="0"/>
       </a:spcAft>
     </a:defPPr>
-    <a:lvl1pPr lvl="0" marR="0" rtl="0" algn="l">
+    <a:lvl1pPr marR="0" lvl="0" algn="l" rtl="0">
       <a:lnSpc>
         <a:spcPct val="100000"/>
       </a:lnSpc>
@@ -1198,7 +1223,7 @@
         <a:srgbClr val="000000"/>
       </a:buClr>
       <a:buFont typeface="Arial"/>
-      <a:defRPr b="0" i="0" sz="1400" u="none" cap="none" strike="noStrike">
+      <a:defRPr sz="1400" b="0" i="0" u="none" strike="noStrike" cap="none">
         <a:solidFill>
           <a:srgbClr val="000000"/>
         </a:solidFill>
@@ -1208,7 +1233,7 @@
         <a:sym typeface="Arial"/>
       </a:defRPr>
     </a:lvl1pPr>
-    <a:lvl2pPr lvl="1" marR="0" rtl="0" algn="l">
+    <a:lvl2pPr marR="0" lvl="1" algn="l" rtl="0">
       <a:lnSpc>
         <a:spcPct val="100000"/>
       </a:lnSpc>
@@ -1222,7 +1247,7 @@
         <a:srgbClr val="000000"/>
       </a:buClr>
       <a:buFont typeface="Arial"/>
-      <a:defRPr b="0" i="0" sz="1400" u="none" cap="none" strike="noStrike">
+      <a:defRPr sz="1400" b="0" i="0" u="none" strike="noStrike" cap="none">
         <a:solidFill>
           <a:srgbClr val="000000"/>
         </a:solidFill>
@@ -1232,7 +1257,7 @@
         <a:sym typeface="Arial"/>
       </a:defRPr>
     </a:lvl2pPr>
-    <a:lvl3pPr lvl="2" marR="0" rtl="0" algn="l">
+    <a:lvl3pPr marR="0" lvl="2" algn="l" rtl="0">
       <a:lnSpc>
         <a:spcPct val="100000"/>
       </a:lnSpc>
@@ -1246,7 +1271,7 @@
         <a:srgbClr val="000000"/>
       </a:buClr>
       <a:buFont typeface="Arial"/>
-      <a:defRPr b="0" i="0" sz="1400" u="none" cap="none" strike="noStrike">
+      <a:defRPr sz="1400" b="0" i="0" u="none" strike="noStrike" cap="none">
         <a:solidFill>
           <a:srgbClr val="000000"/>
         </a:solidFill>
@@ -1256,7 +1281,7 @@
         <a:sym typeface="Arial"/>
       </a:defRPr>
     </a:lvl3pPr>
-    <a:lvl4pPr lvl="3" marR="0" rtl="0" algn="l">
+    <a:lvl4pPr marR="0" lvl="3" algn="l" rtl="0">
       <a:lnSpc>
         <a:spcPct val="100000"/>
       </a:lnSpc>
@@ -1270,7 +1295,7 @@
         <a:srgbClr val="000000"/>
       </a:buClr>
       <a:buFont typeface="Arial"/>
-      <a:defRPr b="0" i="0" sz="1400" u="none" cap="none" strike="noStrike">
+      <a:defRPr sz="1400" b="0" i="0" u="none" strike="noStrike" cap="none">
         <a:solidFill>
           <a:srgbClr val="000000"/>
         </a:solidFill>
@@ -1280,7 +1305,7 @@
         <a:sym typeface="Arial"/>
       </a:defRPr>
     </a:lvl4pPr>
-    <a:lvl5pPr lvl="4" marR="0" rtl="0" algn="l">
+    <a:lvl5pPr marR="0" lvl="4" algn="l" rtl="0">
       <a:lnSpc>
         <a:spcPct val="100000"/>
       </a:lnSpc>
@@ -1294,7 +1319,7 @@
         <a:srgbClr val="000000"/>
       </a:buClr>
       <a:buFont typeface="Arial"/>
-      <a:defRPr b="0" i="0" sz="1400" u="none" cap="none" strike="noStrike">
+      <a:defRPr sz="1400" b="0" i="0" u="none" strike="noStrike" cap="none">
         <a:solidFill>
           <a:srgbClr val="000000"/>
         </a:solidFill>
@@ -1304,7 +1329,7 @@
         <a:sym typeface="Arial"/>
       </a:defRPr>
     </a:lvl5pPr>
-    <a:lvl6pPr lvl="5" marR="0" rtl="0" algn="l">
+    <a:lvl6pPr marR="0" lvl="5" algn="l" rtl="0">
       <a:lnSpc>
         <a:spcPct val="100000"/>
       </a:lnSpc>
@@ -1318,7 +1343,7 @@
         <a:srgbClr val="000000"/>
       </a:buClr>
       <a:buFont typeface="Arial"/>
-      <a:defRPr b="0" i="0" sz="1400" u="none" cap="none" strike="noStrike">
+      <a:defRPr sz="1400" b="0" i="0" u="none" strike="noStrike" cap="none">
         <a:solidFill>
           <a:srgbClr val="000000"/>
         </a:solidFill>
@@ -1328,7 +1353,7 @@
         <a:sym typeface="Arial"/>
       </a:defRPr>
     </a:lvl6pPr>
-    <a:lvl7pPr lvl="6" marR="0" rtl="0" algn="l">
+    <a:lvl7pPr marR="0" lvl="6" algn="l" rtl="0">
       <a:lnSpc>
         <a:spcPct val="100000"/>
       </a:lnSpc>
@@ -1342,7 +1367,7 @@
         <a:srgbClr val="000000"/>
       </a:buClr>
       <a:buFont typeface="Arial"/>
-      <a:defRPr b="0" i="0" sz="1400" u="none" cap="none" strike="noStrike">
+      <a:defRPr sz="1400" b="0" i="0" u="none" strike="noStrike" cap="none">
         <a:solidFill>
           <a:srgbClr val="000000"/>
         </a:solidFill>
@@ -1352,7 +1377,7 @@
         <a:sym typeface="Arial"/>
       </a:defRPr>
     </a:lvl7pPr>
-    <a:lvl8pPr lvl="7" marR="0" rtl="0" algn="l">
+    <a:lvl8pPr marR="0" lvl="7" algn="l" rtl="0">
       <a:lnSpc>
         <a:spcPct val="100000"/>
       </a:lnSpc>
@@ -1366,7 +1391,7 @@
         <a:srgbClr val="000000"/>
       </a:buClr>
       <a:buFont typeface="Arial"/>
-      <a:defRPr b="0" i="0" sz="1400" u="none" cap="none" strike="noStrike">
+      <a:defRPr sz="1400" b="0" i="0" u="none" strike="noStrike" cap="none">
         <a:solidFill>
           <a:srgbClr val="000000"/>
         </a:solidFill>
@@ -1376,7 +1401,7 @@
         <a:sym typeface="Arial"/>
       </a:defRPr>
     </a:lvl8pPr>
-    <a:lvl9pPr lvl="8" marR="0" rtl="0" algn="l">
+    <a:lvl9pPr marR="0" lvl="8" algn="l" rtl="0">
       <a:lnSpc>
         <a:spcPct val="100000"/>
       </a:lnSpc>
@@ -1390,7 +1415,7 @@
         <a:srgbClr val="000000"/>
       </a:buClr>
       <a:buFont typeface="Arial"/>
-      <a:defRPr b="0" i="0" sz="1400" u="none" cap="none" strike="noStrike">
+      <a:defRPr sz="1400" b="0" i="0" u="none" strike="noStrike" cap="none">
         <a:solidFill>
           <a:srgbClr val="000000"/>
         </a:solidFill>
@@ -1405,11 +1430,11 @@
 </file>
 
 <file path=ppt/notesSlides/notesSlide1.xml><?xml version="1.0" encoding="utf-8"?>
-<p:notes xmlns:a="http://schemas.openxmlformats.org/drawingml/2006/main" xmlns:r="http://schemas.openxmlformats.org/officeDocument/2006/relationships" xmlns:mc="http://schemas.openxmlformats.org/markup-compatibility/2006" xmlns:mv="urn:schemas-microsoft-com:mac:vml" xmlns:p="http://schemas.openxmlformats.org/presentationml/2006/main" xmlns:c="http://schemas.openxmlformats.org/drawingml/2006/chart" xmlns:dgm="http://schemas.openxmlformats.org/drawingml/2006/diagram" xmlns:o="urn:schemas-microsoft-com:office:office" xmlns:v="urn:schemas-microsoft-com:vml" xmlns:pvml="urn:schemas-microsoft-com:office:powerpoint" xmlns:com="http://schemas.openxmlformats.org/drawingml/2006/compatibility" xmlns:p14="http://schemas.microsoft.com/office/powerpoint/2010/main" xmlns:p15="http://schemas.microsoft.com/office/powerpoint/2012/main" showMasterPhAnim="0" showMasterSp="0">
+<p:notes xmlns:a="http://schemas.openxmlformats.org/drawingml/2006/main" xmlns:r="http://schemas.openxmlformats.org/officeDocument/2006/relationships" xmlns:p="http://schemas.openxmlformats.org/presentationml/2006/main" showMasterSp="0" showMasterPhAnim="0">
   <p:cSld>
     <p:spTree>
       <p:nvGrpSpPr>
-        <p:cNvPr id="84" name="Shape 84"/>
+        <p:cNvPr id="1" name="Shape 84"/>
         <p:cNvGrpSpPr/>
         <p:nvPr/>
       </p:nvGrpSpPr>
@@ -1424,9 +1449,11 @@
       <p:sp>
         <p:nvSpPr>
           <p:cNvPr id="85" name="Google Shape;85;p1:notes"/>
-          <p:cNvSpPr/>
+          <p:cNvSpPr>
+            <a:spLocks noGrp="1" noRot="1" noChangeAspect="1"/>
+          </p:cNvSpPr>
           <p:nvPr>
-            <p:ph idx="2" type="sldImg"/>
+            <p:ph type="sldImg" idx="2"/>
           </p:nvPr>
         </p:nvSpPr>
         <p:spPr>
@@ -1435,9 +1462,13 @@
             <a:ext cx="4629150" cy="3086100"/>
           </a:xfrm>
           <a:custGeom>
-            <a:rect b="b" l="l" r="r" t="t"/>
+            <a:avLst/>
+            <a:gdLst/>
+            <a:ahLst/>
+            <a:cxnLst/>
+            <a:rect l="l" t="t" r="r" b="b"/>
             <a:pathLst>
-              <a:path extrusionOk="0" h="120000" w="120000">
+              <a:path w="120000" h="120000" extrusionOk="0">
                 <a:moveTo>
                   <a:pt x="0" y="0"/>
                 </a:moveTo>
@@ -1455,23 +1486,25 @@
             </a:pathLst>
           </a:custGeom>
           <a:noFill/>
-          <a:ln cap="flat" cmpd="sng" w="12700">
+          <a:ln w="12700" cap="flat" cmpd="sng">
             <a:solidFill>
               <a:srgbClr val="000000"/>
             </a:solidFill>
             <a:prstDash val="solid"/>
             <a:round/>
-            <a:headEnd len="sm" w="sm" type="none"/>
-            <a:tailEnd len="sm" w="sm" type="none"/>
+            <a:headEnd type="none" w="sm" len="sm"/>
+            <a:tailEnd type="none" w="sm" len="sm"/>
           </a:ln>
         </p:spPr>
       </p:sp>
       <p:sp>
         <p:nvSpPr>
           <p:cNvPr id="86" name="Google Shape;86;p1:notes"/>
-          <p:cNvSpPr txBox="1"/>
+          <p:cNvSpPr txBox="1">
+            <a:spLocks noGrp="1"/>
+          </p:cNvSpPr>
           <p:nvPr>
-            <p:ph idx="1" type="body"/>
+            <p:ph type="body" idx="1"/>
           </p:nvPr>
         </p:nvSpPr>
         <p:spPr>
@@ -1488,12 +1521,12 @@
           </a:ln>
         </p:spPr>
         <p:txBody>
-          <a:bodyPr anchorCtr="0" anchor="t" bIns="45700" lIns="91425" spcFirstLastPara="1" rIns="91425" wrap="square" tIns="45700">
+          <a:bodyPr spcFirstLastPara="1" wrap="square" lIns="91425" tIns="45700" rIns="91425" bIns="45700" anchor="t" anchorCtr="0">
             <a:noAutofit/>
           </a:bodyPr>
           <a:lstStyle/>
           <a:p>
-            <a:pPr indent="0" lvl="0" marL="0" rtl="0" algn="l">
+            <a:pPr marL="0" lvl="0" indent="0" algn="l" rtl="0">
               <a:spcBef>
                 <a:spcPts val="0"/>
               </a:spcBef>
@@ -1502,9 +1535,6 @@
               </a:spcAft>
               <a:buNone/>
             </a:pPr>
-            <a:r>
-              <a:t/>
-            </a:r>
             <a:endParaRPr/>
           </a:p>
         </p:txBody>
@@ -1512,9 +1542,11 @@
       <p:sp>
         <p:nvSpPr>
           <p:cNvPr id="87" name="Google Shape;87;p1:notes"/>
-          <p:cNvSpPr txBox="1"/>
+          <p:cNvSpPr txBox="1">
+            <a:spLocks noGrp="1"/>
+          </p:cNvSpPr>
           <p:nvPr>
-            <p:ph idx="12" type="sldNum"/>
+            <p:ph type="sldNum" idx="12"/>
           </p:nvPr>
         </p:nvSpPr>
         <p:spPr>
@@ -1531,12 +1563,12 @@
           </a:ln>
         </p:spPr>
         <p:txBody>
-          <a:bodyPr anchorCtr="0" anchor="b" bIns="45700" lIns="91425" spcFirstLastPara="1" rIns="91425" wrap="square" tIns="45700">
+          <a:bodyPr spcFirstLastPara="1" wrap="square" lIns="91425" tIns="45700" rIns="91425" bIns="45700" anchor="b" anchorCtr="0">
             <a:noAutofit/>
           </a:bodyPr>
           <a:lstStyle/>
           <a:p>
-            <a:pPr indent="0" lvl="0" marL="0" rtl="0" algn="r">
+            <a:pPr marL="0" lvl="0" indent="0" algn="r" rtl="0">
               <a:spcBef>
                 <a:spcPts val="0"/>
               </a:spcBef>
@@ -1547,7 +1579,7 @@
             </a:pPr>
             <a:fld id="{00000000-1234-1234-1234-123412341234}" type="slidenum">
               <a:rPr lang="en-US"/>
-              <a:t>‹#›</a:t>
+              <a:t>1</a:t>
             </a:fld>
             <a:endParaRPr/>
           </a:p>
@@ -1562,11 +1594,11 @@
 </file>
 
 <file path=ppt/slideLayouts/slideLayout1.xml><?xml version="1.0" encoding="utf-8"?>
-<p:sldLayout xmlns:a="http://schemas.openxmlformats.org/drawingml/2006/main" xmlns:r="http://schemas.openxmlformats.org/officeDocument/2006/relationships" xmlns:mc="http://schemas.openxmlformats.org/markup-compatibility/2006" xmlns:mv="urn:schemas-microsoft-com:mac:vml" xmlns:p="http://schemas.openxmlformats.org/presentationml/2006/main" xmlns:c="http://schemas.openxmlformats.org/drawingml/2006/chart" xmlns:dgm="http://schemas.openxmlformats.org/drawingml/2006/diagram" xmlns:o="urn:schemas-microsoft-com:office:office" xmlns:v="urn:schemas-microsoft-com:vml" xmlns:pvml="urn:schemas-microsoft-com:office:powerpoint" xmlns:com="http://schemas.openxmlformats.org/drawingml/2006/compatibility" xmlns:p14="http://schemas.microsoft.com/office/powerpoint/2010/main" xmlns:p15="http://schemas.microsoft.com/office/powerpoint/2012/main" matchingName="Title Slide" type="title">
+<p:sldLayout xmlns:a="http://schemas.openxmlformats.org/drawingml/2006/main" xmlns:r="http://schemas.openxmlformats.org/officeDocument/2006/relationships" xmlns:p="http://schemas.openxmlformats.org/presentationml/2006/main" matchingName="Title Slide" type="title">
   <p:cSld name="TITLE">
     <p:spTree>
       <p:nvGrpSpPr>
-        <p:cNvPr id="15" name="Shape 15"/>
+        <p:cNvPr id="1" name="Shape 15"/>
         <p:cNvGrpSpPr/>
         <p:nvPr/>
       </p:nvGrpSpPr>
@@ -1581,7 +1613,9 @@
       <p:sp>
         <p:nvSpPr>
           <p:cNvPr id="16" name="Google Shape;16;p2"/>
-          <p:cNvSpPr txBox="1"/>
+          <p:cNvSpPr txBox="1">
+            <a:spLocks noGrp="1"/>
+          </p:cNvSpPr>
           <p:nvPr>
             <p:ph type="ctrTitle"/>
           </p:nvPr>
@@ -1600,7 +1634,7 @@
           </a:ln>
         </p:spPr>
         <p:txBody>
-          <a:bodyPr anchorCtr="0" anchor="b" bIns="45700" lIns="91425" spcFirstLastPara="1" rIns="91425" wrap="square" tIns="45700"/>
+          <a:bodyPr spcFirstLastPara="1" wrap="square" lIns="91425" tIns="45700" rIns="91425" bIns="45700" anchor="b" anchorCtr="0"/>
           <a:lstStyle>
             <a:lvl1pPr lvl="0" algn="ctr">
               <a:lnSpc>
@@ -1709,15 +1743,19 @@
               <a:defRPr/>
             </a:lvl9pPr>
           </a:lstStyle>
-          <a:p/>
+          <a:p>
+            <a:endParaRPr/>
+          </a:p>
         </p:txBody>
       </p:sp>
       <p:sp>
         <p:nvSpPr>
           <p:cNvPr id="17" name="Google Shape;17;p2"/>
-          <p:cNvSpPr txBox="1"/>
+          <p:cNvSpPr txBox="1">
+            <a:spLocks noGrp="1"/>
+          </p:cNvSpPr>
           <p:nvPr>
-            <p:ph idx="1" type="subTitle"/>
+            <p:ph type="subTitle" idx="1"/>
           </p:nvPr>
         </p:nvSpPr>
         <p:spPr>
@@ -1734,7 +1772,7 @@
           </a:ln>
         </p:spPr>
         <p:txBody>
-          <a:bodyPr anchorCtr="0" anchor="t" bIns="45700" lIns="91425" spcFirstLastPara="1" rIns="91425" wrap="square" tIns="45700"/>
+          <a:bodyPr spcFirstLastPara="1" wrap="square" lIns="91425" tIns="45700" rIns="91425" bIns="45700" anchor="t" anchorCtr="0"/>
           <a:lstStyle>
             <a:lvl1pPr lvl="0" algn="ctr">
               <a:lnSpc>
@@ -1890,15 +1928,19 @@
               <a:defRPr sz="5120"/>
             </a:lvl9pPr>
           </a:lstStyle>
-          <a:p/>
+          <a:p>
+            <a:endParaRPr/>
+          </a:p>
         </p:txBody>
       </p:sp>
       <p:sp>
         <p:nvSpPr>
           <p:cNvPr id="18" name="Google Shape;18;p2"/>
-          <p:cNvSpPr txBox="1"/>
+          <p:cNvSpPr txBox="1">
+            <a:spLocks noGrp="1"/>
+          </p:cNvSpPr>
           <p:nvPr>
-            <p:ph idx="10" type="dt"/>
+            <p:ph type="dt" idx="10"/>
           </p:nvPr>
         </p:nvSpPr>
         <p:spPr>
@@ -1915,7 +1957,7 @@
           </a:ln>
         </p:spPr>
         <p:txBody>
-          <a:bodyPr anchorCtr="0" anchor="ctr" bIns="45700" lIns="91425" spcFirstLastPara="1" rIns="91425" wrap="square" tIns="45700"/>
+          <a:bodyPr spcFirstLastPara="1" wrap="square" lIns="91425" tIns="45700" rIns="91425" bIns="45700" anchor="ctr" anchorCtr="0"/>
           <a:lstStyle>
             <a:lvl1pPr lvl="0" algn="l">
               <a:spcBef>
@@ -2017,15 +2059,19 @@
               <a:defRPr/>
             </a:lvl9pPr>
           </a:lstStyle>
-          <a:p/>
+          <a:p>
+            <a:endParaRPr/>
+          </a:p>
         </p:txBody>
       </p:sp>
       <p:sp>
         <p:nvSpPr>
           <p:cNvPr id="19" name="Google Shape;19;p2"/>
-          <p:cNvSpPr txBox="1"/>
+          <p:cNvSpPr txBox="1">
+            <a:spLocks noGrp="1"/>
+          </p:cNvSpPr>
           <p:nvPr>
-            <p:ph idx="11" type="ftr"/>
+            <p:ph type="ftr" idx="11"/>
           </p:nvPr>
         </p:nvSpPr>
         <p:spPr>
@@ -2042,7 +2088,7 @@
           </a:ln>
         </p:spPr>
         <p:txBody>
-          <a:bodyPr anchorCtr="0" anchor="ctr" bIns="45700" lIns="91425" spcFirstLastPara="1" rIns="91425" wrap="square" tIns="45700"/>
+          <a:bodyPr spcFirstLastPara="1" wrap="square" lIns="91425" tIns="45700" rIns="91425" bIns="45700" anchor="ctr" anchorCtr="0"/>
           <a:lstStyle>
             <a:lvl1pPr lvl="0" algn="ctr">
               <a:spcBef>
@@ -2144,15 +2190,19 @@
               <a:defRPr/>
             </a:lvl9pPr>
           </a:lstStyle>
-          <a:p/>
+          <a:p>
+            <a:endParaRPr/>
+          </a:p>
         </p:txBody>
       </p:sp>
       <p:sp>
         <p:nvSpPr>
           <p:cNvPr id="20" name="Google Shape;20;p2"/>
-          <p:cNvSpPr txBox="1"/>
+          <p:cNvSpPr txBox="1">
+            <a:spLocks noGrp="1"/>
+          </p:cNvSpPr>
           <p:nvPr>
-            <p:ph idx="12" type="sldNum"/>
+            <p:ph type="sldNum" idx="12"/>
           </p:nvPr>
         </p:nvSpPr>
         <p:spPr>
@@ -2169,67 +2219,67 @@
           </a:ln>
         </p:spPr>
         <p:txBody>
-          <a:bodyPr anchorCtr="0" anchor="ctr" bIns="45700" lIns="91425" spcFirstLastPara="1" rIns="91425" wrap="square" tIns="45700">
+          <a:bodyPr spcFirstLastPara="1" wrap="square" lIns="91425" tIns="45700" rIns="91425" bIns="45700" anchor="ctr" anchorCtr="0">
             <a:noAutofit/>
           </a:bodyPr>
           <a:lstStyle>
-            <a:lvl1pPr indent="0" lvl="0" marL="0" algn="r">
+            <a:lvl1pPr marL="0" lvl="0" indent="0" algn="r">
               <a:spcBef>
                 <a:spcPts val="0"/>
               </a:spcBef>
               <a:buNone/>
               <a:defRPr/>
             </a:lvl1pPr>
-            <a:lvl2pPr indent="0" lvl="1" marL="0" algn="r">
+            <a:lvl2pPr marL="0" lvl="1" indent="0" algn="r">
               <a:spcBef>
                 <a:spcPts val="0"/>
               </a:spcBef>
               <a:buNone/>
               <a:defRPr/>
             </a:lvl2pPr>
-            <a:lvl3pPr indent="0" lvl="2" marL="0" algn="r">
+            <a:lvl3pPr marL="0" lvl="2" indent="0" algn="r">
               <a:spcBef>
                 <a:spcPts val="0"/>
               </a:spcBef>
               <a:buNone/>
               <a:defRPr/>
             </a:lvl3pPr>
-            <a:lvl4pPr indent="0" lvl="3" marL="0" algn="r">
+            <a:lvl4pPr marL="0" lvl="3" indent="0" algn="r">
               <a:spcBef>
                 <a:spcPts val="0"/>
               </a:spcBef>
               <a:buNone/>
               <a:defRPr/>
             </a:lvl4pPr>
-            <a:lvl5pPr indent="0" lvl="4" marL="0" algn="r">
+            <a:lvl5pPr marL="0" lvl="4" indent="0" algn="r">
               <a:spcBef>
                 <a:spcPts val="0"/>
               </a:spcBef>
               <a:buNone/>
               <a:defRPr/>
             </a:lvl5pPr>
-            <a:lvl6pPr indent="0" lvl="5" marL="0" algn="r">
+            <a:lvl6pPr marL="0" lvl="5" indent="0" algn="r">
               <a:spcBef>
                 <a:spcPts val="0"/>
               </a:spcBef>
               <a:buNone/>
               <a:defRPr/>
             </a:lvl6pPr>
-            <a:lvl7pPr indent="0" lvl="6" marL="0" algn="r">
+            <a:lvl7pPr marL="0" lvl="6" indent="0" algn="r">
               <a:spcBef>
                 <a:spcPts val="0"/>
               </a:spcBef>
               <a:buNone/>
               <a:defRPr/>
             </a:lvl7pPr>
-            <a:lvl8pPr indent="0" lvl="7" marL="0" algn="r">
+            <a:lvl8pPr marL="0" lvl="7" indent="0" algn="r">
               <a:spcBef>
                 <a:spcPts val="0"/>
               </a:spcBef>
               <a:buNone/>
               <a:defRPr/>
             </a:lvl8pPr>
-            <a:lvl9pPr indent="0" lvl="8" marL="0" algn="r">
+            <a:lvl9pPr marL="0" lvl="8" indent="0" algn="r">
               <a:spcBef>
                 <a:spcPts val="0"/>
               </a:spcBef>
@@ -2238,7 +2288,7 @@
             </a:lvl9pPr>
           </a:lstStyle>
           <a:p>
-            <a:pPr indent="0" lvl="0" marL="0" rtl="0" algn="r">
+            <a:pPr marL="0" lvl="0" indent="0" algn="r" rtl="0">
               <a:spcBef>
                 <a:spcPts val="0"/>
               </a:spcBef>
@@ -2264,11 +2314,11 @@
 </file>
 
 <file path=ppt/slideLayouts/slideLayout10.xml><?xml version="1.0" encoding="utf-8"?>
-<p:sldLayout xmlns:a="http://schemas.openxmlformats.org/drawingml/2006/main" xmlns:r="http://schemas.openxmlformats.org/officeDocument/2006/relationships" xmlns:mc="http://schemas.openxmlformats.org/markup-compatibility/2006" xmlns:mv="urn:schemas-microsoft-com:mac:vml" xmlns:p="http://schemas.openxmlformats.org/presentationml/2006/main" xmlns:c="http://schemas.openxmlformats.org/drawingml/2006/chart" xmlns:dgm="http://schemas.openxmlformats.org/drawingml/2006/diagram" xmlns:o="urn:schemas-microsoft-com:office:office" xmlns:v="urn:schemas-microsoft-com:vml" xmlns:pvml="urn:schemas-microsoft-com:office:powerpoint" xmlns:com="http://schemas.openxmlformats.org/drawingml/2006/compatibility" xmlns:p14="http://schemas.microsoft.com/office/powerpoint/2010/main" xmlns:p15="http://schemas.microsoft.com/office/powerpoint/2012/main" matchingName="Title and Vertical Text" type="vertTx">
+<p:sldLayout xmlns:a="http://schemas.openxmlformats.org/drawingml/2006/main" xmlns:r="http://schemas.openxmlformats.org/officeDocument/2006/relationships" xmlns:p="http://schemas.openxmlformats.org/presentationml/2006/main" matchingName="Title and Vertical Text" type="vertTx">
   <p:cSld name="VERTICAL_TEXT">
     <p:spTree>
       <p:nvGrpSpPr>
-        <p:cNvPr id="72" name="Shape 72"/>
+        <p:cNvPr id="1" name="Shape 72"/>
         <p:cNvGrpSpPr/>
         <p:nvPr/>
       </p:nvGrpSpPr>
@@ -2283,7 +2333,9 @@
       <p:sp>
         <p:nvSpPr>
           <p:cNvPr id="73" name="Google Shape;73;p11"/>
-          <p:cNvSpPr txBox="1"/>
+          <p:cNvSpPr txBox="1">
+            <a:spLocks noGrp="1"/>
+          </p:cNvSpPr>
           <p:nvPr>
             <p:ph type="title"/>
           </p:nvPr>
@@ -2302,7 +2354,7 @@
           </a:ln>
         </p:spPr>
         <p:txBody>
-          <a:bodyPr anchorCtr="0" anchor="ctr" bIns="45700" lIns="91425" spcFirstLastPara="1" rIns="91425" wrap="square" tIns="45700"/>
+          <a:bodyPr spcFirstLastPara="1" wrap="square" lIns="91425" tIns="45700" rIns="91425" bIns="45700" anchor="ctr" anchorCtr="0"/>
           <a:lstStyle>
             <a:lvl1pPr lvl="0" algn="l">
               <a:lnSpc>
@@ -2410,15 +2462,19 @@
               <a:defRPr/>
             </a:lvl9pPr>
           </a:lstStyle>
-          <a:p/>
+          <a:p>
+            <a:endParaRPr/>
+          </a:p>
         </p:txBody>
       </p:sp>
       <p:sp>
         <p:nvSpPr>
           <p:cNvPr id="74" name="Google Shape;74;p11"/>
-          <p:cNvSpPr txBox="1"/>
+          <p:cNvSpPr txBox="1">
+            <a:spLocks noGrp="1"/>
+          </p:cNvSpPr>
           <p:nvPr>
-            <p:ph idx="1" type="body"/>
+            <p:ph type="body" idx="1"/>
           </p:nvPr>
         </p:nvSpPr>
         <p:spPr>
@@ -2435,9 +2491,9 @@
           </a:ln>
         </p:spPr>
         <p:txBody>
-          <a:bodyPr anchorCtr="0" anchor="t" bIns="45700" lIns="91425" spcFirstLastPara="1" rIns="91425" wrap="square" tIns="45700"/>
+          <a:bodyPr spcFirstLastPara="1" wrap="square" lIns="91425" tIns="45700" rIns="91425" bIns="45700" anchor="t" anchorCtr="0"/>
           <a:lstStyle>
-            <a:lvl1pPr indent="-342900" lvl="0" marL="457200" algn="l">
+            <a:lvl1pPr marL="457200" lvl="0" indent="-342900" algn="l">
               <a:lnSpc>
                 <a:spcPct val="90000"/>
               </a:lnSpc>
@@ -2454,7 +2510,7 @@
               <a:buChar char="•"/>
               <a:defRPr/>
             </a:lvl1pPr>
-            <a:lvl2pPr indent="-342900" lvl="1" marL="914400" algn="l">
+            <a:lvl2pPr marL="914400" lvl="1" indent="-342900" algn="l">
               <a:lnSpc>
                 <a:spcPct val="90000"/>
               </a:lnSpc>
@@ -2471,7 +2527,7 @@
               <a:buChar char="•"/>
               <a:defRPr/>
             </a:lvl2pPr>
-            <a:lvl3pPr indent="-342900" lvl="2" marL="1371600" algn="l">
+            <a:lvl3pPr marL="1371600" lvl="2" indent="-342900" algn="l">
               <a:lnSpc>
                 <a:spcPct val="90000"/>
               </a:lnSpc>
@@ -2488,7 +2544,7 @@
               <a:buChar char="•"/>
               <a:defRPr/>
             </a:lvl3pPr>
-            <a:lvl4pPr indent="-342900" lvl="3" marL="1828800" algn="l">
+            <a:lvl4pPr marL="1828800" lvl="3" indent="-342900" algn="l">
               <a:lnSpc>
                 <a:spcPct val="90000"/>
               </a:lnSpc>
@@ -2505,7 +2561,7 @@
               <a:buChar char="•"/>
               <a:defRPr/>
             </a:lvl4pPr>
-            <a:lvl5pPr indent="-342900" lvl="4" marL="2286000" algn="l">
+            <a:lvl5pPr marL="2286000" lvl="4" indent="-342900" algn="l">
               <a:lnSpc>
                 <a:spcPct val="90000"/>
               </a:lnSpc>
@@ -2522,7 +2578,7 @@
               <a:buChar char="•"/>
               <a:defRPr/>
             </a:lvl5pPr>
-            <a:lvl6pPr indent="-342900" lvl="5" marL="2743200" algn="l">
+            <a:lvl6pPr marL="2743200" lvl="5" indent="-342900" algn="l">
               <a:lnSpc>
                 <a:spcPct val="90000"/>
               </a:lnSpc>
@@ -2539,7 +2595,7 @@
               <a:buChar char="•"/>
               <a:defRPr/>
             </a:lvl6pPr>
-            <a:lvl7pPr indent="-342900" lvl="6" marL="3200400" algn="l">
+            <a:lvl7pPr marL="3200400" lvl="6" indent="-342900" algn="l">
               <a:lnSpc>
                 <a:spcPct val="90000"/>
               </a:lnSpc>
@@ -2556,7 +2612,7 @@
               <a:buChar char="•"/>
               <a:defRPr/>
             </a:lvl7pPr>
-            <a:lvl8pPr indent="-342900" lvl="7" marL="3657600" algn="l">
+            <a:lvl8pPr marL="3657600" lvl="7" indent="-342900" algn="l">
               <a:lnSpc>
                 <a:spcPct val="90000"/>
               </a:lnSpc>
@@ -2573,7 +2629,7 @@
               <a:buChar char="•"/>
               <a:defRPr/>
             </a:lvl8pPr>
-            <a:lvl9pPr indent="-342900" lvl="8" marL="4114800" algn="l">
+            <a:lvl9pPr marL="4114800" lvl="8" indent="-342900" algn="l">
               <a:lnSpc>
                 <a:spcPct val="90000"/>
               </a:lnSpc>
@@ -2591,15 +2647,19 @@
               <a:defRPr/>
             </a:lvl9pPr>
           </a:lstStyle>
-          <a:p/>
+          <a:p>
+            <a:endParaRPr/>
+          </a:p>
         </p:txBody>
       </p:sp>
       <p:sp>
         <p:nvSpPr>
           <p:cNvPr id="75" name="Google Shape;75;p11"/>
-          <p:cNvSpPr txBox="1"/>
+          <p:cNvSpPr txBox="1">
+            <a:spLocks noGrp="1"/>
+          </p:cNvSpPr>
           <p:nvPr>
-            <p:ph idx="10" type="dt"/>
+            <p:ph type="dt" idx="10"/>
           </p:nvPr>
         </p:nvSpPr>
         <p:spPr>
@@ -2616,7 +2676,7 @@
           </a:ln>
         </p:spPr>
         <p:txBody>
-          <a:bodyPr anchorCtr="0" anchor="ctr" bIns="45700" lIns="91425" spcFirstLastPara="1" rIns="91425" wrap="square" tIns="45700"/>
+          <a:bodyPr spcFirstLastPara="1" wrap="square" lIns="91425" tIns="45700" rIns="91425" bIns="45700" anchor="ctr" anchorCtr="0"/>
           <a:lstStyle>
             <a:lvl1pPr lvl="0" algn="l">
               <a:spcBef>
@@ -2718,15 +2778,19 @@
               <a:defRPr/>
             </a:lvl9pPr>
           </a:lstStyle>
-          <a:p/>
+          <a:p>
+            <a:endParaRPr/>
+          </a:p>
         </p:txBody>
       </p:sp>
       <p:sp>
         <p:nvSpPr>
           <p:cNvPr id="76" name="Google Shape;76;p11"/>
-          <p:cNvSpPr txBox="1"/>
+          <p:cNvSpPr txBox="1">
+            <a:spLocks noGrp="1"/>
+          </p:cNvSpPr>
           <p:nvPr>
-            <p:ph idx="11" type="ftr"/>
+            <p:ph type="ftr" idx="11"/>
           </p:nvPr>
         </p:nvSpPr>
         <p:spPr>
@@ -2743,7 +2807,7 @@
           </a:ln>
         </p:spPr>
         <p:txBody>
-          <a:bodyPr anchorCtr="0" anchor="ctr" bIns="45700" lIns="91425" spcFirstLastPara="1" rIns="91425" wrap="square" tIns="45700"/>
+          <a:bodyPr spcFirstLastPara="1" wrap="square" lIns="91425" tIns="45700" rIns="91425" bIns="45700" anchor="ctr" anchorCtr="0"/>
           <a:lstStyle>
             <a:lvl1pPr lvl="0" algn="ctr">
               <a:spcBef>
@@ -2845,15 +2909,19 @@
               <a:defRPr/>
             </a:lvl9pPr>
           </a:lstStyle>
-          <a:p/>
+          <a:p>
+            <a:endParaRPr/>
+          </a:p>
         </p:txBody>
       </p:sp>
       <p:sp>
         <p:nvSpPr>
           <p:cNvPr id="77" name="Google Shape;77;p11"/>
-          <p:cNvSpPr txBox="1"/>
+          <p:cNvSpPr txBox="1">
+            <a:spLocks noGrp="1"/>
+          </p:cNvSpPr>
           <p:nvPr>
-            <p:ph idx="12" type="sldNum"/>
+            <p:ph type="sldNum" idx="12"/>
           </p:nvPr>
         </p:nvSpPr>
         <p:spPr>
@@ -2870,67 +2938,67 @@
           </a:ln>
         </p:spPr>
         <p:txBody>
-          <a:bodyPr anchorCtr="0" anchor="ctr" bIns="45700" lIns="91425" spcFirstLastPara="1" rIns="91425" wrap="square" tIns="45700">
+          <a:bodyPr spcFirstLastPara="1" wrap="square" lIns="91425" tIns="45700" rIns="91425" bIns="45700" anchor="ctr" anchorCtr="0">
             <a:noAutofit/>
           </a:bodyPr>
           <a:lstStyle>
-            <a:lvl1pPr indent="0" lvl="0" marL="0" algn="r">
+            <a:lvl1pPr marL="0" lvl="0" indent="0" algn="r">
               <a:spcBef>
                 <a:spcPts val="0"/>
               </a:spcBef>
               <a:buNone/>
               <a:defRPr/>
             </a:lvl1pPr>
-            <a:lvl2pPr indent="0" lvl="1" marL="0" algn="r">
+            <a:lvl2pPr marL="0" lvl="1" indent="0" algn="r">
               <a:spcBef>
                 <a:spcPts val="0"/>
               </a:spcBef>
               <a:buNone/>
               <a:defRPr/>
             </a:lvl2pPr>
-            <a:lvl3pPr indent="0" lvl="2" marL="0" algn="r">
+            <a:lvl3pPr marL="0" lvl="2" indent="0" algn="r">
               <a:spcBef>
                 <a:spcPts val="0"/>
               </a:spcBef>
               <a:buNone/>
               <a:defRPr/>
             </a:lvl3pPr>
-            <a:lvl4pPr indent="0" lvl="3" marL="0" algn="r">
+            <a:lvl4pPr marL="0" lvl="3" indent="0" algn="r">
               <a:spcBef>
                 <a:spcPts val="0"/>
               </a:spcBef>
               <a:buNone/>
               <a:defRPr/>
             </a:lvl4pPr>
-            <a:lvl5pPr indent="0" lvl="4" marL="0" algn="r">
+            <a:lvl5pPr marL="0" lvl="4" indent="0" algn="r">
               <a:spcBef>
                 <a:spcPts val="0"/>
               </a:spcBef>
               <a:buNone/>
               <a:defRPr/>
             </a:lvl5pPr>
-            <a:lvl6pPr indent="0" lvl="5" marL="0" algn="r">
+            <a:lvl6pPr marL="0" lvl="5" indent="0" algn="r">
               <a:spcBef>
                 <a:spcPts val="0"/>
               </a:spcBef>
               <a:buNone/>
               <a:defRPr/>
             </a:lvl6pPr>
-            <a:lvl7pPr indent="0" lvl="6" marL="0" algn="r">
+            <a:lvl7pPr marL="0" lvl="6" indent="0" algn="r">
               <a:spcBef>
                 <a:spcPts val="0"/>
               </a:spcBef>
               <a:buNone/>
               <a:defRPr/>
             </a:lvl7pPr>
-            <a:lvl8pPr indent="0" lvl="7" marL="0" algn="r">
+            <a:lvl8pPr marL="0" lvl="7" indent="0" algn="r">
               <a:spcBef>
                 <a:spcPts val="0"/>
               </a:spcBef>
               <a:buNone/>
               <a:defRPr/>
             </a:lvl8pPr>
-            <a:lvl9pPr indent="0" lvl="8" marL="0" algn="r">
+            <a:lvl9pPr marL="0" lvl="8" indent="0" algn="r">
               <a:spcBef>
                 <a:spcPts val="0"/>
               </a:spcBef>
@@ -2939,7 +3007,7 @@
             </a:lvl9pPr>
           </a:lstStyle>
           <a:p>
-            <a:pPr indent="0" lvl="0" marL="0" rtl="0" algn="r">
+            <a:pPr marL="0" lvl="0" indent="0" algn="r" rtl="0">
               <a:spcBef>
                 <a:spcPts val="0"/>
               </a:spcBef>
@@ -2965,11 +3033,11 @@
 </file>
 
 <file path=ppt/slideLayouts/slideLayout11.xml><?xml version="1.0" encoding="utf-8"?>
-<p:sldLayout xmlns:a="http://schemas.openxmlformats.org/drawingml/2006/main" xmlns:r="http://schemas.openxmlformats.org/officeDocument/2006/relationships" xmlns:mc="http://schemas.openxmlformats.org/markup-compatibility/2006" xmlns:mv="urn:schemas-microsoft-com:mac:vml" xmlns:p="http://schemas.openxmlformats.org/presentationml/2006/main" xmlns:c="http://schemas.openxmlformats.org/drawingml/2006/chart" xmlns:dgm="http://schemas.openxmlformats.org/drawingml/2006/diagram" xmlns:o="urn:schemas-microsoft-com:office:office" xmlns:v="urn:schemas-microsoft-com:vml" xmlns:pvml="urn:schemas-microsoft-com:office:powerpoint" xmlns:com="http://schemas.openxmlformats.org/drawingml/2006/compatibility" xmlns:p14="http://schemas.microsoft.com/office/powerpoint/2010/main" xmlns:p15="http://schemas.microsoft.com/office/powerpoint/2012/main" matchingName="Vertical Title and Text" type="vertTitleAndTx">
+<p:sldLayout xmlns:a="http://schemas.openxmlformats.org/drawingml/2006/main" xmlns:r="http://schemas.openxmlformats.org/officeDocument/2006/relationships" xmlns:p="http://schemas.openxmlformats.org/presentationml/2006/main" matchingName="Vertical Title and Text" type="vertTitleAndTx">
   <p:cSld name="VERTICAL_TITLE_AND_VERTICAL_TEXT">
     <p:spTree>
       <p:nvGrpSpPr>
-        <p:cNvPr id="78" name="Shape 78"/>
+        <p:cNvPr id="1" name="Shape 78"/>
         <p:cNvGrpSpPr/>
         <p:nvPr/>
       </p:nvGrpSpPr>
@@ -2984,7 +3052,9 @@
       <p:sp>
         <p:nvSpPr>
           <p:cNvPr id="79" name="Google Shape;79;p12"/>
-          <p:cNvSpPr txBox="1"/>
+          <p:cNvSpPr txBox="1">
+            <a:spLocks noGrp="1"/>
+          </p:cNvSpPr>
           <p:nvPr>
             <p:ph type="title"/>
           </p:nvPr>
@@ -3003,7 +3073,7 @@
           </a:ln>
         </p:spPr>
         <p:txBody>
-          <a:bodyPr anchorCtr="0" anchor="ctr" bIns="45700" lIns="91425" spcFirstLastPara="1" rIns="91425" wrap="square" tIns="45700"/>
+          <a:bodyPr spcFirstLastPara="1" wrap="square" lIns="91425" tIns="45700" rIns="91425" bIns="45700" anchor="ctr" anchorCtr="0"/>
           <a:lstStyle>
             <a:lvl1pPr lvl="0" algn="l">
               <a:lnSpc>
@@ -3111,15 +3181,19 @@
               <a:defRPr/>
             </a:lvl9pPr>
           </a:lstStyle>
-          <a:p/>
+          <a:p>
+            <a:endParaRPr/>
+          </a:p>
         </p:txBody>
       </p:sp>
       <p:sp>
         <p:nvSpPr>
           <p:cNvPr id="80" name="Google Shape;80;p12"/>
-          <p:cNvSpPr txBox="1"/>
+          <p:cNvSpPr txBox="1">
+            <a:spLocks noGrp="1"/>
+          </p:cNvSpPr>
           <p:nvPr>
-            <p:ph idx="1" type="body"/>
+            <p:ph type="body" idx="1"/>
           </p:nvPr>
         </p:nvSpPr>
         <p:spPr>
@@ -3136,9 +3210,9 @@
           </a:ln>
         </p:spPr>
         <p:txBody>
-          <a:bodyPr anchorCtr="0" anchor="t" bIns="45700" lIns="91425" spcFirstLastPara="1" rIns="91425" wrap="square" tIns="45700"/>
+          <a:bodyPr spcFirstLastPara="1" wrap="square" lIns="91425" tIns="45700" rIns="91425" bIns="45700" anchor="t" anchorCtr="0"/>
           <a:lstStyle>
-            <a:lvl1pPr indent="-342900" lvl="0" marL="457200" algn="l">
+            <a:lvl1pPr marL="457200" lvl="0" indent="-342900" algn="l">
               <a:lnSpc>
                 <a:spcPct val="90000"/>
               </a:lnSpc>
@@ -3155,7 +3229,7 @@
               <a:buChar char="•"/>
               <a:defRPr/>
             </a:lvl1pPr>
-            <a:lvl2pPr indent="-342900" lvl="1" marL="914400" algn="l">
+            <a:lvl2pPr marL="914400" lvl="1" indent="-342900" algn="l">
               <a:lnSpc>
                 <a:spcPct val="90000"/>
               </a:lnSpc>
@@ -3172,7 +3246,7 @@
               <a:buChar char="•"/>
               <a:defRPr/>
             </a:lvl2pPr>
-            <a:lvl3pPr indent="-342900" lvl="2" marL="1371600" algn="l">
+            <a:lvl3pPr marL="1371600" lvl="2" indent="-342900" algn="l">
               <a:lnSpc>
                 <a:spcPct val="90000"/>
               </a:lnSpc>
@@ -3189,7 +3263,7 @@
               <a:buChar char="•"/>
               <a:defRPr/>
             </a:lvl3pPr>
-            <a:lvl4pPr indent="-342900" lvl="3" marL="1828800" algn="l">
+            <a:lvl4pPr marL="1828800" lvl="3" indent="-342900" algn="l">
               <a:lnSpc>
                 <a:spcPct val="90000"/>
               </a:lnSpc>
@@ -3206,7 +3280,7 @@
               <a:buChar char="•"/>
               <a:defRPr/>
             </a:lvl4pPr>
-            <a:lvl5pPr indent="-342900" lvl="4" marL="2286000" algn="l">
+            <a:lvl5pPr marL="2286000" lvl="4" indent="-342900" algn="l">
               <a:lnSpc>
                 <a:spcPct val="90000"/>
               </a:lnSpc>
@@ -3223,7 +3297,7 @@
               <a:buChar char="•"/>
               <a:defRPr/>
             </a:lvl5pPr>
-            <a:lvl6pPr indent="-342900" lvl="5" marL="2743200" algn="l">
+            <a:lvl6pPr marL="2743200" lvl="5" indent="-342900" algn="l">
               <a:lnSpc>
                 <a:spcPct val="90000"/>
               </a:lnSpc>
@@ -3240,7 +3314,7 @@
               <a:buChar char="•"/>
               <a:defRPr/>
             </a:lvl6pPr>
-            <a:lvl7pPr indent="-342900" lvl="6" marL="3200400" algn="l">
+            <a:lvl7pPr marL="3200400" lvl="6" indent="-342900" algn="l">
               <a:lnSpc>
                 <a:spcPct val="90000"/>
               </a:lnSpc>
@@ -3257,7 +3331,7 @@
               <a:buChar char="•"/>
               <a:defRPr/>
             </a:lvl7pPr>
-            <a:lvl8pPr indent="-342900" lvl="7" marL="3657600" algn="l">
+            <a:lvl8pPr marL="3657600" lvl="7" indent="-342900" algn="l">
               <a:lnSpc>
                 <a:spcPct val="90000"/>
               </a:lnSpc>
@@ -3274,7 +3348,7 @@
               <a:buChar char="•"/>
               <a:defRPr/>
             </a:lvl8pPr>
-            <a:lvl9pPr indent="-342900" lvl="8" marL="4114800" algn="l">
+            <a:lvl9pPr marL="4114800" lvl="8" indent="-342900" algn="l">
               <a:lnSpc>
                 <a:spcPct val="90000"/>
               </a:lnSpc>
@@ -3292,15 +3366,19 @@
               <a:defRPr/>
             </a:lvl9pPr>
           </a:lstStyle>
-          <a:p/>
+          <a:p>
+            <a:endParaRPr/>
+          </a:p>
         </p:txBody>
       </p:sp>
       <p:sp>
         <p:nvSpPr>
           <p:cNvPr id="81" name="Google Shape;81;p12"/>
-          <p:cNvSpPr txBox="1"/>
+          <p:cNvSpPr txBox="1">
+            <a:spLocks noGrp="1"/>
+          </p:cNvSpPr>
           <p:nvPr>
-            <p:ph idx="10" type="dt"/>
+            <p:ph type="dt" idx="10"/>
           </p:nvPr>
         </p:nvSpPr>
         <p:spPr>
@@ -3317,7 +3395,7 @@
           </a:ln>
         </p:spPr>
         <p:txBody>
-          <a:bodyPr anchorCtr="0" anchor="ctr" bIns="45700" lIns="91425" spcFirstLastPara="1" rIns="91425" wrap="square" tIns="45700"/>
+          <a:bodyPr spcFirstLastPara="1" wrap="square" lIns="91425" tIns="45700" rIns="91425" bIns="45700" anchor="ctr" anchorCtr="0"/>
           <a:lstStyle>
             <a:lvl1pPr lvl="0" algn="l">
               <a:spcBef>
@@ -3419,15 +3497,19 @@
               <a:defRPr/>
             </a:lvl9pPr>
           </a:lstStyle>
-          <a:p/>
+          <a:p>
+            <a:endParaRPr/>
+          </a:p>
         </p:txBody>
       </p:sp>
       <p:sp>
         <p:nvSpPr>
           <p:cNvPr id="82" name="Google Shape;82;p12"/>
-          <p:cNvSpPr txBox="1"/>
+          <p:cNvSpPr txBox="1">
+            <a:spLocks noGrp="1"/>
+          </p:cNvSpPr>
           <p:nvPr>
-            <p:ph idx="11" type="ftr"/>
+            <p:ph type="ftr" idx="11"/>
           </p:nvPr>
         </p:nvSpPr>
         <p:spPr>
@@ -3444,7 +3526,7 @@
           </a:ln>
         </p:spPr>
         <p:txBody>
-          <a:bodyPr anchorCtr="0" anchor="ctr" bIns="45700" lIns="91425" spcFirstLastPara="1" rIns="91425" wrap="square" tIns="45700"/>
+          <a:bodyPr spcFirstLastPara="1" wrap="square" lIns="91425" tIns="45700" rIns="91425" bIns="45700" anchor="ctr" anchorCtr="0"/>
           <a:lstStyle>
             <a:lvl1pPr lvl="0" algn="ctr">
               <a:spcBef>
@@ -3546,15 +3628,19 @@
               <a:defRPr/>
             </a:lvl9pPr>
           </a:lstStyle>
-          <a:p/>
+          <a:p>
+            <a:endParaRPr/>
+          </a:p>
         </p:txBody>
       </p:sp>
       <p:sp>
         <p:nvSpPr>
           <p:cNvPr id="83" name="Google Shape;83;p12"/>
-          <p:cNvSpPr txBox="1"/>
+          <p:cNvSpPr txBox="1">
+            <a:spLocks noGrp="1"/>
+          </p:cNvSpPr>
           <p:nvPr>
-            <p:ph idx="12" type="sldNum"/>
+            <p:ph type="sldNum" idx="12"/>
           </p:nvPr>
         </p:nvSpPr>
         <p:spPr>
@@ -3571,67 +3657,67 @@
           </a:ln>
         </p:spPr>
         <p:txBody>
-          <a:bodyPr anchorCtr="0" anchor="ctr" bIns="45700" lIns="91425" spcFirstLastPara="1" rIns="91425" wrap="square" tIns="45700">
+          <a:bodyPr spcFirstLastPara="1" wrap="square" lIns="91425" tIns="45700" rIns="91425" bIns="45700" anchor="ctr" anchorCtr="0">
             <a:noAutofit/>
           </a:bodyPr>
           <a:lstStyle>
-            <a:lvl1pPr indent="0" lvl="0" marL="0" algn="r">
+            <a:lvl1pPr marL="0" lvl="0" indent="0" algn="r">
               <a:spcBef>
                 <a:spcPts val="0"/>
               </a:spcBef>
               <a:buNone/>
               <a:defRPr/>
             </a:lvl1pPr>
-            <a:lvl2pPr indent="0" lvl="1" marL="0" algn="r">
+            <a:lvl2pPr marL="0" lvl="1" indent="0" algn="r">
               <a:spcBef>
                 <a:spcPts val="0"/>
               </a:spcBef>
               <a:buNone/>
               <a:defRPr/>
             </a:lvl2pPr>
-            <a:lvl3pPr indent="0" lvl="2" marL="0" algn="r">
+            <a:lvl3pPr marL="0" lvl="2" indent="0" algn="r">
               <a:spcBef>
                 <a:spcPts val="0"/>
               </a:spcBef>
               <a:buNone/>
               <a:defRPr/>
             </a:lvl3pPr>
-            <a:lvl4pPr indent="0" lvl="3" marL="0" algn="r">
+            <a:lvl4pPr marL="0" lvl="3" indent="0" algn="r">
               <a:spcBef>
                 <a:spcPts val="0"/>
               </a:spcBef>
               <a:buNone/>
               <a:defRPr/>
             </a:lvl4pPr>
-            <a:lvl5pPr indent="0" lvl="4" marL="0" algn="r">
+            <a:lvl5pPr marL="0" lvl="4" indent="0" algn="r">
               <a:spcBef>
                 <a:spcPts val="0"/>
               </a:spcBef>
               <a:buNone/>
               <a:defRPr/>
             </a:lvl5pPr>
-            <a:lvl6pPr indent="0" lvl="5" marL="0" algn="r">
+            <a:lvl6pPr marL="0" lvl="5" indent="0" algn="r">
               <a:spcBef>
                 <a:spcPts val="0"/>
               </a:spcBef>
               <a:buNone/>
               <a:defRPr/>
             </a:lvl6pPr>
-            <a:lvl7pPr indent="0" lvl="6" marL="0" algn="r">
+            <a:lvl7pPr marL="0" lvl="6" indent="0" algn="r">
               <a:spcBef>
                 <a:spcPts val="0"/>
               </a:spcBef>
               <a:buNone/>
               <a:defRPr/>
             </a:lvl7pPr>
-            <a:lvl8pPr indent="0" lvl="7" marL="0" algn="r">
+            <a:lvl8pPr marL="0" lvl="7" indent="0" algn="r">
               <a:spcBef>
                 <a:spcPts val="0"/>
               </a:spcBef>
               <a:buNone/>
               <a:defRPr/>
             </a:lvl8pPr>
-            <a:lvl9pPr indent="0" lvl="8" marL="0" algn="r">
+            <a:lvl9pPr marL="0" lvl="8" indent="0" algn="r">
               <a:spcBef>
                 <a:spcPts val="0"/>
               </a:spcBef>
@@ -3640,7 +3726,7 @@
             </a:lvl9pPr>
           </a:lstStyle>
           <a:p>
-            <a:pPr indent="0" lvl="0" marL="0" rtl="0" algn="r">
+            <a:pPr marL="0" lvl="0" indent="0" algn="r" rtl="0">
               <a:spcBef>
                 <a:spcPts val="0"/>
               </a:spcBef>
@@ -3666,11 +3752,11 @@
 </file>
 
 <file path=ppt/slideLayouts/slideLayout2.xml><?xml version="1.0" encoding="utf-8"?>
-<p:sldLayout xmlns:a="http://schemas.openxmlformats.org/drawingml/2006/main" xmlns:r="http://schemas.openxmlformats.org/officeDocument/2006/relationships" xmlns:mc="http://schemas.openxmlformats.org/markup-compatibility/2006" xmlns:mv="urn:schemas-microsoft-com:mac:vml" xmlns:p="http://schemas.openxmlformats.org/presentationml/2006/main" xmlns:c="http://schemas.openxmlformats.org/drawingml/2006/chart" xmlns:dgm="http://schemas.openxmlformats.org/drawingml/2006/diagram" xmlns:o="urn:schemas-microsoft-com:office:office" xmlns:v="urn:schemas-microsoft-com:vml" xmlns:pvml="urn:schemas-microsoft-com:office:powerpoint" xmlns:com="http://schemas.openxmlformats.org/drawingml/2006/compatibility" xmlns:p14="http://schemas.microsoft.com/office/powerpoint/2010/main" xmlns:p15="http://schemas.microsoft.com/office/powerpoint/2012/main" matchingName="Title and Content" type="obj">
+<p:sldLayout xmlns:a="http://schemas.openxmlformats.org/drawingml/2006/main" xmlns:r="http://schemas.openxmlformats.org/officeDocument/2006/relationships" xmlns:p="http://schemas.openxmlformats.org/presentationml/2006/main" matchingName="Title and Content" type="obj">
   <p:cSld name="OBJECT">
     <p:spTree>
       <p:nvGrpSpPr>
-        <p:cNvPr id="21" name="Shape 21"/>
+        <p:cNvPr id="1" name="Shape 21"/>
         <p:cNvGrpSpPr/>
         <p:nvPr/>
       </p:nvGrpSpPr>
@@ -3685,7 +3771,9 @@
       <p:sp>
         <p:nvSpPr>
           <p:cNvPr id="22" name="Google Shape;22;p3"/>
-          <p:cNvSpPr txBox="1"/>
+          <p:cNvSpPr txBox="1">
+            <a:spLocks noGrp="1"/>
+          </p:cNvSpPr>
           <p:nvPr>
             <p:ph type="title"/>
           </p:nvPr>
@@ -3704,7 +3792,7 @@
           </a:ln>
         </p:spPr>
         <p:txBody>
-          <a:bodyPr anchorCtr="0" anchor="ctr" bIns="45700" lIns="91425" spcFirstLastPara="1" rIns="91425" wrap="square" tIns="45700"/>
+          <a:bodyPr spcFirstLastPara="1" wrap="square" lIns="91425" tIns="45700" rIns="91425" bIns="45700" anchor="ctr" anchorCtr="0"/>
           <a:lstStyle>
             <a:lvl1pPr lvl="0" algn="l">
               <a:lnSpc>
@@ -3812,15 +3900,19 @@
               <a:defRPr/>
             </a:lvl9pPr>
           </a:lstStyle>
-          <a:p/>
+          <a:p>
+            <a:endParaRPr/>
+          </a:p>
         </p:txBody>
       </p:sp>
       <p:sp>
         <p:nvSpPr>
           <p:cNvPr id="23" name="Google Shape;23;p3"/>
-          <p:cNvSpPr txBox="1"/>
+          <p:cNvSpPr txBox="1">
+            <a:spLocks noGrp="1"/>
+          </p:cNvSpPr>
           <p:nvPr>
-            <p:ph idx="1" type="body"/>
+            <p:ph type="body" idx="1"/>
           </p:nvPr>
         </p:nvSpPr>
         <p:spPr>
@@ -3837,9 +3929,9 @@
           </a:ln>
         </p:spPr>
         <p:txBody>
-          <a:bodyPr anchorCtr="0" anchor="t" bIns="45700" lIns="91425" spcFirstLastPara="1" rIns="91425" wrap="square" tIns="45700"/>
+          <a:bodyPr spcFirstLastPara="1" wrap="square" lIns="91425" tIns="45700" rIns="91425" bIns="45700" anchor="t" anchorCtr="0"/>
           <a:lstStyle>
-            <a:lvl1pPr indent="-342900" lvl="0" marL="457200" algn="l">
+            <a:lvl1pPr marL="457200" lvl="0" indent="-342900" algn="l">
               <a:lnSpc>
                 <a:spcPct val="90000"/>
               </a:lnSpc>
@@ -3856,7 +3948,7 @@
               <a:buChar char="•"/>
               <a:defRPr/>
             </a:lvl1pPr>
-            <a:lvl2pPr indent="-342900" lvl="1" marL="914400" algn="l">
+            <a:lvl2pPr marL="914400" lvl="1" indent="-342900" algn="l">
               <a:lnSpc>
                 <a:spcPct val="90000"/>
               </a:lnSpc>
@@ -3873,7 +3965,7 @@
               <a:buChar char="•"/>
               <a:defRPr/>
             </a:lvl2pPr>
-            <a:lvl3pPr indent="-342900" lvl="2" marL="1371600" algn="l">
+            <a:lvl3pPr marL="1371600" lvl="2" indent="-342900" algn="l">
               <a:lnSpc>
                 <a:spcPct val="90000"/>
               </a:lnSpc>
@@ -3890,7 +3982,7 @@
               <a:buChar char="•"/>
               <a:defRPr/>
             </a:lvl3pPr>
-            <a:lvl4pPr indent="-342900" lvl="3" marL="1828800" algn="l">
+            <a:lvl4pPr marL="1828800" lvl="3" indent="-342900" algn="l">
               <a:lnSpc>
                 <a:spcPct val="90000"/>
               </a:lnSpc>
@@ -3907,7 +3999,7 @@
               <a:buChar char="•"/>
               <a:defRPr/>
             </a:lvl4pPr>
-            <a:lvl5pPr indent="-342900" lvl="4" marL="2286000" algn="l">
+            <a:lvl5pPr marL="2286000" lvl="4" indent="-342900" algn="l">
               <a:lnSpc>
                 <a:spcPct val="90000"/>
               </a:lnSpc>
@@ -3924,7 +4016,7 @@
               <a:buChar char="•"/>
               <a:defRPr/>
             </a:lvl5pPr>
-            <a:lvl6pPr indent="-342900" lvl="5" marL="2743200" algn="l">
+            <a:lvl6pPr marL="2743200" lvl="5" indent="-342900" algn="l">
               <a:lnSpc>
                 <a:spcPct val="90000"/>
               </a:lnSpc>
@@ -3941,7 +4033,7 @@
               <a:buChar char="•"/>
               <a:defRPr/>
             </a:lvl6pPr>
-            <a:lvl7pPr indent="-342900" lvl="6" marL="3200400" algn="l">
+            <a:lvl7pPr marL="3200400" lvl="6" indent="-342900" algn="l">
               <a:lnSpc>
                 <a:spcPct val="90000"/>
               </a:lnSpc>
@@ -3958,7 +4050,7 @@
               <a:buChar char="•"/>
               <a:defRPr/>
             </a:lvl7pPr>
-            <a:lvl8pPr indent="-342900" lvl="7" marL="3657600" algn="l">
+            <a:lvl8pPr marL="3657600" lvl="7" indent="-342900" algn="l">
               <a:lnSpc>
                 <a:spcPct val="90000"/>
               </a:lnSpc>
@@ -3975,7 +4067,7 @@
               <a:buChar char="•"/>
               <a:defRPr/>
             </a:lvl8pPr>
-            <a:lvl9pPr indent="-342900" lvl="8" marL="4114800" algn="l">
+            <a:lvl9pPr marL="4114800" lvl="8" indent="-342900" algn="l">
               <a:lnSpc>
                 <a:spcPct val="90000"/>
               </a:lnSpc>
@@ -3993,15 +4085,19 @@
               <a:defRPr/>
             </a:lvl9pPr>
           </a:lstStyle>
-          <a:p/>
+          <a:p>
+            <a:endParaRPr/>
+          </a:p>
         </p:txBody>
       </p:sp>
       <p:sp>
         <p:nvSpPr>
           <p:cNvPr id="24" name="Google Shape;24;p3"/>
-          <p:cNvSpPr txBox="1"/>
+          <p:cNvSpPr txBox="1">
+            <a:spLocks noGrp="1"/>
+          </p:cNvSpPr>
           <p:nvPr>
-            <p:ph idx="10" type="dt"/>
+            <p:ph type="dt" idx="10"/>
           </p:nvPr>
         </p:nvSpPr>
         <p:spPr>
@@ -4018,7 +4114,7 @@
           </a:ln>
         </p:spPr>
         <p:txBody>
-          <a:bodyPr anchorCtr="0" anchor="ctr" bIns="45700" lIns="91425" spcFirstLastPara="1" rIns="91425" wrap="square" tIns="45700"/>
+          <a:bodyPr spcFirstLastPara="1" wrap="square" lIns="91425" tIns="45700" rIns="91425" bIns="45700" anchor="ctr" anchorCtr="0"/>
           <a:lstStyle>
             <a:lvl1pPr lvl="0" algn="l">
               <a:spcBef>
@@ -4120,15 +4216,19 @@
               <a:defRPr/>
             </a:lvl9pPr>
           </a:lstStyle>
-          <a:p/>
+          <a:p>
+            <a:endParaRPr/>
+          </a:p>
         </p:txBody>
       </p:sp>
       <p:sp>
         <p:nvSpPr>
           <p:cNvPr id="25" name="Google Shape;25;p3"/>
-          <p:cNvSpPr txBox="1"/>
+          <p:cNvSpPr txBox="1">
+            <a:spLocks noGrp="1"/>
+          </p:cNvSpPr>
           <p:nvPr>
-            <p:ph idx="11" type="ftr"/>
+            <p:ph type="ftr" idx="11"/>
           </p:nvPr>
         </p:nvSpPr>
         <p:spPr>
@@ -4145,7 +4245,7 @@
           </a:ln>
         </p:spPr>
         <p:txBody>
-          <a:bodyPr anchorCtr="0" anchor="ctr" bIns="45700" lIns="91425" spcFirstLastPara="1" rIns="91425" wrap="square" tIns="45700"/>
+          <a:bodyPr spcFirstLastPara="1" wrap="square" lIns="91425" tIns="45700" rIns="91425" bIns="45700" anchor="ctr" anchorCtr="0"/>
           <a:lstStyle>
             <a:lvl1pPr lvl="0" algn="ctr">
               <a:spcBef>
@@ -4247,15 +4347,19 @@
               <a:defRPr/>
             </a:lvl9pPr>
           </a:lstStyle>
-          <a:p/>
+          <a:p>
+            <a:endParaRPr/>
+          </a:p>
         </p:txBody>
       </p:sp>
       <p:sp>
         <p:nvSpPr>
           <p:cNvPr id="26" name="Google Shape;26;p3"/>
-          <p:cNvSpPr txBox="1"/>
+          <p:cNvSpPr txBox="1">
+            <a:spLocks noGrp="1"/>
+          </p:cNvSpPr>
           <p:nvPr>
-            <p:ph idx="12" type="sldNum"/>
+            <p:ph type="sldNum" idx="12"/>
           </p:nvPr>
         </p:nvSpPr>
         <p:spPr>
@@ -4272,67 +4376,67 @@
           </a:ln>
         </p:spPr>
         <p:txBody>
-          <a:bodyPr anchorCtr="0" anchor="ctr" bIns="45700" lIns="91425" spcFirstLastPara="1" rIns="91425" wrap="square" tIns="45700">
+          <a:bodyPr spcFirstLastPara="1" wrap="square" lIns="91425" tIns="45700" rIns="91425" bIns="45700" anchor="ctr" anchorCtr="0">
             <a:noAutofit/>
           </a:bodyPr>
           <a:lstStyle>
-            <a:lvl1pPr indent="0" lvl="0" marL="0" algn="r">
+            <a:lvl1pPr marL="0" lvl="0" indent="0" algn="r">
               <a:spcBef>
                 <a:spcPts val="0"/>
               </a:spcBef>
               <a:buNone/>
               <a:defRPr/>
             </a:lvl1pPr>
-            <a:lvl2pPr indent="0" lvl="1" marL="0" algn="r">
+            <a:lvl2pPr marL="0" lvl="1" indent="0" algn="r">
               <a:spcBef>
                 <a:spcPts val="0"/>
               </a:spcBef>
               <a:buNone/>
               <a:defRPr/>
             </a:lvl2pPr>
-            <a:lvl3pPr indent="0" lvl="2" marL="0" algn="r">
+            <a:lvl3pPr marL="0" lvl="2" indent="0" algn="r">
               <a:spcBef>
                 <a:spcPts val="0"/>
               </a:spcBef>
               <a:buNone/>
               <a:defRPr/>
             </a:lvl3pPr>
-            <a:lvl4pPr indent="0" lvl="3" marL="0" algn="r">
+            <a:lvl4pPr marL="0" lvl="3" indent="0" algn="r">
               <a:spcBef>
                 <a:spcPts val="0"/>
               </a:spcBef>
               <a:buNone/>
               <a:defRPr/>
             </a:lvl4pPr>
-            <a:lvl5pPr indent="0" lvl="4" marL="0" algn="r">
+            <a:lvl5pPr marL="0" lvl="4" indent="0" algn="r">
               <a:spcBef>
                 <a:spcPts val="0"/>
               </a:spcBef>
               <a:buNone/>
               <a:defRPr/>
             </a:lvl5pPr>
-            <a:lvl6pPr indent="0" lvl="5" marL="0" algn="r">
+            <a:lvl6pPr marL="0" lvl="5" indent="0" algn="r">
               <a:spcBef>
                 <a:spcPts val="0"/>
               </a:spcBef>
               <a:buNone/>
               <a:defRPr/>
             </a:lvl6pPr>
-            <a:lvl7pPr indent="0" lvl="6" marL="0" algn="r">
+            <a:lvl7pPr marL="0" lvl="6" indent="0" algn="r">
               <a:spcBef>
                 <a:spcPts val="0"/>
               </a:spcBef>
               <a:buNone/>
               <a:defRPr/>
             </a:lvl7pPr>
-            <a:lvl8pPr indent="0" lvl="7" marL="0" algn="r">
+            <a:lvl8pPr marL="0" lvl="7" indent="0" algn="r">
               <a:spcBef>
                 <a:spcPts val="0"/>
               </a:spcBef>
               <a:buNone/>
               <a:defRPr/>
             </a:lvl8pPr>
-            <a:lvl9pPr indent="0" lvl="8" marL="0" algn="r">
+            <a:lvl9pPr marL="0" lvl="8" indent="0" algn="r">
               <a:spcBef>
                 <a:spcPts val="0"/>
               </a:spcBef>
@@ -4341,7 +4445,7 @@
             </a:lvl9pPr>
           </a:lstStyle>
           <a:p>
-            <a:pPr indent="0" lvl="0" marL="0" rtl="0" algn="r">
+            <a:pPr marL="0" lvl="0" indent="0" algn="r" rtl="0">
               <a:spcBef>
                 <a:spcPts val="0"/>
               </a:spcBef>
@@ -4367,11 +4471,11 @@
 </file>
 
 <file path=ppt/slideLayouts/slideLayout3.xml><?xml version="1.0" encoding="utf-8"?>
-<p:sldLayout xmlns:a="http://schemas.openxmlformats.org/drawingml/2006/main" xmlns:r="http://schemas.openxmlformats.org/officeDocument/2006/relationships" xmlns:mc="http://schemas.openxmlformats.org/markup-compatibility/2006" xmlns:mv="urn:schemas-microsoft-com:mac:vml" xmlns:p="http://schemas.openxmlformats.org/presentationml/2006/main" xmlns:c="http://schemas.openxmlformats.org/drawingml/2006/chart" xmlns:dgm="http://schemas.openxmlformats.org/drawingml/2006/diagram" xmlns:o="urn:schemas-microsoft-com:office:office" xmlns:v="urn:schemas-microsoft-com:vml" xmlns:pvml="urn:schemas-microsoft-com:office:powerpoint" xmlns:com="http://schemas.openxmlformats.org/drawingml/2006/compatibility" xmlns:p14="http://schemas.microsoft.com/office/powerpoint/2010/main" xmlns:p15="http://schemas.microsoft.com/office/powerpoint/2012/main" matchingName="Section Header" type="secHead">
+<p:sldLayout xmlns:a="http://schemas.openxmlformats.org/drawingml/2006/main" xmlns:r="http://schemas.openxmlformats.org/officeDocument/2006/relationships" xmlns:p="http://schemas.openxmlformats.org/presentationml/2006/main" matchingName="Section Header" type="secHead">
   <p:cSld name="SECTION_HEADER">
     <p:spTree>
       <p:nvGrpSpPr>
-        <p:cNvPr id="27" name="Shape 27"/>
+        <p:cNvPr id="1" name="Shape 27"/>
         <p:cNvGrpSpPr/>
         <p:nvPr/>
       </p:nvGrpSpPr>
@@ -4386,7 +4490,9 @@
       <p:sp>
         <p:nvSpPr>
           <p:cNvPr id="28" name="Google Shape;28;p4"/>
-          <p:cNvSpPr txBox="1"/>
+          <p:cNvSpPr txBox="1">
+            <a:spLocks noGrp="1"/>
+          </p:cNvSpPr>
           <p:nvPr>
             <p:ph type="title"/>
           </p:nvPr>
@@ -4405,7 +4511,7 @@
           </a:ln>
         </p:spPr>
         <p:txBody>
-          <a:bodyPr anchorCtr="0" anchor="b" bIns="45700" lIns="91425" spcFirstLastPara="1" rIns="91425" wrap="square" tIns="45700"/>
+          <a:bodyPr spcFirstLastPara="1" wrap="square" lIns="91425" tIns="45700" rIns="91425" bIns="45700" anchor="b" anchorCtr="0"/>
           <a:lstStyle>
             <a:lvl1pPr lvl="0" algn="l">
               <a:lnSpc>
@@ -4514,15 +4620,19 @@
               <a:defRPr/>
             </a:lvl9pPr>
           </a:lstStyle>
-          <a:p/>
+          <a:p>
+            <a:endParaRPr/>
+          </a:p>
         </p:txBody>
       </p:sp>
       <p:sp>
         <p:nvSpPr>
           <p:cNvPr id="29" name="Google Shape;29;p4"/>
-          <p:cNvSpPr txBox="1"/>
+          <p:cNvSpPr txBox="1">
+            <a:spLocks noGrp="1"/>
+          </p:cNvSpPr>
           <p:nvPr>
-            <p:ph idx="1" type="body"/>
+            <p:ph type="body" idx="1"/>
           </p:nvPr>
         </p:nvSpPr>
         <p:spPr>
@@ -4539,9 +4649,9 @@
           </a:ln>
         </p:spPr>
         <p:txBody>
-          <a:bodyPr anchorCtr="0" anchor="t" bIns="45700" lIns="91425" spcFirstLastPara="1" rIns="91425" wrap="square" tIns="45700"/>
+          <a:bodyPr spcFirstLastPara="1" wrap="square" lIns="91425" tIns="45700" rIns="91425" bIns="45700" anchor="t" anchorCtr="0"/>
           <a:lstStyle>
-            <a:lvl1pPr indent="-228600" lvl="0" marL="457200" algn="l">
+            <a:lvl1pPr marL="457200" lvl="0" indent="-228600" algn="l">
               <a:lnSpc>
                 <a:spcPct val="90000"/>
               </a:lnSpc>
@@ -4562,7 +4672,7 @@
                 </a:solidFill>
               </a:defRPr>
             </a:lvl1pPr>
-            <a:lvl2pPr indent="-228600" lvl="1" marL="914400" algn="l">
+            <a:lvl2pPr marL="914400" lvl="1" indent="-228600" algn="l">
               <a:lnSpc>
                 <a:spcPct val="90000"/>
               </a:lnSpc>
@@ -4583,7 +4693,7 @@
                 </a:solidFill>
               </a:defRPr>
             </a:lvl2pPr>
-            <a:lvl3pPr indent="-228600" lvl="2" marL="1371600" algn="l">
+            <a:lvl3pPr marL="1371600" lvl="2" indent="-228600" algn="l">
               <a:lnSpc>
                 <a:spcPct val="90000"/>
               </a:lnSpc>
@@ -4604,7 +4714,7 @@
                 </a:solidFill>
               </a:defRPr>
             </a:lvl3pPr>
-            <a:lvl4pPr indent="-228600" lvl="3" marL="1828800" algn="l">
+            <a:lvl4pPr marL="1828800" lvl="3" indent="-228600" algn="l">
               <a:lnSpc>
                 <a:spcPct val="90000"/>
               </a:lnSpc>
@@ -4625,7 +4735,7 @@
                 </a:solidFill>
               </a:defRPr>
             </a:lvl4pPr>
-            <a:lvl5pPr indent="-228600" lvl="4" marL="2286000" algn="l">
+            <a:lvl5pPr marL="2286000" lvl="4" indent="-228600" algn="l">
               <a:lnSpc>
                 <a:spcPct val="90000"/>
               </a:lnSpc>
@@ -4646,7 +4756,7 @@
                 </a:solidFill>
               </a:defRPr>
             </a:lvl5pPr>
-            <a:lvl6pPr indent="-228600" lvl="5" marL="2743200" algn="l">
+            <a:lvl6pPr marL="2743200" lvl="5" indent="-228600" algn="l">
               <a:lnSpc>
                 <a:spcPct val="90000"/>
               </a:lnSpc>
@@ -4667,7 +4777,7 @@
                 </a:solidFill>
               </a:defRPr>
             </a:lvl6pPr>
-            <a:lvl7pPr indent="-228600" lvl="6" marL="3200400" algn="l">
+            <a:lvl7pPr marL="3200400" lvl="6" indent="-228600" algn="l">
               <a:lnSpc>
                 <a:spcPct val="90000"/>
               </a:lnSpc>
@@ -4688,7 +4798,7 @@
                 </a:solidFill>
               </a:defRPr>
             </a:lvl7pPr>
-            <a:lvl8pPr indent="-228600" lvl="7" marL="3657600" algn="l">
+            <a:lvl8pPr marL="3657600" lvl="7" indent="-228600" algn="l">
               <a:lnSpc>
                 <a:spcPct val="90000"/>
               </a:lnSpc>
@@ -4709,7 +4819,7 @@
                 </a:solidFill>
               </a:defRPr>
             </a:lvl8pPr>
-            <a:lvl9pPr indent="-228600" lvl="8" marL="4114800" algn="l">
+            <a:lvl9pPr marL="4114800" lvl="8" indent="-228600" algn="l">
               <a:lnSpc>
                 <a:spcPct val="90000"/>
               </a:lnSpc>
@@ -4731,15 +4841,19 @@
               </a:defRPr>
             </a:lvl9pPr>
           </a:lstStyle>
-          <a:p/>
+          <a:p>
+            <a:endParaRPr/>
+          </a:p>
         </p:txBody>
       </p:sp>
       <p:sp>
         <p:nvSpPr>
           <p:cNvPr id="30" name="Google Shape;30;p4"/>
-          <p:cNvSpPr txBox="1"/>
+          <p:cNvSpPr txBox="1">
+            <a:spLocks noGrp="1"/>
+          </p:cNvSpPr>
           <p:nvPr>
-            <p:ph idx="10" type="dt"/>
+            <p:ph type="dt" idx="10"/>
           </p:nvPr>
         </p:nvSpPr>
         <p:spPr>
@@ -4756,7 +4870,7 @@
           </a:ln>
         </p:spPr>
         <p:txBody>
-          <a:bodyPr anchorCtr="0" anchor="ctr" bIns="45700" lIns="91425" spcFirstLastPara="1" rIns="91425" wrap="square" tIns="45700"/>
+          <a:bodyPr spcFirstLastPara="1" wrap="square" lIns="91425" tIns="45700" rIns="91425" bIns="45700" anchor="ctr" anchorCtr="0"/>
           <a:lstStyle>
             <a:lvl1pPr lvl="0" algn="l">
               <a:spcBef>
@@ -4858,15 +4972,19 @@
               <a:defRPr/>
             </a:lvl9pPr>
           </a:lstStyle>
-          <a:p/>
+          <a:p>
+            <a:endParaRPr/>
+          </a:p>
         </p:txBody>
       </p:sp>
       <p:sp>
         <p:nvSpPr>
           <p:cNvPr id="31" name="Google Shape;31;p4"/>
-          <p:cNvSpPr txBox="1"/>
+          <p:cNvSpPr txBox="1">
+            <a:spLocks noGrp="1"/>
+          </p:cNvSpPr>
           <p:nvPr>
-            <p:ph idx="11" type="ftr"/>
+            <p:ph type="ftr" idx="11"/>
           </p:nvPr>
         </p:nvSpPr>
         <p:spPr>
@@ -4883,7 +5001,7 @@
           </a:ln>
         </p:spPr>
         <p:txBody>
-          <a:bodyPr anchorCtr="0" anchor="ctr" bIns="45700" lIns="91425" spcFirstLastPara="1" rIns="91425" wrap="square" tIns="45700"/>
+          <a:bodyPr spcFirstLastPara="1" wrap="square" lIns="91425" tIns="45700" rIns="91425" bIns="45700" anchor="ctr" anchorCtr="0"/>
           <a:lstStyle>
             <a:lvl1pPr lvl="0" algn="ctr">
               <a:spcBef>
@@ -4985,15 +5103,19 @@
               <a:defRPr/>
             </a:lvl9pPr>
           </a:lstStyle>
-          <a:p/>
+          <a:p>
+            <a:endParaRPr/>
+          </a:p>
         </p:txBody>
       </p:sp>
       <p:sp>
         <p:nvSpPr>
           <p:cNvPr id="32" name="Google Shape;32;p4"/>
-          <p:cNvSpPr txBox="1"/>
+          <p:cNvSpPr txBox="1">
+            <a:spLocks noGrp="1"/>
+          </p:cNvSpPr>
           <p:nvPr>
-            <p:ph idx="12" type="sldNum"/>
+            <p:ph type="sldNum" idx="12"/>
           </p:nvPr>
         </p:nvSpPr>
         <p:spPr>
@@ -5010,67 +5132,67 @@
           </a:ln>
         </p:spPr>
         <p:txBody>
-          <a:bodyPr anchorCtr="0" anchor="ctr" bIns="45700" lIns="91425" spcFirstLastPara="1" rIns="91425" wrap="square" tIns="45700">
+          <a:bodyPr spcFirstLastPara="1" wrap="square" lIns="91425" tIns="45700" rIns="91425" bIns="45700" anchor="ctr" anchorCtr="0">
             <a:noAutofit/>
           </a:bodyPr>
           <a:lstStyle>
-            <a:lvl1pPr indent="0" lvl="0" marL="0" algn="r">
+            <a:lvl1pPr marL="0" lvl="0" indent="0" algn="r">
               <a:spcBef>
                 <a:spcPts val="0"/>
               </a:spcBef>
               <a:buNone/>
               <a:defRPr/>
             </a:lvl1pPr>
-            <a:lvl2pPr indent="0" lvl="1" marL="0" algn="r">
+            <a:lvl2pPr marL="0" lvl="1" indent="0" algn="r">
               <a:spcBef>
                 <a:spcPts val="0"/>
               </a:spcBef>
               <a:buNone/>
               <a:defRPr/>
             </a:lvl2pPr>
-            <a:lvl3pPr indent="0" lvl="2" marL="0" algn="r">
+            <a:lvl3pPr marL="0" lvl="2" indent="0" algn="r">
               <a:spcBef>
                 <a:spcPts val="0"/>
               </a:spcBef>
               <a:buNone/>
               <a:defRPr/>
             </a:lvl3pPr>
-            <a:lvl4pPr indent="0" lvl="3" marL="0" algn="r">
+            <a:lvl4pPr marL="0" lvl="3" indent="0" algn="r">
               <a:spcBef>
                 <a:spcPts val="0"/>
               </a:spcBef>
               <a:buNone/>
               <a:defRPr/>
             </a:lvl4pPr>
-            <a:lvl5pPr indent="0" lvl="4" marL="0" algn="r">
+            <a:lvl5pPr marL="0" lvl="4" indent="0" algn="r">
               <a:spcBef>
                 <a:spcPts val="0"/>
               </a:spcBef>
               <a:buNone/>
               <a:defRPr/>
             </a:lvl5pPr>
-            <a:lvl6pPr indent="0" lvl="5" marL="0" algn="r">
+            <a:lvl6pPr marL="0" lvl="5" indent="0" algn="r">
               <a:spcBef>
                 <a:spcPts val="0"/>
               </a:spcBef>
               <a:buNone/>
               <a:defRPr/>
             </a:lvl6pPr>
-            <a:lvl7pPr indent="0" lvl="6" marL="0" algn="r">
+            <a:lvl7pPr marL="0" lvl="6" indent="0" algn="r">
               <a:spcBef>
                 <a:spcPts val="0"/>
               </a:spcBef>
               <a:buNone/>
               <a:defRPr/>
             </a:lvl7pPr>
-            <a:lvl8pPr indent="0" lvl="7" marL="0" algn="r">
+            <a:lvl8pPr marL="0" lvl="7" indent="0" algn="r">
               <a:spcBef>
                 <a:spcPts val="0"/>
               </a:spcBef>
               <a:buNone/>
               <a:defRPr/>
             </a:lvl8pPr>
-            <a:lvl9pPr indent="0" lvl="8" marL="0" algn="r">
+            <a:lvl9pPr marL="0" lvl="8" indent="0" algn="r">
               <a:spcBef>
                 <a:spcPts val="0"/>
               </a:spcBef>
@@ -5079,7 +5201,7 @@
             </a:lvl9pPr>
           </a:lstStyle>
           <a:p>
-            <a:pPr indent="0" lvl="0" marL="0" rtl="0" algn="r">
+            <a:pPr marL="0" lvl="0" indent="0" algn="r" rtl="0">
               <a:spcBef>
                 <a:spcPts val="0"/>
               </a:spcBef>
@@ -5105,11 +5227,11 @@
 </file>
 
 <file path=ppt/slideLayouts/slideLayout4.xml><?xml version="1.0" encoding="utf-8"?>
-<p:sldLayout xmlns:a="http://schemas.openxmlformats.org/drawingml/2006/main" xmlns:r="http://schemas.openxmlformats.org/officeDocument/2006/relationships" xmlns:mc="http://schemas.openxmlformats.org/markup-compatibility/2006" xmlns:mv="urn:schemas-microsoft-com:mac:vml" xmlns:p="http://schemas.openxmlformats.org/presentationml/2006/main" xmlns:c="http://schemas.openxmlformats.org/drawingml/2006/chart" xmlns:dgm="http://schemas.openxmlformats.org/drawingml/2006/diagram" xmlns:o="urn:schemas-microsoft-com:office:office" xmlns:v="urn:schemas-microsoft-com:vml" xmlns:pvml="urn:schemas-microsoft-com:office:powerpoint" xmlns:com="http://schemas.openxmlformats.org/drawingml/2006/compatibility" xmlns:p14="http://schemas.microsoft.com/office/powerpoint/2010/main" xmlns:p15="http://schemas.microsoft.com/office/powerpoint/2012/main" matchingName="Two Content" type="twoObj">
+<p:sldLayout xmlns:a="http://schemas.openxmlformats.org/drawingml/2006/main" xmlns:r="http://schemas.openxmlformats.org/officeDocument/2006/relationships" xmlns:p="http://schemas.openxmlformats.org/presentationml/2006/main" matchingName="Two Content" type="twoObj">
   <p:cSld name="TWO_OBJECTS">
     <p:spTree>
       <p:nvGrpSpPr>
-        <p:cNvPr id="33" name="Shape 33"/>
+        <p:cNvPr id="1" name="Shape 33"/>
         <p:cNvGrpSpPr/>
         <p:nvPr/>
       </p:nvGrpSpPr>
@@ -5124,7 +5246,9 @@
       <p:sp>
         <p:nvSpPr>
           <p:cNvPr id="34" name="Google Shape;34;p5"/>
-          <p:cNvSpPr txBox="1"/>
+          <p:cNvSpPr txBox="1">
+            <a:spLocks noGrp="1"/>
+          </p:cNvSpPr>
           <p:nvPr>
             <p:ph type="title"/>
           </p:nvPr>
@@ -5143,7 +5267,7 @@
           </a:ln>
         </p:spPr>
         <p:txBody>
-          <a:bodyPr anchorCtr="0" anchor="ctr" bIns="45700" lIns="91425" spcFirstLastPara="1" rIns="91425" wrap="square" tIns="45700"/>
+          <a:bodyPr spcFirstLastPara="1" wrap="square" lIns="91425" tIns="45700" rIns="91425" bIns="45700" anchor="ctr" anchorCtr="0"/>
           <a:lstStyle>
             <a:lvl1pPr lvl="0" algn="l">
               <a:lnSpc>
@@ -5251,15 +5375,19 @@
               <a:defRPr/>
             </a:lvl9pPr>
           </a:lstStyle>
-          <a:p/>
+          <a:p>
+            <a:endParaRPr/>
+          </a:p>
         </p:txBody>
       </p:sp>
       <p:sp>
         <p:nvSpPr>
           <p:cNvPr id="35" name="Google Shape;35;p5"/>
-          <p:cNvSpPr txBox="1"/>
+          <p:cNvSpPr txBox="1">
+            <a:spLocks noGrp="1"/>
+          </p:cNvSpPr>
           <p:nvPr>
-            <p:ph idx="1" type="body"/>
+            <p:ph type="body" idx="1"/>
           </p:nvPr>
         </p:nvSpPr>
         <p:spPr>
@@ -5276,9 +5404,9 @@
           </a:ln>
         </p:spPr>
         <p:txBody>
-          <a:bodyPr anchorCtr="0" anchor="t" bIns="45700" lIns="91425" spcFirstLastPara="1" rIns="91425" wrap="square" tIns="45700"/>
+          <a:bodyPr spcFirstLastPara="1" wrap="square" lIns="91425" tIns="45700" rIns="91425" bIns="45700" anchor="t" anchorCtr="0"/>
           <a:lstStyle>
-            <a:lvl1pPr indent="-342900" lvl="0" marL="457200" algn="l">
+            <a:lvl1pPr marL="457200" lvl="0" indent="-342900" algn="l">
               <a:lnSpc>
                 <a:spcPct val="90000"/>
               </a:lnSpc>
@@ -5295,7 +5423,7 @@
               <a:buChar char="•"/>
               <a:defRPr/>
             </a:lvl1pPr>
-            <a:lvl2pPr indent="-342900" lvl="1" marL="914400" algn="l">
+            <a:lvl2pPr marL="914400" lvl="1" indent="-342900" algn="l">
               <a:lnSpc>
                 <a:spcPct val="90000"/>
               </a:lnSpc>
@@ -5312,7 +5440,7 @@
               <a:buChar char="•"/>
               <a:defRPr/>
             </a:lvl2pPr>
-            <a:lvl3pPr indent="-342900" lvl="2" marL="1371600" algn="l">
+            <a:lvl3pPr marL="1371600" lvl="2" indent="-342900" algn="l">
               <a:lnSpc>
                 <a:spcPct val="90000"/>
               </a:lnSpc>
@@ -5329,7 +5457,7 @@
               <a:buChar char="•"/>
               <a:defRPr/>
             </a:lvl3pPr>
-            <a:lvl4pPr indent="-342900" lvl="3" marL="1828800" algn="l">
+            <a:lvl4pPr marL="1828800" lvl="3" indent="-342900" algn="l">
               <a:lnSpc>
                 <a:spcPct val="90000"/>
               </a:lnSpc>
@@ -5346,7 +5474,7 @@
               <a:buChar char="•"/>
               <a:defRPr/>
             </a:lvl4pPr>
-            <a:lvl5pPr indent="-342900" lvl="4" marL="2286000" algn="l">
+            <a:lvl5pPr marL="2286000" lvl="4" indent="-342900" algn="l">
               <a:lnSpc>
                 <a:spcPct val="90000"/>
               </a:lnSpc>
@@ -5363,7 +5491,7 @@
               <a:buChar char="•"/>
               <a:defRPr/>
             </a:lvl5pPr>
-            <a:lvl6pPr indent="-342900" lvl="5" marL="2743200" algn="l">
+            <a:lvl6pPr marL="2743200" lvl="5" indent="-342900" algn="l">
               <a:lnSpc>
                 <a:spcPct val="90000"/>
               </a:lnSpc>
@@ -5380,7 +5508,7 @@
               <a:buChar char="•"/>
               <a:defRPr/>
             </a:lvl6pPr>
-            <a:lvl7pPr indent="-342900" lvl="6" marL="3200400" algn="l">
+            <a:lvl7pPr marL="3200400" lvl="6" indent="-342900" algn="l">
               <a:lnSpc>
                 <a:spcPct val="90000"/>
               </a:lnSpc>
@@ -5397,7 +5525,7 @@
               <a:buChar char="•"/>
               <a:defRPr/>
             </a:lvl7pPr>
-            <a:lvl8pPr indent="-342900" lvl="7" marL="3657600" algn="l">
+            <a:lvl8pPr marL="3657600" lvl="7" indent="-342900" algn="l">
               <a:lnSpc>
                 <a:spcPct val="90000"/>
               </a:lnSpc>
@@ -5414,7 +5542,7 @@
               <a:buChar char="•"/>
               <a:defRPr/>
             </a:lvl8pPr>
-            <a:lvl9pPr indent="-342900" lvl="8" marL="4114800" algn="l">
+            <a:lvl9pPr marL="4114800" lvl="8" indent="-342900" algn="l">
               <a:lnSpc>
                 <a:spcPct val="90000"/>
               </a:lnSpc>
@@ -5432,15 +5560,19 @@
               <a:defRPr/>
             </a:lvl9pPr>
           </a:lstStyle>
-          <a:p/>
+          <a:p>
+            <a:endParaRPr/>
+          </a:p>
         </p:txBody>
       </p:sp>
       <p:sp>
         <p:nvSpPr>
           <p:cNvPr id="36" name="Google Shape;36;p5"/>
-          <p:cNvSpPr txBox="1"/>
+          <p:cNvSpPr txBox="1">
+            <a:spLocks noGrp="1"/>
+          </p:cNvSpPr>
           <p:nvPr>
-            <p:ph idx="2" type="body"/>
+            <p:ph type="body" idx="2"/>
           </p:nvPr>
         </p:nvSpPr>
         <p:spPr>
@@ -5457,9 +5589,9 @@
           </a:ln>
         </p:spPr>
         <p:txBody>
-          <a:bodyPr anchorCtr="0" anchor="t" bIns="45700" lIns="91425" spcFirstLastPara="1" rIns="91425" wrap="square" tIns="45700"/>
+          <a:bodyPr spcFirstLastPara="1" wrap="square" lIns="91425" tIns="45700" rIns="91425" bIns="45700" anchor="t" anchorCtr="0"/>
           <a:lstStyle>
-            <a:lvl1pPr indent="-342900" lvl="0" marL="457200" algn="l">
+            <a:lvl1pPr marL="457200" lvl="0" indent="-342900" algn="l">
               <a:lnSpc>
                 <a:spcPct val="90000"/>
               </a:lnSpc>
@@ -5476,7 +5608,7 @@
               <a:buChar char="•"/>
               <a:defRPr/>
             </a:lvl1pPr>
-            <a:lvl2pPr indent="-342900" lvl="1" marL="914400" algn="l">
+            <a:lvl2pPr marL="914400" lvl="1" indent="-342900" algn="l">
               <a:lnSpc>
                 <a:spcPct val="90000"/>
               </a:lnSpc>
@@ -5493,7 +5625,7 @@
               <a:buChar char="•"/>
               <a:defRPr/>
             </a:lvl2pPr>
-            <a:lvl3pPr indent="-342900" lvl="2" marL="1371600" algn="l">
+            <a:lvl3pPr marL="1371600" lvl="2" indent="-342900" algn="l">
               <a:lnSpc>
                 <a:spcPct val="90000"/>
               </a:lnSpc>
@@ -5510,7 +5642,7 @@
               <a:buChar char="•"/>
               <a:defRPr/>
             </a:lvl3pPr>
-            <a:lvl4pPr indent="-342900" lvl="3" marL="1828800" algn="l">
+            <a:lvl4pPr marL="1828800" lvl="3" indent="-342900" algn="l">
               <a:lnSpc>
                 <a:spcPct val="90000"/>
               </a:lnSpc>
@@ -5527,7 +5659,7 @@
               <a:buChar char="•"/>
               <a:defRPr/>
             </a:lvl4pPr>
-            <a:lvl5pPr indent="-342900" lvl="4" marL="2286000" algn="l">
+            <a:lvl5pPr marL="2286000" lvl="4" indent="-342900" algn="l">
               <a:lnSpc>
                 <a:spcPct val="90000"/>
               </a:lnSpc>
@@ -5544,7 +5676,7 @@
               <a:buChar char="•"/>
               <a:defRPr/>
             </a:lvl5pPr>
-            <a:lvl6pPr indent="-342900" lvl="5" marL="2743200" algn="l">
+            <a:lvl6pPr marL="2743200" lvl="5" indent="-342900" algn="l">
               <a:lnSpc>
                 <a:spcPct val="90000"/>
               </a:lnSpc>
@@ -5561,7 +5693,7 @@
               <a:buChar char="•"/>
               <a:defRPr/>
             </a:lvl6pPr>
-            <a:lvl7pPr indent="-342900" lvl="6" marL="3200400" algn="l">
+            <a:lvl7pPr marL="3200400" lvl="6" indent="-342900" algn="l">
               <a:lnSpc>
                 <a:spcPct val="90000"/>
               </a:lnSpc>
@@ -5578,7 +5710,7 @@
               <a:buChar char="•"/>
               <a:defRPr/>
             </a:lvl7pPr>
-            <a:lvl8pPr indent="-342900" lvl="7" marL="3657600" algn="l">
+            <a:lvl8pPr marL="3657600" lvl="7" indent="-342900" algn="l">
               <a:lnSpc>
                 <a:spcPct val="90000"/>
               </a:lnSpc>
@@ -5595,7 +5727,7 @@
               <a:buChar char="•"/>
               <a:defRPr/>
             </a:lvl8pPr>
-            <a:lvl9pPr indent="-342900" lvl="8" marL="4114800" algn="l">
+            <a:lvl9pPr marL="4114800" lvl="8" indent="-342900" algn="l">
               <a:lnSpc>
                 <a:spcPct val="90000"/>
               </a:lnSpc>
@@ -5613,15 +5745,19 @@
               <a:defRPr/>
             </a:lvl9pPr>
           </a:lstStyle>
-          <a:p/>
+          <a:p>
+            <a:endParaRPr/>
+          </a:p>
         </p:txBody>
       </p:sp>
       <p:sp>
         <p:nvSpPr>
           <p:cNvPr id="37" name="Google Shape;37;p5"/>
-          <p:cNvSpPr txBox="1"/>
+          <p:cNvSpPr txBox="1">
+            <a:spLocks noGrp="1"/>
+          </p:cNvSpPr>
           <p:nvPr>
-            <p:ph idx="10" type="dt"/>
+            <p:ph type="dt" idx="10"/>
           </p:nvPr>
         </p:nvSpPr>
         <p:spPr>
@@ -5638,7 +5774,7 @@
           </a:ln>
         </p:spPr>
         <p:txBody>
-          <a:bodyPr anchorCtr="0" anchor="ctr" bIns="45700" lIns="91425" spcFirstLastPara="1" rIns="91425" wrap="square" tIns="45700"/>
+          <a:bodyPr spcFirstLastPara="1" wrap="square" lIns="91425" tIns="45700" rIns="91425" bIns="45700" anchor="ctr" anchorCtr="0"/>
           <a:lstStyle>
             <a:lvl1pPr lvl="0" algn="l">
               <a:spcBef>
@@ -5740,15 +5876,19 @@
               <a:defRPr/>
             </a:lvl9pPr>
           </a:lstStyle>
-          <a:p/>
+          <a:p>
+            <a:endParaRPr/>
+          </a:p>
         </p:txBody>
       </p:sp>
       <p:sp>
         <p:nvSpPr>
           <p:cNvPr id="38" name="Google Shape;38;p5"/>
-          <p:cNvSpPr txBox="1"/>
+          <p:cNvSpPr txBox="1">
+            <a:spLocks noGrp="1"/>
+          </p:cNvSpPr>
           <p:nvPr>
-            <p:ph idx="11" type="ftr"/>
+            <p:ph type="ftr" idx="11"/>
           </p:nvPr>
         </p:nvSpPr>
         <p:spPr>
@@ -5765,7 +5905,7 @@
           </a:ln>
         </p:spPr>
         <p:txBody>
-          <a:bodyPr anchorCtr="0" anchor="ctr" bIns="45700" lIns="91425" spcFirstLastPara="1" rIns="91425" wrap="square" tIns="45700"/>
+          <a:bodyPr spcFirstLastPara="1" wrap="square" lIns="91425" tIns="45700" rIns="91425" bIns="45700" anchor="ctr" anchorCtr="0"/>
           <a:lstStyle>
             <a:lvl1pPr lvl="0" algn="ctr">
               <a:spcBef>
@@ -5867,15 +6007,19 @@
               <a:defRPr/>
             </a:lvl9pPr>
           </a:lstStyle>
-          <a:p/>
+          <a:p>
+            <a:endParaRPr/>
+          </a:p>
         </p:txBody>
       </p:sp>
       <p:sp>
         <p:nvSpPr>
           <p:cNvPr id="39" name="Google Shape;39;p5"/>
-          <p:cNvSpPr txBox="1"/>
+          <p:cNvSpPr txBox="1">
+            <a:spLocks noGrp="1"/>
+          </p:cNvSpPr>
           <p:nvPr>
-            <p:ph idx="12" type="sldNum"/>
+            <p:ph type="sldNum" idx="12"/>
           </p:nvPr>
         </p:nvSpPr>
         <p:spPr>
@@ -5892,67 +6036,67 @@
           </a:ln>
         </p:spPr>
         <p:txBody>
-          <a:bodyPr anchorCtr="0" anchor="ctr" bIns="45700" lIns="91425" spcFirstLastPara="1" rIns="91425" wrap="square" tIns="45700">
+          <a:bodyPr spcFirstLastPara="1" wrap="square" lIns="91425" tIns="45700" rIns="91425" bIns="45700" anchor="ctr" anchorCtr="0">
             <a:noAutofit/>
           </a:bodyPr>
           <a:lstStyle>
-            <a:lvl1pPr indent="0" lvl="0" marL="0" algn="r">
+            <a:lvl1pPr marL="0" lvl="0" indent="0" algn="r">
               <a:spcBef>
                 <a:spcPts val="0"/>
               </a:spcBef>
               <a:buNone/>
               <a:defRPr/>
             </a:lvl1pPr>
-            <a:lvl2pPr indent="0" lvl="1" marL="0" algn="r">
+            <a:lvl2pPr marL="0" lvl="1" indent="0" algn="r">
               <a:spcBef>
                 <a:spcPts val="0"/>
               </a:spcBef>
               <a:buNone/>
               <a:defRPr/>
             </a:lvl2pPr>
-            <a:lvl3pPr indent="0" lvl="2" marL="0" algn="r">
+            <a:lvl3pPr marL="0" lvl="2" indent="0" algn="r">
               <a:spcBef>
                 <a:spcPts val="0"/>
               </a:spcBef>
               <a:buNone/>
               <a:defRPr/>
             </a:lvl3pPr>
-            <a:lvl4pPr indent="0" lvl="3" marL="0" algn="r">
+            <a:lvl4pPr marL="0" lvl="3" indent="0" algn="r">
               <a:spcBef>
                 <a:spcPts val="0"/>
               </a:spcBef>
               <a:buNone/>
               <a:defRPr/>
             </a:lvl4pPr>
-            <a:lvl5pPr indent="0" lvl="4" marL="0" algn="r">
+            <a:lvl5pPr marL="0" lvl="4" indent="0" algn="r">
               <a:spcBef>
                 <a:spcPts val="0"/>
               </a:spcBef>
               <a:buNone/>
               <a:defRPr/>
             </a:lvl5pPr>
-            <a:lvl6pPr indent="0" lvl="5" marL="0" algn="r">
+            <a:lvl6pPr marL="0" lvl="5" indent="0" algn="r">
               <a:spcBef>
                 <a:spcPts val="0"/>
               </a:spcBef>
               <a:buNone/>
               <a:defRPr/>
             </a:lvl6pPr>
-            <a:lvl7pPr indent="0" lvl="6" marL="0" algn="r">
+            <a:lvl7pPr marL="0" lvl="6" indent="0" algn="r">
               <a:spcBef>
                 <a:spcPts val="0"/>
               </a:spcBef>
               <a:buNone/>
               <a:defRPr/>
             </a:lvl7pPr>
-            <a:lvl8pPr indent="0" lvl="7" marL="0" algn="r">
+            <a:lvl8pPr marL="0" lvl="7" indent="0" algn="r">
               <a:spcBef>
                 <a:spcPts val="0"/>
               </a:spcBef>
               <a:buNone/>
               <a:defRPr/>
             </a:lvl8pPr>
-            <a:lvl9pPr indent="0" lvl="8" marL="0" algn="r">
+            <a:lvl9pPr marL="0" lvl="8" indent="0" algn="r">
               <a:spcBef>
                 <a:spcPts val="0"/>
               </a:spcBef>
@@ -5961,7 +6105,7 @@
             </a:lvl9pPr>
           </a:lstStyle>
           <a:p>
-            <a:pPr indent="0" lvl="0" marL="0" rtl="0" algn="r">
+            <a:pPr marL="0" lvl="0" indent="0" algn="r" rtl="0">
               <a:spcBef>
                 <a:spcPts val="0"/>
               </a:spcBef>
@@ -5987,11 +6131,11 @@
 </file>
 
 <file path=ppt/slideLayouts/slideLayout5.xml><?xml version="1.0" encoding="utf-8"?>
-<p:sldLayout xmlns:a="http://schemas.openxmlformats.org/drawingml/2006/main" xmlns:r="http://schemas.openxmlformats.org/officeDocument/2006/relationships" xmlns:mc="http://schemas.openxmlformats.org/markup-compatibility/2006" xmlns:mv="urn:schemas-microsoft-com:mac:vml" xmlns:p="http://schemas.openxmlformats.org/presentationml/2006/main" xmlns:c="http://schemas.openxmlformats.org/drawingml/2006/chart" xmlns:dgm="http://schemas.openxmlformats.org/drawingml/2006/diagram" xmlns:o="urn:schemas-microsoft-com:office:office" xmlns:v="urn:schemas-microsoft-com:vml" xmlns:pvml="urn:schemas-microsoft-com:office:powerpoint" xmlns:com="http://schemas.openxmlformats.org/drawingml/2006/compatibility" xmlns:p14="http://schemas.microsoft.com/office/powerpoint/2010/main" xmlns:p15="http://schemas.microsoft.com/office/powerpoint/2012/main" matchingName="Comparison" type="twoTxTwoObj">
+<p:sldLayout xmlns:a="http://schemas.openxmlformats.org/drawingml/2006/main" xmlns:r="http://schemas.openxmlformats.org/officeDocument/2006/relationships" xmlns:p="http://schemas.openxmlformats.org/presentationml/2006/main" matchingName="Comparison" type="twoTxTwoObj">
   <p:cSld name="TWO_OBJECTS_WITH_TEXT">
     <p:spTree>
       <p:nvGrpSpPr>
-        <p:cNvPr id="40" name="Shape 40"/>
+        <p:cNvPr id="1" name="Shape 40"/>
         <p:cNvGrpSpPr/>
         <p:nvPr/>
       </p:nvGrpSpPr>
@@ -6006,7 +6150,9 @@
       <p:sp>
         <p:nvSpPr>
           <p:cNvPr id="41" name="Google Shape;41;p6"/>
-          <p:cNvSpPr txBox="1"/>
+          <p:cNvSpPr txBox="1">
+            <a:spLocks noGrp="1"/>
+          </p:cNvSpPr>
           <p:nvPr>
             <p:ph type="title"/>
           </p:nvPr>
@@ -6025,7 +6171,7 @@
           </a:ln>
         </p:spPr>
         <p:txBody>
-          <a:bodyPr anchorCtr="0" anchor="ctr" bIns="45700" lIns="91425" spcFirstLastPara="1" rIns="91425" wrap="square" tIns="45700"/>
+          <a:bodyPr spcFirstLastPara="1" wrap="square" lIns="91425" tIns="45700" rIns="91425" bIns="45700" anchor="ctr" anchorCtr="0"/>
           <a:lstStyle>
             <a:lvl1pPr lvl="0" algn="l">
               <a:lnSpc>
@@ -6133,15 +6279,19 @@
               <a:defRPr/>
             </a:lvl9pPr>
           </a:lstStyle>
-          <a:p/>
+          <a:p>
+            <a:endParaRPr/>
+          </a:p>
         </p:txBody>
       </p:sp>
       <p:sp>
         <p:nvSpPr>
           <p:cNvPr id="42" name="Google Shape;42;p6"/>
-          <p:cNvSpPr txBox="1"/>
+          <p:cNvSpPr txBox="1">
+            <a:spLocks noGrp="1"/>
+          </p:cNvSpPr>
           <p:nvPr>
-            <p:ph idx="1" type="body"/>
+            <p:ph type="body" idx="1"/>
           </p:nvPr>
         </p:nvSpPr>
         <p:spPr>
@@ -6158,9 +6308,9 @@
           </a:ln>
         </p:spPr>
         <p:txBody>
-          <a:bodyPr anchorCtr="0" anchor="b" bIns="45700" lIns="91425" spcFirstLastPara="1" rIns="91425" wrap="square" tIns="45700"/>
+          <a:bodyPr spcFirstLastPara="1" wrap="square" lIns="91425" tIns="45700" rIns="91425" bIns="45700" anchor="b" anchorCtr="0"/>
           <a:lstStyle>
-            <a:lvl1pPr indent="-228600" lvl="0" marL="457200" algn="l">
+            <a:lvl1pPr marL="457200" lvl="0" indent="-228600" algn="l">
               <a:lnSpc>
                 <a:spcPct val="90000"/>
               </a:lnSpc>
@@ -6175,9 +6325,9 @@
               </a:buClr>
               <a:buSzPts val="7680"/>
               <a:buNone/>
-              <a:defRPr b="1" sz="7680"/>
+              <a:defRPr sz="7680" b="1"/>
             </a:lvl1pPr>
-            <a:lvl2pPr indent="-228600" lvl="1" marL="914400" algn="l">
+            <a:lvl2pPr marL="914400" lvl="1" indent="-228600" algn="l">
               <a:lnSpc>
                 <a:spcPct val="90000"/>
               </a:lnSpc>
@@ -6192,9 +6342,9 @@
               </a:buClr>
               <a:buSzPts val="6400"/>
               <a:buNone/>
-              <a:defRPr b="1" sz="6400"/>
+              <a:defRPr sz="6400" b="1"/>
             </a:lvl2pPr>
-            <a:lvl3pPr indent="-228600" lvl="2" marL="1371600" algn="l">
+            <a:lvl3pPr marL="1371600" lvl="2" indent="-228600" algn="l">
               <a:lnSpc>
                 <a:spcPct val="90000"/>
               </a:lnSpc>
@@ -6209,9 +6359,9 @@
               </a:buClr>
               <a:buSzPts val="5760"/>
               <a:buNone/>
-              <a:defRPr b="1" sz="5760"/>
+              <a:defRPr sz="5760" b="1"/>
             </a:lvl3pPr>
-            <a:lvl4pPr indent="-228600" lvl="3" marL="1828800" algn="l">
+            <a:lvl4pPr marL="1828800" lvl="3" indent="-228600" algn="l">
               <a:lnSpc>
                 <a:spcPct val="90000"/>
               </a:lnSpc>
@@ -6226,9 +6376,9 @@
               </a:buClr>
               <a:buSzPts val="5120"/>
               <a:buNone/>
-              <a:defRPr b="1" sz="5120"/>
+              <a:defRPr sz="5120" b="1"/>
             </a:lvl4pPr>
-            <a:lvl5pPr indent="-228600" lvl="4" marL="2286000" algn="l">
+            <a:lvl5pPr marL="2286000" lvl="4" indent="-228600" algn="l">
               <a:lnSpc>
                 <a:spcPct val="90000"/>
               </a:lnSpc>
@@ -6243,9 +6393,9 @@
               </a:buClr>
               <a:buSzPts val="5120"/>
               <a:buNone/>
-              <a:defRPr b="1" sz="5120"/>
+              <a:defRPr sz="5120" b="1"/>
             </a:lvl5pPr>
-            <a:lvl6pPr indent="-228600" lvl="5" marL="2743200" algn="l">
+            <a:lvl6pPr marL="2743200" lvl="5" indent="-228600" algn="l">
               <a:lnSpc>
                 <a:spcPct val="90000"/>
               </a:lnSpc>
@@ -6260,9 +6410,9 @@
               </a:buClr>
               <a:buSzPts val="5120"/>
               <a:buNone/>
-              <a:defRPr b="1" sz="5120"/>
+              <a:defRPr sz="5120" b="1"/>
             </a:lvl6pPr>
-            <a:lvl7pPr indent="-228600" lvl="6" marL="3200400" algn="l">
+            <a:lvl7pPr marL="3200400" lvl="6" indent="-228600" algn="l">
               <a:lnSpc>
                 <a:spcPct val="90000"/>
               </a:lnSpc>
@@ -6277,9 +6427,9 @@
               </a:buClr>
               <a:buSzPts val="5120"/>
               <a:buNone/>
-              <a:defRPr b="1" sz="5120"/>
+              <a:defRPr sz="5120" b="1"/>
             </a:lvl7pPr>
-            <a:lvl8pPr indent="-228600" lvl="7" marL="3657600" algn="l">
+            <a:lvl8pPr marL="3657600" lvl="7" indent="-228600" algn="l">
               <a:lnSpc>
                 <a:spcPct val="90000"/>
               </a:lnSpc>
@@ -6294,9 +6444,9 @@
               </a:buClr>
               <a:buSzPts val="5120"/>
               <a:buNone/>
-              <a:defRPr b="1" sz="5120"/>
+              <a:defRPr sz="5120" b="1"/>
             </a:lvl8pPr>
-            <a:lvl9pPr indent="-228600" lvl="8" marL="4114800" algn="l">
+            <a:lvl9pPr marL="4114800" lvl="8" indent="-228600" algn="l">
               <a:lnSpc>
                 <a:spcPct val="90000"/>
               </a:lnSpc>
@@ -6311,18 +6461,22 @@
               </a:buClr>
               <a:buSzPts val="5120"/>
               <a:buNone/>
-              <a:defRPr b="1" sz="5120"/>
+              <a:defRPr sz="5120" b="1"/>
             </a:lvl9pPr>
           </a:lstStyle>
-          <a:p/>
+          <a:p>
+            <a:endParaRPr/>
+          </a:p>
         </p:txBody>
       </p:sp>
       <p:sp>
         <p:nvSpPr>
           <p:cNvPr id="43" name="Google Shape;43;p6"/>
-          <p:cNvSpPr txBox="1"/>
+          <p:cNvSpPr txBox="1">
+            <a:spLocks noGrp="1"/>
+          </p:cNvSpPr>
           <p:nvPr>
-            <p:ph idx="2" type="body"/>
+            <p:ph type="body" idx="2"/>
           </p:nvPr>
         </p:nvSpPr>
         <p:spPr>
@@ -6339,9 +6493,9 @@
           </a:ln>
         </p:spPr>
         <p:txBody>
-          <a:bodyPr anchorCtr="0" anchor="t" bIns="45700" lIns="91425" spcFirstLastPara="1" rIns="91425" wrap="square" tIns="45700"/>
+          <a:bodyPr spcFirstLastPara="1" wrap="square" lIns="91425" tIns="45700" rIns="91425" bIns="45700" anchor="t" anchorCtr="0"/>
           <a:lstStyle>
-            <a:lvl1pPr indent="-342900" lvl="0" marL="457200" algn="l">
+            <a:lvl1pPr marL="457200" lvl="0" indent="-342900" algn="l">
               <a:lnSpc>
                 <a:spcPct val="90000"/>
               </a:lnSpc>
@@ -6358,7 +6512,7 @@
               <a:buChar char="•"/>
               <a:defRPr/>
             </a:lvl1pPr>
-            <a:lvl2pPr indent="-342900" lvl="1" marL="914400" algn="l">
+            <a:lvl2pPr marL="914400" lvl="1" indent="-342900" algn="l">
               <a:lnSpc>
                 <a:spcPct val="90000"/>
               </a:lnSpc>
@@ -6375,7 +6529,7 @@
               <a:buChar char="•"/>
               <a:defRPr/>
             </a:lvl2pPr>
-            <a:lvl3pPr indent="-342900" lvl="2" marL="1371600" algn="l">
+            <a:lvl3pPr marL="1371600" lvl="2" indent="-342900" algn="l">
               <a:lnSpc>
                 <a:spcPct val="90000"/>
               </a:lnSpc>
@@ -6392,7 +6546,7 @@
               <a:buChar char="•"/>
               <a:defRPr/>
             </a:lvl3pPr>
-            <a:lvl4pPr indent="-342900" lvl="3" marL="1828800" algn="l">
+            <a:lvl4pPr marL="1828800" lvl="3" indent="-342900" algn="l">
               <a:lnSpc>
                 <a:spcPct val="90000"/>
               </a:lnSpc>
@@ -6409,7 +6563,7 @@
               <a:buChar char="•"/>
               <a:defRPr/>
             </a:lvl4pPr>
-            <a:lvl5pPr indent="-342900" lvl="4" marL="2286000" algn="l">
+            <a:lvl5pPr marL="2286000" lvl="4" indent="-342900" algn="l">
               <a:lnSpc>
                 <a:spcPct val="90000"/>
               </a:lnSpc>
@@ -6426,7 +6580,7 @@
               <a:buChar char="•"/>
               <a:defRPr/>
             </a:lvl5pPr>
-            <a:lvl6pPr indent="-342900" lvl="5" marL="2743200" algn="l">
+            <a:lvl6pPr marL="2743200" lvl="5" indent="-342900" algn="l">
               <a:lnSpc>
                 <a:spcPct val="90000"/>
               </a:lnSpc>
@@ -6443,7 +6597,7 @@
               <a:buChar char="•"/>
               <a:defRPr/>
             </a:lvl6pPr>
-            <a:lvl7pPr indent="-342900" lvl="6" marL="3200400" algn="l">
+            <a:lvl7pPr marL="3200400" lvl="6" indent="-342900" algn="l">
               <a:lnSpc>
                 <a:spcPct val="90000"/>
               </a:lnSpc>
@@ -6460,7 +6614,7 @@
               <a:buChar char="•"/>
               <a:defRPr/>
             </a:lvl7pPr>
-            <a:lvl8pPr indent="-342900" lvl="7" marL="3657600" algn="l">
+            <a:lvl8pPr marL="3657600" lvl="7" indent="-342900" algn="l">
               <a:lnSpc>
                 <a:spcPct val="90000"/>
               </a:lnSpc>
@@ -6477,7 +6631,7 @@
               <a:buChar char="•"/>
               <a:defRPr/>
             </a:lvl8pPr>
-            <a:lvl9pPr indent="-342900" lvl="8" marL="4114800" algn="l">
+            <a:lvl9pPr marL="4114800" lvl="8" indent="-342900" algn="l">
               <a:lnSpc>
                 <a:spcPct val="90000"/>
               </a:lnSpc>
@@ -6495,15 +6649,19 @@
               <a:defRPr/>
             </a:lvl9pPr>
           </a:lstStyle>
-          <a:p/>
+          <a:p>
+            <a:endParaRPr/>
+          </a:p>
         </p:txBody>
       </p:sp>
       <p:sp>
         <p:nvSpPr>
           <p:cNvPr id="44" name="Google Shape;44;p6"/>
-          <p:cNvSpPr txBox="1"/>
+          <p:cNvSpPr txBox="1">
+            <a:spLocks noGrp="1"/>
+          </p:cNvSpPr>
           <p:nvPr>
-            <p:ph idx="3" type="body"/>
+            <p:ph type="body" idx="3"/>
           </p:nvPr>
         </p:nvSpPr>
         <p:spPr>
@@ -6520,9 +6678,9 @@
           </a:ln>
         </p:spPr>
         <p:txBody>
-          <a:bodyPr anchorCtr="0" anchor="b" bIns="45700" lIns="91425" spcFirstLastPara="1" rIns="91425" wrap="square" tIns="45700"/>
+          <a:bodyPr spcFirstLastPara="1" wrap="square" lIns="91425" tIns="45700" rIns="91425" bIns="45700" anchor="b" anchorCtr="0"/>
           <a:lstStyle>
-            <a:lvl1pPr indent="-228600" lvl="0" marL="457200" algn="l">
+            <a:lvl1pPr marL="457200" lvl="0" indent="-228600" algn="l">
               <a:lnSpc>
                 <a:spcPct val="90000"/>
               </a:lnSpc>
@@ -6537,9 +6695,9 @@
               </a:buClr>
               <a:buSzPts val="7680"/>
               <a:buNone/>
-              <a:defRPr b="1" sz="7680"/>
+              <a:defRPr sz="7680" b="1"/>
             </a:lvl1pPr>
-            <a:lvl2pPr indent="-228600" lvl="1" marL="914400" algn="l">
+            <a:lvl2pPr marL="914400" lvl="1" indent="-228600" algn="l">
               <a:lnSpc>
                 <a:spcPct val="90000"/>
               </a:lnSpc>
@@ -6554,9 +6712,9 @@
               </a:buClr>
               <a:buSzPts val="6400"/>
               <a:buNone/>
-              <a:defRPr b="1" sz="6400"/>
+              <a:defRPr sz="6400" b="1"/>
             </a:lvl2pPr>
-            <a:lvl3pPr indent="-228600" lvl="2" marL="1371600" algn="l">
+            <a:lvl3pPr marL="1371600" lvl="2" indent="-228600" algn="l">
               <a:lnSpc>
                 <a:spcPct val="90000"/>
               </a:lnSpc>
@@ -6571,9 +6729,9 @@
               </a:buClr>
               <a:buSzPts val="5760"/>
               <a:buNone/>
-              <a:defRPr b="1" sz="5760"/>
+              <a:defRPr sz="5760" b="1"/>
             </a:lvl3pPr>
-            <a:lvl4pPr indent="-228600" lvl="3" marL="1828800" algn="l">
+            <a:lvl4pPr marL="1828800" lvl="3" indent="-228600" algn="l">
               <a:lnSpc>
                 <a:spcPct val="90000"/>
               </a:lnSpc>
@@ -6588,9 +6746,9 @@
               </a:buClr>
               <a:buSzPts val="5120"/>
               <a:buNone/>
-              <a:defRPr b="1" sz="5120"/>
+              <a:defRPr sz="5120" b="1"/>
             </a:lvl4pPr>
-            <a:lvl5pPr indent="-228600" lvl="4" marL="2286000" algn="l">
+            <a:lvl5pPr marL="2286000" lvl="4" indent="-228600" algn="l">
               <a:lnSpc>
                 <a:spcPct val="90000"/>
               </a:lnSpc>
@@ -6605,9 +6763,9 @@
               </a:buClr>
               <a:buSzPts val="5120"/>
               <a:buNone/>
-              <a:defRPr b="1" sz="5120"/>
+              <a:defRPr sz="5120" b="1"/>
             </a:lvl5pPr>
-            <a:lvl6pPr indent="-228600" lvl="5" marL="2743200" algn="l">
+            <a:lvl6pPr marL="2743200" lvl="5" indent="-228600" algn="l">
               <a:lnSpc>
                 <a:spcPct val="90000"/>
               </a:lnSpc>
@@ -6622,9 +6780,9 @@
               </a:buClr>
               <a:buSzPts val="5120"/>
               <a:buNone/>
-              <a:defRPr b="1" sz="5120"/>
+              <a:defRPr sz="5120" b="1"/>
             </a:lvl6pPr>
-            <a:lvl7pPr indent="-228600" lvl="6" marL="3200400" algn="l">
+            <a:lvl7pPr marL="3200400" lvl="6" indent="-228600" algn="l">
               <a:lnSpc>
                 <a:spcPct val="90000"/>
               </a:lnSpc>
@@ -6639,9 +6797,9 @@
               </a:buClr>
               <a:buSzPts val="5120"/>
               <a:buNone/>
-              <a:defRPr b="1" sz="5120"/>
+              <a:defRPr sz="5120" b="1"/>
             </a:lvl7pPr>
-            <a:lvl8pPr indent="-228600" lvl="7" marL="3657600" algn="l">
+            <a:lvl8pPr marL="3657600" lvl="7" indent="-228600" algn="l">
               <a:lnSpc>
                 <a:spcPct val="90000"/>
               </a:lnSpc>
@@ -6656,9 +6814,9 @@
               </a:buClr>
               <a:buSzPts val="5120"/>
               <a:buNone/>
-              <a:defRPr b="1" sz="5120"/>
+              <a:defRPr sz="5120" b="1"/>
             </a:lvl8pPr>
-            <a:lvl9pPr indent="-228600" lvl="8" marL="4114800" algn="l">
+            <a:lvl9pPr marL="4114800" lvl="8" indent="-228600" algn="l">
               <a:lnSpc>
                 <a:spcPct val="90000"/>
               </a:lnSpc>
@@ -6673,18 +6831,22 @@
               </a:buClr>
               <a:buSzPts val="5120"/>
               <a:buNone/>
-              <a:defRPr b="1" sz="5120"/>
+              <a:defRPr sz="5120" b="1"/>
             </a:lvl9pPr>
           </a:lstStyle>
-          <a:p/>
+          <a:p>
+            <a:endParaRPr/>
+          </a:p>
         </p:txBody>
       </p:sp>
       <p:sp>
         <p:nvSpPr>
           <p:cNvPr id="45" name="Google Shape;45;p6"/>
-          <p:cNvSpPr txBox="1"/>
+          <p:cNvSpPr txBox="1">
+            <a:spLocks noGrp="1"/>
+          </p:cNvSpPr>
           <p:nvPr>
-            <p:ph idx="4" type="body"/>
+            <p:ph type="body" idx="4"/>
           </p:nvPr>
         </p:nvSpPr>
         <p:spPr>
@@ -6701,9 +6863,9 @@
           </a:ln>
         </p:spPr>
         <p:txBody>
-          <a:bodyPr anchorCtr="0" anchor="t" bIns="45700" lIns="91425" spcFirstLastPara="1" rIns="91425" wrap="square" tIns="45700"/>
+          <a:bodyPr spcFirstLastPara="1" wrap="square" lIns="91425" tIns="45700" rIns="91425" bIns="45700" anchor="t" anchorCtr="0"/>
           <a:lstStyle>
-            <a:lvl1pPr indent="-342900" lvl="0" marL="457200" algn="l">
+            <a:lvl1pPr marL="457200" lvl="0" indent="-342900" algn="l">
               <a:lnSpc>
                 <a:spcPct val="90000"/>
               </a:lnSpc>
@@ -6720,7 +6882,7 @@
               <a:buChar char="•"/>
               <a:defRPr/>
             </a:lvl1pPr>
-            <a:lvl2pPr indent="-342900" lvl="1" marL="914400" algn="l">
+            <a:lvl2pPr marL="914400" lvl="1" indent="-342900" algn="l">
               <a:lnSpc>
                 <a:spcPct val="90000"/>
               </a:lnSpc>
@@ -6737,7 +6899,7 @@
               <a:buChar char="•"/>
               <a:defRPr/>
             </a:lvl2pPr>
-            <a:lvl3pPr indent="-342900" lvl="2" marL="1371600" algn="l">
+            <a:lvl3pPr marL="1371600" lvl="2" indent="-342900" algn="l">
               <a:lnSpc>
                 <a:spcPct val="90000"/>
               </a:lnSpc>
@@ -6754,7 +6916,7 @@
               <a:buChar char="•"/>
               <a:defRPr/>
             </a:lvl3pPr>
-            <a:lvl4pPr indent="-342900" lvl="3" marL="1828800" algn="l">
+            <a:lvl4pPr marL="1828800" lvl="3" indent="-342900" algn="l">
               <a:lnSpc>
                 <a:spcPct val="90000"/>
               </a:lnSpc>
@@ -6771,7 +6933,7 @@
               <a:buChar char="•"/>
               <a:defRPr/>
             </a:lvl4pPr>
-            <a:lvl5pPr indent="-342900" lvl="4" marL="2286000" algn="l">
+            <a:lvl5pPr marL="2286000" lvl="4" indent="-342900" algn="l">
               <a:lnSpc>
                 <a:spcPct val="90000"/>
               </a:lnSpc>
@@ -6788,7 +6950,7 @@
               <a:buChar char="•"/>
               <a:defRPr/>
             </a:lvl5pPr>
-            <a:lvl6pPr indent="-342900" lvl="5" marL="2743200" algn="l">
+            <a:lvl6pPr marL="2743200" lvl="5" indent="-342900" algn="l">
               <a:lnSpc>
                 <a:spcPct val="90000"/>
               </a:lnSpc>
@@ -6805,7 +6967,7 @@
               <a:buChar char="•"/>
               <a:defRPr/>
             </a:lvl6pPr>
-            <a:lvl7pPr indent="-342900" lvl="6" marL="3200400" algn="l">
+            <a:lvl7pPr marL="3200400" lvl="6" indent="-342900" algn="l">
               <a:lnSpc>
                 <a:spcPct val="90000"/>
               </a:lnSpc>
@@ -6822,7 +6984,7 @@
               <a:buChar char="•"/>
               <a:defRPr/>
             </a:lvl7pPr>
-            <a:lvl8pPr indent="-342900" lvl="7" marL="3657600" algn="l">
+            <a:lvl8pPr marL="3657600" lvl="7" indent="-342900" algn="l">
               <a:lnSpc>
                 <a:spcPct val="90000"/>
               </a:lnSpc>
@@ -6839,7 +7001,7 @@
               <a:buChar char="•"/>
               <a:defRPr/>
             </a:lvl8pPr>
-            <a:lvl9pPr indent="-342900" lvl="8" marL="4114800" algn="l">
+            <a:lvl9pPr marL="4114800" lvl="8" indent="-342900" algn="l">
               <a:lnSpc>
                 <a:spcPct val="90000"/>
               </a:lnSpc>
@@ -6857,15 +7019,19 @@
               <a:defRPr/>
             </a:lvl9pPr>
           </a:lstStyle>
-          <a:p/>
+          <a:p>
+            <a:endParaRPr/>
+          </a:p>
         </p:txBody>
       </p:sp>
       <p:sp>
         <p:nvSpPr>
           <p:cNvPr id="46" name="Google Shape;46;p6"/>
-          <p:cNvSpPr txBox="1"/>
+          <p:cNvSpPr txBox="1">
+            <a:spLocks noGrp="1"/>
+          </p:cNvSpPr>
           <p:nvPr>
-            <p:ph idx="10" type="dt"/>
+            <p:ph type="dt" idx="10"/>
           </p:nvPr>
         </p:nvSpPr>
         <p:spPr>
@@ -6882,7 +7048,7 @@
           </a:ln>
         </p:spPr>
         <p:txBody>
-          <a:bodyPr anchorCtr="0" anchor="ctr" bIns="45700" lIns="91425" spcFirstLastPara="1" rIns="91425" wrap="square" tIns="45700"/>
+          <a:bodyPr spcFirstLastPara="1" wrap="square" lIns="91425" tIns="45700" rIns="91425" bIns="45700" anchor="ctr" anchorCtr="0"/>
           <a:lstStyle>
             <a:lvl1pPr lvl="0" algn="l">
               <a:spcBef>
@@ -6984,15 +7150,19 @@
               <a:defRPr/>
             </a:lvl9pPr>
           </a:lstStyle>
-          <a:p/>
+          <a:p>
+            <a:endParaRPr/>
+          </a:p>
         </p:txBody>
       </p:sp>
       <p:sp>
         <p:nvSpPr>
           <p:cNvPr id="47" name="Google Shape;47;p6"/>
-          <p:cNvSpPr txBox="1"/>
+          <p:cNvSpPr txBox="1">
+            <a:spLocks noGrp="1"/>
+          </p:cNvSpPr>
           <p:nvPr>
-            <p:ph idx="11" type="ftr"/>
+            <p:ph type="ftr" idx="11"/>
           </p:nvPr>
         </p:nvSpPr>
         <p:spPr>
@@ -7009,7 +7179,7 @@
           </a:ln>
         </p:spPr>
         <p:txBody>
-          <a:bodyPr anchorCtr="0" anchor="ctr" bIns="45700" lIns="91425" spcFirstLastPara="1" rIns="91425" wrap="square" tIns="45700"/>
+          <a:bodyPr spcFirstLastPara="1" wrap="square" lIns="91425" tIns="45700" rIns="91425" bIns="45700" anchor="ctr" anchorCtr="0"/>
           <a:lstStyle>
             <a:lvl1pPr lvl="0" algn="ctr">
               <a:spcBef>
@@ -7111,15 +7281,19 @@
               <a:defRPr/>
             </a:lvl9pPr>
           </a:lstStyle>
-          <a:p/>
+          <a:p>
+            <a:endParaRPr/>
+          </a:p>
         </p:txBody>
       </p:sp>
       <p:sp>
         <p:nvSpPr>
           <p:cNvPr id="48" name="Google Shape;48;p6"/>
-          <p:cNvSpPr txBox="1"/>
+          <p:cNvSpPr txBox="1">
+            <a:spLocks noGrp="1"/>
+          </p:cNvSpPr>
           <p:nvPr>
-            <p:ph idx="12" type="sldNum"/>
+            <p:ph type="sldNum" idx="12"/>
           </p:nvPr>
         </p:nvSpPr>
         <p:spPr>
@@ -7136,67 +7310,67 @@
           </a:ln>
         </p:spPr>
         <p:txBody>
-          <a:bodyPr anchorCtr="0" anchor="ctr" bIns="45700" lIns="91425" spcFirstLastPara="1" rIns="91425" wrap="square" tIns="45700">
+          <a:bodyPr spcFirstLastPara="1" wrap="square" lIns="91425" tIns="45700" rIns="91425" bIns="45700" anchor="ctr" anchorCtr="0">
             <a:noAutofit/>
           </a:bodyPr>
           <a:lstStyle>
-            <a:lvl1pPr indent="0" lvl="0" marL="0" algn="r">
+            <a:lvl1pPr marL="0" lvl="0" indent="0" algn="r">
               <a:spcBef>
                 <a:spcPts val="0"/>
               </a:spcBef>
               <a:buNone/>
               <a:defRPr/>
             </a:lvl1pPr>
-            <a:lvl2pPr indent="0" lvl="1" marL="0" algn="r">
+            <a:lvl2pPr marL="0" lvl="1" indent="0" algn="r">
               <a:spcBef>
                 <a:spcPts val="0"/>
               </a:spcBef>
               <a:buNone/>
               <a:defRPr/>
             </a:lvl2pPr>
-            <a:lvl3pPr indent="0" lvl="2" marL="0" algn="r">
+            <a:lvl3pPr marL="0" lvl="2" indent="0" algn="r">
               <a:spcBef>
                 <a:spcPts val="0"/>
               </a:spcBef>
               <a:buNone/>
               <a:defRPr/>
             </a:lvl3pPr>
-            <a:lvl4pPr indent="0" lvl="3" marL="0" algn="r">
+            <a:lvl4pPr marL="0" lvl="3" indent="0" algn="r">
               <a:spcBef>
                 <a:spcPts val="0"/>
               </a:spcBef>
               <a:buNone/>
               <a:defRPr/>
             </a:lvl4pPr>
-            <a:lvl5pPr indent="0" lvl="4" marL="0" algn="r">
+            <a:lvl5pPr marL="0" lvl="4" indent="0" algn="r">
               <a:spcBef>
                 <a:spcPts val="0"/>
               </a:spcBef>
               <a:buNone/>
               <a:defRPr/>
             </a:lvl5pPr>
-            <a:lvl6pPr indent="0" lvl="5" marL="0" algn="r">
+            <a:lvl6pPr marL="0" lvl="5" indent="0" algn="r">
               <a:spcBef>
                 <a:spcPts val="0"/>
               </a:spcBef>
               <a:buNone/>
               <a:defRPr/>
             </a:lvl6pPr>
-            <a:lvl7pPr indent="0" lvl="6" marL="0" algn="r">
+            <a:lvl7pPr marL="0" lvl="6" indent="0" algn="r">
               <a:spcBef>
                 <a:spcPts val="0"/>
               </a:spcBef>
               <a:buNone/>
               <a:defRPr/>
             </a:lvl7pPr>
-            <a:lvl8pPr indent="0" lvl="7" marL="0" algn="r">
+            <a:lvl8pPr marL="0" lvl="7" indent="0" algn="r">
               <a:spcBef>
                 <a:spcPts val="0"/>
               </a:spcBef>
               <a:buNone/>
               <a:defRPr/>
             </a:lvl8pPr>
-            <a:lvl9pPr indent="0" lvl="8" marL="0" algn="r">
+            <a:lvl9pPr marL="0" lvl="8" indent="0" algn="r">
               <a:spcBef>
                 <a:spcPts val="0"/>
               </a:spcBef>
@@ -7205,7 +7379,7 @@
             </a:lvl9pPr>
           </a:lstStyle>
           <a:p>
-            <a:pPr indent="0" lvl="0" marL="0" rtl="0" algn="r">
+            <a:pPr marL="0" lvl="0" indent="0" algn="r" rtl="0">
               <a:spcBef>
                 <a:spcPts val="0"/>
               </a:spcBef>
@@ -7231,11 +7405,11 @@
 </file>
 
 <file path=ppt/slideLayouts/slideLayout6.xml><?xml version="1.0" encoding="utf-8"?>
-<p:sldLayout xmlns:a="http://schemas.openxmlformats.org/drawingml/2006/main" xmlns:r="http://schemas.openxmlformats.org/officeDocument/2006/relationships" xmlns:mc="http://schemas.openxmlformats.org/markup-compatibility/2006" xmlns:mv="urn:schemas-microsoft-com:mac:vml" xmlns:p="http://schemas.openxmlformats.org/presentationml/2006/main" xmlns:c="http://schemas.openxmlformats.org/drawingml/2006/chart" xmlns:dgm="http://schemas.openxmlformats.org/drawingml/2006/diagram" xmlns:o="urn:schemas-microsoft-com:office:office" xmlns:v="urn:schemas-microsoft-com:vml" xmlns:pvml="urn:schemas-microsoft-com:office:powerpoint" xmlns:com="http://schemas.openxmlformats.org/drawingml/2006/compatibility" xmlns:p14="http://schemas.microsoft.com/office/powerpoint/2010/main" xmlns:p15="http://schemas.microsoft.com/office/powerpoint/2012/main" matchingName="Title Only" type="titleOnly">
+<p:sldLayout xmlns:a="http://schemas.openxmlformats.org/drawingml/2006/main" xmlns:r="http://schemas.openxmlformats.org/officeDocument/2006/relationships" xmlns:p="http://schemas.openxmlformats.org/presentationml/2006/main" matchingName="Title Only" type="titleOnly">
   <p:cSld name="TITLE_ONLY">
     <p:spTree>
       <p:nvGrpSpPr>
-        <p:cNvPr id="49" name="Shape 49"/>
+        <p:cNvPr id="1" name="Shape 49"/>
         <p:cNvGrpSpPr/>
         <p:nvPr/>
       </p:nvGrpSpPr>
@@ -7250,7 +7424,9 @@
       <p:sp>
         <p:nvSpPr>
           <p:cNvPr id="50" name="Google Shape;50;p7"/>
-          <p:cNvSpPr txBox="1"/>
+          <p:cNvSpPr txBox="1">
+            <a:spLocks noGrp="1"/>
+          </p:cNvSpPr>
           <p:nvPr>
             <p:ph type="title"/>
           </p:nvPr>
@@ -7269,7 +7445,7 @@
           </a:ln>
         </p:spPr>
         <p:txBody>
-          <a:bodyPr anchorCtr="0" anchor="ctr" bIns="45700" lIns="91425" spcFirstLastPara="1" rIns="91425" wrap="square" tIns="45700"/>
+          <a:bodyPr spcFirstLastPara="1" wrap="square" lIns="91425" tIns="45700" rIns="91425" bIns="45700" anchor="ctr" anchorCtr="0"/>
           <a:lstStyle>
             <a:lvl1pPr lvl="0" algn="l">
               <a:lnSpc>
@@ -7377,15 +7553,19 @@
               <a:defRPr/>
             </a:lvl9pPr>
           </a:lstStyle>
-          <a:p/>
+          <a:p>
+            <a:endParaRPr/>
+          </a:p>
         </p:txBody>
       </p:sp>
       <p:sp>
         <p:nvSpPr>
           <p:cNvPr id="51" name="Google Shape;51;p7"/>
-          <p:cNvSpPr txBox="1"/>
+          <p:cNvSpPr txBox="1">
+            <a:spLocks noGrp="1"/>
+          </p:cNvSpPr>
           <p:nvPr>
-            <p:ph idx="10" type="dt"/>
+            <p:ph type="dt" idx="10"/>
           </p:nvPr>
         </p:nvSpPr>
         <p:spPr>
@@ -7402,7 +7582,7 @@
           </a:ln>
         </p:spPr>
         <p:txBody>
-          <a:bodyPr anchorCtr="0" anchor="ctr" bIns="45700" lIns="91425" spcFirstLastPara="1" rIns="91425" wrap="square" tIns="45700"/>
+          <a:bodyPr spcFirstLastPara="1" wrap="square" lIns="91425" tIns="45700" rIns="91425" bIns="45700" anchor="ctr" anchorCtr="0"/>
           <a:lstStyle>
             <a:lvl1pPr lvl="0" algn="l">
               <a:spcBef>
@@ -7504,15 +7684,19 @@
               <a:defRPr/>
             </a:lvl9pPr>
           </a:lstStyle>
-          <a:p/>
+          <a:p>
+            <a:endParaRPr/>
+          </a:p>
         </p:txBody>
       </p:sp>
       <p:sp>
         <p:nvSpPr>
           <p:cNvPr id="52" name="Google Shape;52;p7"/>
-          <p:cNvSpPr txBox="1"/>
+          <p:cNvSpPr txBox="1">
+            <a:spLocks noGrp="1"/>
+          </p:cNvSpPr>
           <p:nvPr>
-            <p:ph idx="11" type="ftr"/>
+            <p:ph type="ftr" idx="11"/>
           </p:nvPr>
         </p:nvSpPr>
         <p:spPr>
@@ -7529,7 +7713,7 @@
           </a:ln>
         </p:spPr>
         <p:txBody>
-          <a:bodyPr anchorCtr="0" anchor="ctr" bIns="45700" lIns="91425" spcFirstLastPara="1" rIns="91425" wrap="square" tIns="45700"/>
+          <a:bodyPr spcFirstLastPara="1" wrap="square" lIns="91425" tIns="45700" rIns="91425" bIns="45700" anchor="ctr" anchorCtr="0"/>
           <a:lstStyle>
             <a:lvl1pPr lvl="0" algn="ctr">
               <a:spcBef>
@@ -7631,15 +7815,19 @@
               <a:defRPr/>
             </a:lvl9pPr>
           </a:lstStyle>
-          <a:p/>
+          <a:p>
+            <a:endParaRPr/>
+          </a:p>
         </p:txBody>
       </p:sp>
       <p:sp>
         <p:nvSpPr>
           <p:cNvPr id="53" name="Google Shape;53;p7"/>
-          <p:cNvSpPr txBox="1"/>
+          <p:cNvSpPr txBox="1">
+            <a:spLocks noGrp="1"/>
+          </p:cNvSpPr>
           <p:nvPr>
-            <p:ph idx="12" type="sldNum"/>
+            <p:ph type="sldNum" idx="12"/>
           </p:nvPr>
         </p:nvSpPr>
         <p:spPr>
@@ -7656,67 +7844,67 @@
           </a:ln>
         </p:spPr>
         <p:txBody>
-          <a:bodyPr anchorCtr="0" anchor="ctr" bIns="45700" lIns="91425" spcFirstLastPara="1" rIns="91425" wrap="square" tIns="45700">
+          <a:bodyPr spcFirstLastPara="1" wrap="square" lIns="91425" tIns="45700" rIns="91425" bIns="45700" anchor="ctr" anchorCtr="0">
             <a:noAutofit/>
           </a:bodyPr>
           <a:lstStyle>
-            <a:lvl1pPr indent="0" lvl="0" marL="0" algn="r">
+            <a:lvl1pPr marL="0" lvl="0" indent="0" algn="r">
               <a:spcBef>
                 <a:spcPts val="0"/>
               </a:spcBef>
               <a:buNone/>
               <a:defRPr/>
             </a:lvl1pPr>
-            <a:lvl2pPr indent="0" lvl="1" marL="0" algn="r">
+            <a:lvl2pPr marL="0" lvl="1" indent="0" algn="r">
               <a:spcBef>
                 <a:spcPts val="0"/>
               </a:spcBef>
               <a:buNone/>
               <a:defRPr/>
             </a:lvl2pPr>
-            <a:lvl3pPr indent="0" lvl="2" marL="0" algn="r">
+            <a:lvl3pPr marL="0" lvl="2" indent="0" algn="r">
               <a:spcBef>
                 <a:spcPts val="0"/>
               </a:spcBef>
               <a:buNone/>
               <a:defRPr/>
             </a:lvl3pPr>
-            <a:lvl4pPr indent="0" lvl="3" marL="0" algn="r">
+            <a:lvl4pPr marL="0" lvl="3" indent="0" algn="r">
               <a:spcBef>
                 <a:spcPts val="0"/>
               </a:spcBef>
               <a:buNone/>
               <a:defRPr/>
             </a:lvl4pPr>
-            <a:lvl5pPr indent="0" lvl="4" marL="0" algn="r">
+            <a:lvl5pPr marL="0" lvl="4" indent="0" algn="r">
               <a:spcBef>
                 <a:spcPts val="0"/>
               </a:spcBef>
               <a:buNone/>
               <a:defRPr/>
             </a:lvl5pPr>
-            <a:lvl6pPr indent="0" lvl="5" marL="0" algn="r">
+            <a:lvl6pPr marL="0" lvl="5" indent="0" algn="r">
               <a:spcBef>
                 <a:spcPts val="0"/>
               </a:spcBef>
               <a:buNone/>
               <a:defRPr/>
             </a:lvl6pPr>
-            <a:lvl7pPr indent="0" lvl="6" marL="0" algn="r">
+            <a:lvl7pPr marL="0" lvl="6" indent="0" algn="r">
               <a:spcBef>
                 <a:spcPts val="0"/>
               </a:spcBef>
               <a:buNone/>
               <a:defRPr/>
             </a:lvl7pPr>
-            <a:lvl8pPr indent="0" lvl="7" marL="0" algn="r">
+            <a:lvl8pPr marL="0" lvl="7" indent="0" algn="r">
               <a:spcBef>
                 <a:spcPts val="0"/>
               </a:spcBef>
               <a:buNone/>
               <a:defRPr/>
             </a:lvl8pPr>
-            <a:lvl9pPr indent="0" lvl="8" marL="0" algn="r">
+            <a:lvl9pPr marL="0" lvl="8" indent="0" algn="r">
               <a:spcBef>
                 <a:spcPts val="0"/>
               </a:spcBef>
@@ -7725,7 +7913,7 @@
             </a:lvl9pPr>
           </a:lstStyle>
           <a:p>
-            <a:pPr indent="0" lvl="0" marL="0" rtl="0" algn="r">
+            <a:pPr marL="0" lvl="0" indent="0" algn="r" rtl="0">
               <a:spcBef>
                 <a:spcPts val="0"/>
               </a:spcBef>
@@ -7751,11 +7939,11 @@
 </file>
 
 <file path=ppt/slideLayouts/slideLayout7.xml><?xml version="1.0" encoding="utf-8"?>
-<p:sldLayout xmlns:a="http://schemas.openxmlformats.org/drawingml/2006/main" xmlns:r="http://schemas.openxmlformats.org/officeDocument/2006/relationships" xmlns:mc="http://schemas.openxmlformats.org/markup-compatibility/2006" xmlns:mv="urn:schemas-microsoft-com:mac:vml" xmlns:p="http://schemas.openxmlformats.org/presentationml/2006/main" xmlns:c="http://schemas.openxmlformats.org/drawingml/2006/chart" xmlns:dgm="http://schemas.openxmlformats.org/drawingml/2006/diagram" xmlns:o="urn:schemas-microsoft-com:office:office" xmlns:v="urn:schemas-microsoft-com:vml" xmlns:pvml="urn:schemas-microsoft-com:office:powerpoint" xmlns:com="http://schemas.openxmlformats.org/drawingml/2006/compatibility" xmlns:p14="http://schemas.microsoft.com/office/powerpoint/2010/main" xmlns:p15="http://schemas.microsoft.com/office/powerpoint/2012/main" matchingName="Blank" type="blank">
+<p:sldLayout xmlns:a="http://schemas.openxmlformats.org/drawingml/2006/main" xmlns:r="http://schemas.openxmlformats.org/officeDocument/2006/relationships" xmlns:p="http://schemas.openxmlformats.org/presentationml/2006/main" matchingName="Blank" type="blank">
   <p:cSld name="BLANK">
     <p:spTree>
       <p:nvGrpSpPr>
-        <p:cNvPr id="54" name="Shape 54"/>
+        <p:cNvPr id="1" name="Shape 54"/>
         <p:cNvGrpSpPr/>
         <p:nvPr/>
       </p:nvGrpSpPr>
@@ -7770,9 +7958,11 @@
       <p:sp>
         <p:nvSpPr>
           <p:cNvPr id="55" name="Google Shape;55;p8"/>
-          <p:cNvSpPr txBox="1"/>
+          <p:cNvSpPr txBox="1">
+            <a:spLocks noGrp="1"/>
+          </p:cNvSpPr>
           <p:nvPr>
-            <p:ph idx="10" type="dt"/>
+            <p:ph type="dt" idx="10"/>
           </p:nvPr>
         </p:nvSpPr>
         <p:spPr>
@@ -7789,7 +7979,7 @@
           </a:ln>
         </p:spPr>
         <p:txBody>
-          <a:bodyPr anchorCtr="0" anchor="ctr" bIns="45700" lIns="91425" spcFirstLastPara="1" rIns="91425" wrap="square" tIns="45700"/>
+          <a:bodyPr spcFirstLastPara="1" wrap="square" lIns="91425" tIns="45700" rIns="91425" bIns="45700" anchor="ctr" anchorCtr="0"/>
           <a:lstStyle>
             <a:lvl1pPr lvl="0" algn="l">
               <a:spcBef>
@@ -7891,15 +8081,19 @@
               <a:defRPr/>
             </a:lvl9pPr>
           </a:lstStyle>
-          <a:p/>
+          <a:p>
+            <a:endParaRPr/>
+          </a:p>
         </p:txBody>
       </p:sp>
       <p:sp>
         <p:nvSpPr>
           <p:cNvPr id="56" name="Google Shape;56;p8"/>
-          <p:cNvSpPr txBox="1"/>
+          <p:cNvSpPr txBox="1">
+            <a:spLocks noGrp="1"/>
+          </p:cNvSpPr>
           <p:nvPr>
-            <p:ph idx="11" type="ftr"/>
+            <p:ph type="ftr" idx="11"/>
           </p:nvPr>
         </p:nvSpPr>
         <p:spPr>
@@ -7916,7 +8110,7 @@
           </a:ln>
         </p:spPr>
         <p:txBody>
-          <a:bodyPr anchorCtr="0" anchor="ctr" bIns="45700" lIns="91425" spcFirstLastPara="1" rIns="91425" wrap="square" tIns="45700"/>
+          <a:bodyPr spcFirstLastPara="1" wrap="square" lIns="91425" tIns="45700" rIns="91425" bIns="45700" anchor="ctr" anchorCtr="0"/>
           <a:lstStyle>
             <a:lvl1pPr lvl="0" algn="ctr">
               <a:spcBef>
@@ -8018,15 +8212,19 @@
               <a:defRPr/>
             </a:lvl9pPr>
           </a:lstStyle>
-          <a:p/>
+          <a:p>
+            <a:endParaRPr/>
+          </a:p>
         </p:txBody>
       </p:sp>
       <p:sp>
         <p:nvSpPr>
           <p:cNvPr id="57" name="Google Shape;57;p8"/>
-          <p:cNvSpPr txBox="1"/>
+          <p:cNvSpPr txBox="1">
+            <a:spLocks noGrp="1"/>
+          </p:cNvSpPr>
           <p:nvPr>
-            <p:ph idx="12" type="sldNum"/>
+            <p:ph type="sldNum" idx="12"/>
           </p:nvPr>
         </p:nvSpPr>
         <p:spPr>
@@ -8043,67 +8241,67 @@
           </a:ln>
         </p:spPr>
         <p:txBody>
-          <a:bodyPr anchorCtr="0" anchor="ctr" bIns="45700" lIns="91425" spcFirstLastPara="1" rIns="91425" wrap="square" tIns="45700">
+          <a:bodyPr spcFirstLastPara="1" wrap="square" lIns="91425" tIns="45700" rIns="91425" bIns="45700" anchor="ctr" anchorCtr="0">
             <a:noAutofit/>
           </a:bodyPr>
           <a:lstStyle>
-            <a:lvl1pPr indent="0" lvl="0" marL="0" algn="r">
+            <a:lvl1pPr marL="0" lvl="0" indent="0" algn="r">
               <a:spcBef>
                 <a:spcPts val="0"/>
               </a:spcBef>
               <a:buNone/>
               <a:defRPr/>
             </a:lvl1pPr>
-            <a:lvl2pPr indent="0" lvl="1" marL="0" algn="r">
+            <a:lvl2pPr marL="0" lvl="1" indent="0" algn="r">
               <a:spcBef>
                 <a:spcPts val="0"/>
               </a:spcBef>
               <a:buNone/>
               <a:defRPr/>
             </a:lvl2pPr>
-            <a:lvl3pPr indent="0" lvl="2" marL="0" algn="r">
+            <a:lvl3pPr marL="0" lvl="2" indent="0" algn="r">
               <a:spcBef>
                 <a:spcPts val="0"/>
               </a:spcBef>
               <a:buNone/>
               <a:defRPr/>
             </a:lvl3pPr>
-            <a:lvl4pPr indent="0" lvl="3" marL="0" algn="r">
+            <a:lvl4pPr marL="0" lvl="3" indent="0" algn="r">
               <a:spcBef>
                 <a:spcPts val="0"/>
               </a:spcBef>
               <a:buNone/>
               <a:defRPr/>
             </a:lvl4pPr>
-            <a:lvl5pPr indent="0" lvl="4" marL="0" algn="r">
+            <a:lvl5pPr marL="0" lvl="4" indent="0" algn="r">
               <a:spcBef>
                 <a:spcPts val="0"/>
               </a:spcBef>
               <a:buNone/>
               <a:defRPr/>
             </a:lvl5pPr>
-            <a:lvl6pPr indent="0" lvl="5" marL="0" algn="r">
+            <a:lvl6pPr marL="0" lvl="5" indent="0" algn="r">
               <a:spcBef>
                 <a:spcPts val="0"/>
               </a:spcBef>
               <a:buNone/>
               <a:defRPr/>
             </a:lvl6pPr>
-            <a:lvl7pPr indent="0" lvl="6" marL="0" algn="r">
+            <a:lvl7pPr marL="0" lvl="6" indent="0" algn="r">
               <a:spcBef>
                 <a:spcPts val="0"/>
               </a:spcBef>
               <a:buNone/>
               <a:defRPr/>
             </a:lvl7pPr>
-            <a:lvl8pPr indent="0" lvl="7" marL="0" algn="r">
+            <a:lvl8pPr marL="0" lvl="7" indent="0" algn="r">
               <a:spcBef>
                 <a:spcPts val="0"/>
               </a:spcBef>
               <a:buNone/>
               <a:defRPr/>
             </a:lvl8pPr>
-            <a:lvl9pPr indent="0" lvl="8" marL="0" algn="r">
+            <a:lvl9pPr marL="0" lvl="8" indent="0" algn="r">
               <a:spcBef>
                 <a:spcPts val="0"/>
               </a:spcBef>
@@ -8112,7 +8310,7 @@
             </a:lvl9pPr>
           </a:lstStyle>
           <a:p>
-            <a:pPr indent="0" lvl="0" marL="0" rtl="0" algn="r">
+            <a:pPr marL="0" lvl="0" indent="0" algn="r" rtl="0">
               <a:spcBef>
                 <a:spcPts val="0"/>
               </a:spcBef>
@@ -8138,11 +8336,11 @@
 </file>
 
 <file path=ppt/slideLayouts/slideLayout8.xml><?xml version="1.0" encoding="utf-8"?>
-<p:sldLayout xmlns:a="http://schemas.openxmlformats.org/drawingml/2006/main" xmlns:r="http://schemas.openxmlformats.org/officeDocument/2006/relationships" xmlns:mc="http://schemas.openxmlformats.org/markup-compatibility/2006" xmlns:mv="urn:schemas-microsoft-com:mac:vml" xmlns:p="http://schemas.openxmlformats.org/presentationml/2006/main" xmlns:c="http://schemas.openxmlformats.org/drawingml/2006/chart" xmlns:dgm="http://schemas.openxmlformats.org/drawingml/2006/diagram" xmlns:o="urn:schemas-microsoft-com:office:office" xmlns:v="urn:schemas-microsoft-com:vml" xmlns:pvml="urn:schemas-microsoft-com:office:powerpoint" xmlns:com="http://schemas.openxmlformats.org/drawingml/2006/compatibility" xmlns:p14="http://schemas.microsoft.com/office/powerpoint/2010/main" xmlns:p15="http://schemas.microsoft.com/office/powerpoint/2012/main" matchingName="Content with Caption" type="objTx">
+<p:sldLayout xmlns:a="http://schemas.openxmlformats.org/drawingml/2006/main" xmlns:r="http://schemas.openxmlformats.org/officeDocument/2006/relationships" xmlns:p="http://schemas.openxmlformats.org/presentationml/2006/main" matchingName="Content with Caption" type="objTx">
   <p:cSld name="OBJECT_WITH_CAPTION_TEXT">
     <p:spTree>
       <p:nvGrpSpPr>
-        <p:cNvPr id="58" name="Shape 58"/>
+        <p:cNvPr id="1" name="Shape 58"/>
         <p:cNvGrpSpPr/>
         <p:nvPr/>
       </p:nvGrpSpPr>
@@ -8157,7 +8355,9 @@
       <p:sp>
         <p:nvSpPr>
           <p:cNvPr id="59" name="Google Shape;59;p9"/>
-          <p:cNvSpPr txBox="1"/>
+          <p:cNvSpPr txBox="1">
+            <a:spLocks noGrp="1"/>
+          </p:cNvSpPr>
           <p:nvPr>
             <p:ph type="title"/>
           </p:nvPr>
@@ -8176,7 +8376,7 @@
           </a:ln>
         </p:spPr>
         <p:txBody>
-          <a:bodyPr anchorCtr="0" anchor="b" bIns="45700" lIns="91425" spcFirstLastPara="1" rIns="91425" wrap="square" tIns="45700"/>
+          <a:bodyPr spcFirstLastPara="1" wrap="square" lIns="91425" tIns="45700" rIns="91425" bIns="45700" anchor="b" anchorCtr="0"/>
           <a:lstStyle>
             <a:lvl1pPr lvl="0" algn="l">
               <a:lnSpc>
@@ -8285,15 +8485,19 @@
               <a:defRPr/>
             </a:lvl9pPr>
           </a:lstStyle>
-          <a:p/>
+          <a:p>
+            <a:endParaRPr/>
+          </a:p>
         </p:txBody>
       </p:sp>
       <p:sp>
         <p:nvSpPr>
           <p:cNvPr id="60" name="Google Shape;60;p9"/>
-          <p:cNvSpPr txBox="1"/>
+          <p:cNvSpPr txBox="1">
+            <a:spLocks noGrp="1"/>
+          </p:cNvSpPr>
           <p:nvPr>
-            <p:ph idx="1" type="body"/>
+            <p:ph type="body" idx="1"/>
           </p:nvPr>
         </p:nvSpPr>
         <p:spPr>
@@ -8310,9 +8514,9 @@
           </a:ln>
         </p:spPr>
         <p:txBody>
-          <a:bodyPr anchorCtr="0" anchor="t" bIns="45700" lIns="91425" spcFirstLastPara="1" rIns="91425" wrap="square" tIns="45700"/>
+          <a:bodyPr spcFirstLastPara="1" wrap="square" lIns="91425" tIns="45700" rIns="91425" bIns="45700" anchor="t" anchorCtr="0"/>
           <a:lstStyle>
-            <a:lvl1pPr indent="-878839" lvl="0" marL="457200" algn="l">
+            <a:lvl1pPr marL="457200" lvl="0" indent="-878839" algn="l">
               <a:lnSpc>
                 <a:spcPct val="90000"/>
               </a:lnSpc>
@@ -8329,7 +8533,7 @@
               <a:buChar char="•"/>
               <a:defRPr sz="10240"/>
             </a:lvl1pPr>
-            <a:lvl2pPr indent="-797560" lvl="1" marL="914400" algn="l">
+            <a:lvl2pPr marL="914400" lvl="1" indent="-797560" algn="l">
               <a:lnSpc>
                 <a:spcPct val="90000"/>
               </a:lnSpc>
@@ -8346,7 +8550,7 @@
               <a:buChar char="•"/>
               <a:defRPr sz="8960"/>
             </a:lvl2pPr>
-            <a:lvl3pPr indent="-716280" lvl="2" marL="1371600" algn="l">
+            <a:lvl3pPr marL="1371600" lvl="2" indent="-716280" algn="l">
               <a:lnSpc>
                 <a:spcPct val="90000"/>
               </a:lnSpc>
@@ -8363,7 +8567,7 @@
               <a:buChar char="•"/>
               <a:defRPr sz="7680"/>
             </a:lvl3pPr>
-            <a:lvl4pPr indent="-635000" lvl="3" marL="1828800" algn="l">
+            <a:lvl4pPr marL="1828800" lvl="3" indent="-635000" algn="l">
               <a:lnSpc>
                 <a:spcPct val="90000"/>
               </a:lnSpc>
@@ -8380,7 +8584,7 @@
               <a:buChar char="•"/>
               <a:defRPr sz="6400"/>
             </a:lvl4pPr>
-            <a:lvl5pPr indent="-635000" lvl="4" marL="2286000" algn="l">
+            <a:lvl5pPr marL="2286000" lvl="4" indent="-635000" algn="l">
               <a:lnSpc>
                 <a:spcPct val="90000"/>
               </a:lnSpc>
@@ -8397,7 +8601,7 @@
               <a:buChar char="•"/>
               <a:defRPr sz="6400"/>
             </a:lvl5pPr>
-            <a:lvl6pPr indent="-635000" lvl="5" marL="2743200" algn="l">
+            <a:lvl6pPr marL="2743200" lvl="5" indent="-635000" algn="l">
               <a:lnSpc>
                 <a:spcPct val="90000"/>
               </a:lnSpc>
@@ -8414,7 +8618,7 @@
               <a:buChar char="•"/>
               <a:defRPr sz="6400"/>
             </a:lvl6pPr>
-            <a:lvl7pPr indent="-635000" lvl="6" marL="3200400" algn="l">
+            <a:lvl7pPr marL="3200400" lvl="6" indent="-635000" algn="l">
               <a:lnSpc>
                 <a:spcPct val="90000"/>
               </a:lnSpc>
@@ -8431,7 +8635,7 @@
               <a:buChar char="•"/>
               <a:defRPr sz="6400"/>
             </a:lvl7pPr>
-            <a:lvl8pPr indent="-635000" lvl="7" marL="3657600" algn="l">
+            <a:lvl8pPr marL="3657600" lvl="7" indent="-635000" algn="l">
               <a:lnSpc>
                 <a:spcPct val="90000"/>
               </a:lnSpc>
@@ -8448,7 +8652,7 @@
               <a:buChar char="•"/>
               <a:defRPr sz="6400"/>
             </a:lvl8pPr>
-            <a:lvl9pPr indent="-635000" lvl="8" marL="4114800" algn="l">
+            <a:lvl9pPr marL="4114800" lvl="8" indent="-635000" algn="l">
               <a:lnSpc>
                 <a:spcPct val="90000"/>
               </a:lnSpc>
@@ -8466,15 +8670,19 @@
               <a:defRPr sz="6400"/>
             </a:lvl9pPr>
           </a:lstStyle>
-          <a:p/>
+          <a:p>
+            <a:endParaRPr/>
+          </a:p>
         </p:txBody>
       </p:sp>
       <p:sp>
         <p:nvSpPr>
           <p:cNvPr id="61" name="Google Shape;61;p9"/>
-          <p:cNvSpPr txBox="1"/>
+          <p:cNvSpPr txBox="1">
+            <a:spLocks noGrp="1"/>
+          </p:cNvSpPr>
           <p:nvPr>
-            <p:ph idx="2" type="body"/>
+            <p:ph type="body" idx="2"/>
           </p:nvPr>
         </p:nvSpPr>
         <p:spPr>
@@ -8491,9 +8699,9 @@
           </a:ln>
         </p:spPr>
         <p:txBody>
-          <a:bodyPr anchorCtr="0" anchor="t" bIns="45700" lIns="91425" spcFirstLastPara="1" rIns="91425" wrap="square" tIns="45700"/>
+          <a:bodyPr spcFirstLastPara="1" wrap="square" lIns="91425" tIns="45700" rIns="91425" bIns="45700" anchor="t" anchorCtr="0"/>
           <a:lstStyle>
-            <a:lvl1pPr indent="-228600" lvl="0" marL="457200" algn="l">
+            <a:lvl1pPr marL="457200" lvl="0" indent="-228600" algn="l">
               <a:lnSpc>
                 <a:spcPct val="90000"/>
               </a:lnSpc>
@@ -8510,7 +8718,7 @@
               <a:buNone/>
               <a:defRPr sz="5120"/>
             </a:lvl1pPr>
-            <a:lvl2pPr indent="-228600" lvl="1" marL="914400" algn="l">
+            <a:lvl2pPr marL="914400" lvl="1" indent="-228600" algn="l">
               <a:lnSpc>
                 <a:spcPct val="90000"/>
               </a:lnSpc>
@@ -8527,7 +8735,7 @@
               <a:buNone/>
               <a:defRPr sz="4480"/>
             </a:lvl2pPr>
-            <a:lvl3pPr indent="-228600" lvl="2" marL="1371600" algn="l">
+            <a:lvl3pPr marL="1371600" lvl="2" indent="-228600" algn="l">
               <a:lnSpc>
                 <a:spcPct val="90000"/>
               </a:lnSpc>
@@ -8544,7 +8752,7 @@
               <a:buNone/>
               <a:defRPr sz="3840"/>
             </a:lvl3pPr>
-            <a:lvl4pPr indent="-228600" lvl="3" marL="1828800" algn="l">
+            <a:lvl4pPr marL="1828800" lvl="3" indent="-228600" algn="l">
               <a:lnSpc>
                 <a:spcPct val="90000"/>
               </a:lnSpc>
@@ -8561,7 +8769,7 @@
               <a:buNone/>
               <a:defRPr sz="3200"/>
             </a:lvl4pPr>
-            <a:lvl5pPr indent="-228600" lvl="4" marL="2286000" algn="l">
+            <a:lvl5pPr marL="2286000" lvl="4" indent="-228600" algn="l">
               <a:lnSpc>
                 <a:spcPct val="90000"/>
               </a:lnSpc>
@@ -8578,7 +8786,7 @@
               <a:buNone/>
               <a:defRPr sz="3200"/>
             </a:lvl5pPr>
-            <a:lvl6pPr indent="-228600" lvl="5" marL="2743200" algn="l">
+            <a:lvl6pPr marL="2743200" lvl="5" indent="-228600" algn="l">
               <a:lnSpc>
                 <a:spcPct val="90000"/>
               </a:lnSpc>
@@ -8595,7 +8803,7 @@
               <a:buNone/>
               <a:defRPr sz="3200"/>
             </a:lvl6pPr>
-            <a:lvl7pPr indent="-228600" lvl="6" marL="3200400" algn="l">
+            <a:lvl7pPr marL="3200400" lvl="6" indent="-228600" algn="l">
               <a:lnSpc>
                 <a:spcPct val="90000"/>
               </a:lnSpc>
@@ -8612,7 +8820,7 @@
               <a:buNone/>
               <a:defRPr sz="3200"/>
             </a:lvl7pPr>
-            <a:lvl8pPr indent="-228600" lvl="7" marL="3657600" algn="l">
+            <a:lvl8pPr marL="3657600" lvl="7" indent="-228600" algn="l">
               <a:lnSpc>
                 <a:spcPct val="90000"/>
               </a:lnSpc>
@@ -8629,7 +8837,7 @@
               <a:buNone/>
               <a:defRPr sz="3200"/>
             </a:lvl8pPr>
-            <a:lvl9pPr indent="-228600" lvl="8" marL="4114800" algn="l">
+            <a:lvl9pPr marL="4114800" lvl="8" indent="-228600" algn="l">
               <a:lnSpc>
                 <a:spcPct val="90000"/>
               </a:lnSpc>
@@ -8647,15 +8855,19 @@
               <a:defRPr sz="3200"/>
             </a:lvl9pPr>
           </a:lstStyle>
-          <a:p/>
+          <a:p>
+            <a:endParaRPr/>
+          </a:p>
         </p:txBody>
       </p:sp>
       <p:sp>
         <p:nvSpPr>
           <p:cNvPr id="62" name="Google Shape;62;p9"/>
-          <p:cNvSpPr txBox="1"/>
+          <p:cNvSpPr txBox="1">
+            <a:spLocks noGrp="1"/>
+          </p:cNvSpPr>
           <p:nvPr>
-            <p:ph idx="10" type="dt"/>
+            <p:ph type="dt" idx="10"/>
           </p:nvPr>
         </p:nvSpPr>
         <p:spPr>
@@ -8672,7 +8884,7 @@
           </a:ln>
         </p:spPr>
         <p:txBody>
-          <a:bodyPr anchorCtr="0" anchor="ctr" bIns="45700" lIns="91425" spcFirstLastPara="1" rIns="91425" wrap="square" tIns="45700"/>
+          <a:bodyPr spcFirstLastPara="1" wrap="square" lIns="91425" tIns="45700" rIns="91425" bIns="45700" anchor="ctr" anchorCtr="0"/>
           <a:lstStyle>
             <a:lvl1pPr lvl="0" algn="l">
               <a:spcBef>
@@ -8774,15 +8986,19 @@
               <a:defRPr/>
             </a:lvl9pPr>
           </a:lstStyle>
-          <a:p/>
+          <a:p>
+            <a:endParaRPr/>
+          </a:p>
         </p:txBody>
       </p:sp>
       <p:sp>
         <p:nvSpPr>
           <p:cNvPr id="63" name="Google Shape;63;p9"/>
-          <p:cNvSpPr txBox="1"/>
+          <p:cNvSpPr txBox="1">
+            <a:spLocks noGrp="1"/>
+          </p:cNvSpPr>
           <p:nvPr>
-            <p:ph idx="11" type="ftr"/>
+            <p:ph type="ftr" idx="11"/>
           </p:nvPr>
         </p:nvSpPr>
         <p:spPr>
@@ -8799,7 +9015,7 @@
           </a:ln>
         </p:spPr>
         <p:txBody>
-          <a:bodyPr anchorCtr="0" anchor="ctr" bIns="45700" lIns="91425" spcFirstLastPara="1" rIns="91425" wrap="square" tIns="45700"/>
+          <a:bodyPr spcFirstLastPara="1" wrap="square" lIns="91425" tIns="45700" rIns="91425" bIns="45700" anchor="ctr" anchorCtr="0"/>
           <a:lstStyle>
             <a:lvl1pPr lvl="0" algn="ctr">
               <a:spcBef>
@@ -8901,15 +9117,19 @@
               <a:defRPr/>
             </a:lvl9pPr>
           </a:lstStyle>
-          <a:p/>
+          <a:p>
+            <a:endParaRPr/>
+          </a:p>
         </p:txBody>
       </p:sp>
       <p:sp>
         <p:nvSpPr>
           <p:cNvPr id="64" name="Google Shape;64;p9"/>
-          <p:cNvSpPr txBox="1"/>
+          <p:cNvSpPr txBox="1">
+            <a:spLocks noGrp="1"/>
+          </p:cNvSpPr>
           <p:nvPr>
-            <p:ph idx="12" type="sldNum"/>
+            <p:ph type="sldNum" idx="12"/>
           </p:nvPr>
         </p:nvSpPr>
         <p:spPr>
@@ -8926,67 +9146,67 @@
           </a:ln>
         </p:spPr>
         <p:txBody>
-          <a:bodyPr anchorCtr="0" anchor="ctr" bIns="45700" lIns="91425" spcFirstLastPara="1" rIns="91425" wrap="square" tIns="45700">
+          <a:bodyPr spcFirstLastPara="1" wrap="square" lIns="91425" tIns="45700" rIns="91425" bIns="45700" anchor="ctr" anchorCtr="0">
             <a:noAutofit/>
           </a:bodyPr>
           <a:lstStyle>
-            <a:lvl1pPr indent="0" lvl="0" marL="0" algn="r">
+            <a:lvl1pPr marL="0" lvl="0" indent="0" algn="r">
               <a:spcBef>
                 <a:spcPts val="0"/>
               </a:spcBef>
               <a:buNone/>
               <a:defRPr/>
             </a:lvl1pPr>
-            <a:lvl2pPr indent="0" lvl="1" marL="0" algn="r">
+            <a:lvl2pPr marL="0" lvl="1" indent="0" algn="r">
               <a:spcBef>
                 <a:spcPts val="0"/>
               </a:spcBef>
               <a:buNone/>
               <a:defRPr/>
             </a:lvl2pPr>
-            <a:lvl3pPr indent="0" lvl="2" marL="0" algn="r">
+            <a:lvl3pPr marL="0" lvl="2" indent="0" algn="r">
               <a:spcBef>
                 <a:spcPts val="0"/>
               </a:spcBef>
               <a:buNone/>
               <a:defRPr/>
             </a:lvl3pPr>
-            <a:lvl4pPr indent="0" lvl="3" marL="0" algn="r">
+            <a:lvl4pPr marL="0" lvl="3" indent="0" algn="r">
               <a:spcBef>
                 <a:spcPts val="0"/>
               </a:spcBef>
               <a:buNone/>
               <a:defRPr/>
             </a:lvl4pPr>
-            <a:lvl5pPr indent="0" lvl="4" marL="0" algn="r">
+            <a:lvl5pPr marL="0" lvl="4" indent="0" algn="r">
               <a:spcBef>
                 <a:spcPts val="0"/>
               </a:spcBef>
               <a:buNone/>
               <a:defRPr/>
             </a:lvl5pPr>
-            <a:lvl6pPr indent="0" lvl="5" marL="0" algn="r">
+            <a:lvl6pPr marL="0" lvl="5" indent="0" algn="r">
               <a:spcBef>
                 <a:spcPts val="0"/>
               </a:spcBef>
               <a:buNone/>
               <a:defRPr/>
             </a:lvl6pPr>
-            <a:lvl7pPr indent="0" lvl="6" marL="0" algn="r">
+            <a:lvl7pPr marL="0" lvl="6" indent="0" algn="r">
               <a:spcBef>
                 <a:spcPts val="0"/>
               </a:spcBef>
               <a:buNone/>
               <a:defRPr/>
             </a:lvl7pPr>
-            <a:lvl8pPr indent="0" lvl="7" marL="0" algn="r">
+            <a:lvl8pPr marL="0" lvl="7" indent="0" algn="r">
               <a:spcBef>
                 <a:spcPts val="0"/>
               </a:spcBef>
               <a:buNone/>
               <a:defRPr/>
             </a:lvl8pPr>
-            <a:lvl9pPr indent="0" lvl="8" marL="0" algn="r">
+            <a:lvl9pPr marL="0" lvl="8" indent="0" algn="r">
               <a:spcBef>
                 <a:spcPts val="0"/>
               </a:spcBef>
@@ -8995,7 +9215,7 @@
             </a:lvl9pPr>
           </a:lstStyle>
           <a:p>
-            <a:pPr indent="0" lvl="0" marL="0" rtl="0" algn="r">
+            <a:pPr marL="0" lvl="0" indent="0" algn="r" rtl="0">
               <a:spcBef>
                 <a:spcPts val="0"/>
               </a:spcBef>
@@ -9021,11 +9241,11 @@
 </file>
 
 <file path=ppt/slideLayouts/slideLayout9.xml><?xml version="1.0" encoding="utf-8"?>
-<p:sldLayout xmlns:a="http://schemas.openxmlformats.org/drawingml/2006/main" xmlns:r="http://schemas.openxmlformats.org/officeDocument/2006/relationships" xmlns:mc="http://schemas.openxmlformats.org/markup-compatibility/2006" xmlns:mv="urn:schemas-microsoft-com:mac:vml" xmlns:p="http://schemas.openxmlformats.org/presentationml/2006/main" xmlns:c="http://schemas.openxmlformats.org/drawingml/2006/chart" xmlns:dgm="http://schemas.openxmlformats.org/drawingml/2006/diagram" xmlns:o="urn:schemas-microsoft-com:office:office" xmlns:v="urn:schemas-microsoft-com:vml" xmlns:pvml="urn:schemas-microsoft-com:office:powerpoint" xmlns:com="http://schemas.openxmlformats.org/drawingml/2006/compatibility" xmlns:p14="http://schemas.microsoft.com/office/powerpoint/2010/main" xmlns:p15="http://schemas.microsoft.com/office/powerpoint/2012/main" matchingName="Picture with Caption" type="picTx">
+<p:sldLayout xmlns:a="http://schemas.openxmlformats.org/drawingml/2006/main" xmlns:r="http://schemas.openxmlformats.org/officeDocument/2006/relationships" xmlns:p="http://schemas.openxmlformats.org/presentationml/2006/main" matchingName="Picture with Caption" type="picTx">
   <p:cSld name="PICTURE_WITH_CAPTION_TEXT">
     <p:spTree>
       <p:nvGrpSpPr>
-        <p:cNvPr id="65" name="Shape 65"/>
+        <p:cNvPr id="1" name="Shape 65"/>
         <p:cNvGrpSpPr/>
         <p:nvPr/>
       </p:nvGrpSpPr>
@@ -9040,7 +9260,9 @@
       <p:sp>
         <p:nvSpPr>
           <p:cNvPr id="66" name="Google Shape;66;p10"/>
-          <p:cNvSpPr txBox="1"/>
+          <p:cNvSpPr txBox="1">
+            <a:spLocks noGrp="1"/>
+          </p:cNvSpPr>
           <p:nvPr>
             <p:ph type="title"/>
           </p:nvPr>
@@ -9059,7 +9281,7 @@
           </a:ln>
         </p:spPr>
         <p:txBody>
-          <a:bodyPr anchorCtr="0" anchor="b" bIns="45700" lIns="91425" spcFirstLastPara="1" rIns="91425" wrap="square" tIns="45700"/>
+          <a:bodyPr spcFirstLastPara="1" wrap="square" lIns="91425" tIns="45700" rIns="91425" bIns="45700" anchor="b" anchorCtr="0"/>
           <a:lstStyle>
             <a:lvl1pPr lvl="0" algn="l">
               <a:lnSpc>
@@ -9168,15 +9390,19 @@
               <a:defRPr/>
             </a:lvl9pPr>
           </a:lstStyle>
-          <a:p/>
+          <a:p>
+            <a:endParaRPr/>
+          </a:p>
         </p:txBody>
       </p:sp>
       <p:sp>
         <p:nvSpPr>
           <p:cNvPr id="67" name="Google Shape;67;p10"/>
-          <p:cNvSpPr/>
+          <p:cNvSpPr>
+            <a:spLocks noGrp="1"/>
+          </p:cNvSpPr>
           <p:nvPr>
-            <p:ph idx="2" type="pic"/>
+            <p:ph type="pic" idx="2"/>
           </p:nvPr>
         </p:nvSpPr>
         <p:spPr>
@@ -9193,9 +9419,9 @@
           </a:ln>
         </p:spPr>
         <p:txBody>
-          <a:bodyPr anchorCtr="0" anchor="t" bIns="45700" lIns="91425" spcFirstLastPara="1" rIns="91425" wrap="square" tIns="45700"/>
+          <a:bodyPr spcFirstLastPara="1" wrap="square" lIns="91425" tIns="45700" rIns="91425" bIns="45700" anchor="t" anchorCtr="0"/>
           <a:lstStyle>
-            <a:lvl1pPr lvl="0" marR="0" rtl="0" algn="l">
+            <a:lvl1pPr marR="0" lvl="0" algn="l" rtl="0">
               <a:lnSpc>
                 <a:spcPct val="90000"/>
               </a:lnSpc>
@@ -9211,7 +9437,7 @@
               <a:buSzPts val="10240"/>
               <a:buFont typeface="Arial"/>
               <a:buNone/>
-              <a:defRPr b="0" i="0" sz="10240" u="none" cap="none" strike="noStrike">
+              <a:defRPr sz="10240" b="0" i="0" u="none" strike="noStrike" cap="none">
                 <a:solidFill>
                   <a:schemeClr val="dk1"/>
                 </a:solidFill>
@@ -9221,7 +9447,7 @@
                 <a:sym typeface="Calibri"/>
               </a:defRPr>
             </a:lvl1pPr>
-            <a:lvl2pPr lvl="1" marR="0" rtl="0" algn="l">
+            <a:lvl2pPr marR="0" lvl="1" algn="l" rtl="0">
               <a:lnSpc>
                 <a:spcPct val="90000"/>
               </a:lnSpc>
@@ -9237,7 +9463,7 @@
               <a:buSzPts val="8960"/>
               <a:buFont typeface="Arial"/>
               <a:buNone/>
-              <a:defRPr b="0" i="0" sz="8960" u="none" cap="none" strike="noStrike">
+              <a:defRPr sz="8960" b="0" i="0" u="none" strike="noStrike" cap="none">
                 <a:solidFill>
                   <a:schemeClr val="dk1"/>
                 </a:solidFill>
@@ -9247,7 +9473,7 @@
                 <a:sym typeface="Calibri"/>
               </a:defRPr>
             </a:lvl2pPr>
-            <a:lvl3pPr lvl="2" marR="0" rtl="0" algn="l">
+            <a:lvl3pPr marR="0" lvl="2" algn="l" rtl="0">
               <a:lnSpc>
                 <a:spcPct val="90000"/>
               </a:lnSpc>
@@ -9263,7 +9489,7 @@
               <a:buSzPts val="7680"/>
               <a:buFont typeface="Arial"/>
               <a:buNone/>
-              <a:defRPr b="0" i="0" sz="7680" u="none" cap="none" strike="noStrike">
+              <a:defRPr sz="7680" b="0" i="0" u="none" strike="noStrike" cap="none">
                 <a:solidFill>
                   <a:schemeClr val="dk1"/>
                 </a:solidFill>
@@ -9273,7 +9499,7 @@
                 <a:sym typeface="Calibri"/>
               </a:defRPr>
             </a:lvl3pPr>
-            <a:lvl4pPr lvl="3" marR="0" rtl="0" algn="l">
+            <a:lvl4pPr marR="0" lvl="3" algn="l" rtl="0">
               <a:lnSpc>
                 <a:spcPct val="90000"/>
               </a:lnSpc>
@@ -9289,7 +9515,7 @@
               <a:buSzPts val="6400"/>
               <a:buFont typeface="Arial"/>
               <a:buNone/>
-              <a:defRPr b="0" i="0" sz="6400" u="none" cap="none" strike="noStrike">
+              <a:defRPr sz="6400" b="0" i="0" u="none" strike="noStrike" cap="none">
                 <a:solidFill>
                   <a:schemeClr val="dk1"/>
                 </a:solidFill>
@@ -9299,7 +9525,7 @@
                 <a:sym typeface="Calibri"/>
               </a:defRPr>
             </a:lvl4pPr>
-            <a:lvl5pPr lvl="4" marR="0" rtl="0" algn="l">
+            <a:lvl5pPr marR="0" lvl="4" algn="l" rtl="0">
               <a:lnSpc>
                 <a:spcPct val="90000"/>
               </a:lnSpc>
@@ -9315,7 +9541,7 @@
               <a:buSzPts val="6400"/>
               <a:buFont typeface="Arial"/>
               <a:buNone/>
-              <a:defRPr b="0" i="0" sz="6400" u="none" cap="none" strike="noStrike">
+              <a:defRPr sz="6400" b="0" i="0" u="none" strike="noStrike" cap="none">
                 <a:solidFill>
                   <a:schemeClr val="dk1"/>
                 </a:solidFill>
@@ -9325,7 +9551,7 @@
                 <a:sym typeface="Calibri"/>
               </a:defRPr>
             </a:lvl5pPr>
-            <a:lvl6pPr lvl="5" marR="0" rtl="0" algn="l">
+            <a:lvl6pPr marR="0" lvl="5" algn="l" rtl="0">
               <a:lnSpc>
                 <a:spcPct val="90000"/>
               </a:lnSpc>
@@ -9341,7 +9567,7 @@
               <a:buSzPts val="6400"/>
               <a:buFont typeface="Arial"/>
               <a:buNone/>
-              <a:defRPr b="0" i="0" sz="6400" u="none" cap="none" strike="noStrike">
+              <a:defRPr sz="6400" b="0" i="0" u="none" strike="noStrike" cap="none">
                 <a:solidFill>
                   <a:schemeClr val="dk1"/>
                 </a:solidFill>
@@ -9351,7 +9577,7 @@
                 <a:sym typeface="Calibri"/>
               </a:defRPr>
             </a:lvl6pPr>
-            <a:lvl7pPr lvl="6" marR="0" rtl="0" algn="l">
+            <a:lvl7pPr marR="0" lvl="6" algn="l" rtl="0">
               <a:lnSpc>
                 <a:spcPct val="90000"/>
               </a:lnSpc>
@@ -9367,7 +9593,7 @@
               <a:buSzPts val="6400"/>
               <a:buFont typeface="Arial"/>
               <a:buNone/>
-              <a:defRPr b="0" i="0" sz="6400" u="none" cap="none" strike="noStrike">
+              <a:defRPr sz="6400" b="0" i="0" u="none" strike="noStrike" cap="none">
                 <a:solidFill>
                   <a:schemeClr val="dk1"/>
                 </a:solidFill>
@@ -9377,7 +9603,7 @@
                 <a:sym typeface="Calibri"/>
               </a:defRPr>
             </a:lvl7pPr>
-            <a:lvl8pPr lvl="7" marR="0" rtl="0" algn="l">
+            <a:lvl8pPr marR="0" lvl="7" algn="l" rtl="0">
               <a:lnSpc>
                 <a:spcPct val="90000"/>
               </a:lnSpc>
@@ -9393,7 +9619,7 @@
               <a:buSzPts val="6400"/>
               <a:buFont typeface="Arial"/>
               <a:buNone/>
-              <a:defRPr b="0" i="0" sz="6400" u="none" cap="none" strike="noStrike">
+              <a:defRPr sz="6400" b="0" i="0" u="none" strike="noStrike" cap="none">
                 <a:solidFill>
                   <a:schemeClr val="dk1"/>
                 </a:solidFill>
@@ -9403,7 +9629,7 @@
                 <a:sym typeface="Calibri"/>
               </a:defRPr>
             </a:lvl8pPr>
-            <a:lvl9pPr lvl="8" marR="0" rtl="0" algn="l">
+            <a:lvl9pPr marR="0" lvl="8" algn="l" rtl="0">
               <a:lnSpc>
                 <a:spcPct val="90000"/>
               </a:lnSpc>
@@ -9419,7 +9645,7 @@
               <a:buSzPts val="6400"/>
               <a:buFont typeface="Arial"/>
               <a:buNone/>
-              <a:defRPr b="0" i="0" sz="6400" u="none" cap="none" strike="noStrike">
+              <a:defRPr sz="6400" b="0" i="0" u="none" strike="noStrike" cap="none">
                 <a:solidFill>
                   <a:schemeClr val="dk1"/>
                 </a:solidFill>
@@ -9430,15 +9656,19 @@
               </a:defRPr>
             </a:lvl9pPr>
           </a:lstStyle>
-          <a:p/>
+          <a:p>
+            <a:endParaRPr/>
+          </a:p>
         </p:txBody>
       </p:sp>
       <p:sp>
         <p:nvSpPr>
           <p:cNvPr id="68" name="Google Shape;68;p10"/>
-          <p:cNvSpPr txBox="1"/>
+          <p:cNvSpPr txBox="1">
+            <a:spLocks noGrp="1"/>
+          </p:cNvSpPr>
           <p:nvPr>
-            <p:ph idx="1" type="body"/>
+            <p:ph type="body" idx="1"/>
           </p:nvPr>
         </p:nvSpPr>
         <p:spPr>
@@ -9455,9 +9685,9 @@
           </a:ln>
         </p:spPr>
         <p:txBody>
-          <a:bodyPr anchorCtr="0" anchor="t" bIns="45700" lIns="91425" spcFirstLastPara="1" rIns="91425" wrap="square" tIns="45700"/>
+          <a:bodyPr spcFirstLastPara="1" wrap="square" lIns="91425" tIns="45700" rIns="91425" bIns="45700" anchor="t" anchorCtr="0"/>
           <a:lstStyle>
-            <a:lvl1pPr indent="-228600" lvl="0" marL="457200" algn="l">
+            <a:lvl1pPr marL="457200" lvl="0" indent="-228600" algn="l">
               <a:lnSpc>
                 <a:spcPct val="90000"/>
               </a:lnSpc>
@@ -9474,7 +9704,7 @@
               <a:buNone/>
               <a:defRPr sz="5120"/>
             </a:lvl1pPr>
-            <a:lvl2pPr indent="-228600" lvl="1" marL="914400" algn="l">
+            <a:lvl2pPr marL="914400" lvl="1" indent="-228600" algn="l">
               <a:lnSpc>
                 <a:spcPct val="90000"/>
               </a:lnSpc>
@@ -9491,7 +9721,7 @@
               <a:buNone/>
               <a:defRPr sz="4480"/>
             </a:lvl2pPr>
-            <a:lvl3pPr indent="-228600" lvl="2" marL="1371600" algn="l">
+            <a:lvl3pPr marL="1371600" lvl="2" indent="-228600" algn="l">
               <a:lnSpc>
                 <a:spcPct val="90000"/>
               </a:lnSpc>
@@ -9508,7 +9738,7 @@
               <a:buNone/>
               <a:defRPr sz="3840"/>
             </a:lvl3pPr>
-            <a:lvl4pPr indent="-228600" lvl="3" marL="1828800" algn="l">
+            <a:lvl4pPr marL="1828800" lvl="3" indent="-228600" algn="l">
               <a:lnSpc>
                 <a:spcPct val="90000"/>
               </a:lnSpc>
@@ -9525,7 +9755,7 @@
               <a:buNone/>
               <a:defRPr sz="3200"/>
             </a:lvl4pPr>
-            <a:lvl5pPr indent="-228600" lvl="4" marL="2286000" algn="l">
+            <a:lvl5pPr marL="2286000" lvl="4" indent="-228600" algn="l">
               <a:lnSpc>
                 <a:spcPct val="90000"/>
               </a:lnSpc>
@@ -9542,7 +9772,7 @@
               <a:buNone/>
               <a:defRPr sz="3200"/>
             </a:lvl5pPr>
-            <a:lvl6pPr indent="-228600" lvl="5" marL="2743200" algn="l">
+            <a:lvl6pPr marL="2743200" lvl="5" indent="-228600" algn="l">
               <a:lnSpc>
                 <a:spcPct val="90000"/>
               </a:lnSpc>
@@ -9559,7 +9789,7 @@
               <a:buNone/>
               <a:defRPr sz="3200"/>
             </a:lvl6pPr>
-            <a:lvl7pPr indent="-228600" lvl="6" marL="3200400" algn="l">
+            <a:lvl7pPr marL="3200400" lvl="6" indent="-228600" algn="l">
               <a:lnSpc>
                 <a:spcPct val="90000"/>
               </a:lnSpc>
@@ -9576,7 +9806,7 @@
               <a:buNone/>
               <a:defRPr sz="3200"/>
             </a:lvl7pPr>
-            <a:lvl8pPr indent="-228600" lvl="7" marL="3657600" algn="l">
+            <a:lvl8pPr marL="3657600" lvl="7" indent="-228600" algn="l">
               <a:lnSpc>
                 <a:spcPct val="90000"/>
               </a:lnSpc>
@@ -9593,7 +9823,7 @@
               <a:buNone/>
               <a:defRPr sz="3200"/>
             </a:lvl8pPr>
-            <a:lvl9pPr indent="-228600" lvl="8" marL="4114800" algn="l">
+            <a:lvl9pPr marL="4114800" lvl="8" indent="-228600" algn="l">
               <a:lnSpc>
                 <a:spcPct val="90000"/>
               </a:lnSpc>
@@ -9611,15 +9841,19 @@
               <a:defRPr sz="3200"/>
             </a:lvl9pPr>
           </a:lstStyle>
-          <a:p/>
+          <a:p>
+            <a:endParaRPr/>
+          </a:p>
         </p:txBody>
       </p:sp>
       <p:sp>
         <p:nvSpPr>
           <p:cNvPr id="69" name="Google Shape;69;p10"/>
-          <p:cNvSpPr txBox="1"/>
+          <p:cNvSpPr txBox="1">
+            <a:spLocks noGrp="1"/>
+          </p:cNvSpPr>
           <p:nvPr>
-            <p:ph idx="10" type="dt"/>
+            <p:ph type="dt" idx="10"/>
           </p:nvPr>
         </p:nvSpPr>
         <p:spPr>
@@ -9636,7 +9870,7 @@
           </a:ln>
         </p:spPr>
         <p:txBody>
-          <a:bodyPr anchorCtr="0" anchor="ctr" bIns="45700" lIns="91425" spcFirstLastPara="1" rIns="91425" wrap="square" tIns="45700"/>
+          <a:bodyPr spcFirstLastPara="1" wrap="square" lIns="91425" tIns="45700" rIns="91425" bIns="45700" anchor="ctr" anchorCtr="0"/>
           <a:lstStyle>
             <a:lvl1pPr lvl="0" algn="l">
               <a:spcBef>
@@ -9738,15 +9972,19 @@
               <a:defRPr/>
             </a:lvl9pPr>
           </a:lstStyle>
-          <a:p/>
+          <a:p>
+            <a:endParaRPr/>
+          </a:p>
         </p:txBody>
       </p:sp>
       <p:sp>
         <p:nvSpPr>
           <p:cNvPr id="70" name="Google Shape;70;p10"/>
-          <p:cNvSpPr txBox="1"/>
+          <p:cNvSpPr txBox="1">
+            <a:spLocks noGrp="1"/>
+          </p:cNvSpPr>
           <p:nvPr>
-            <p:ph idx="11" type="ftr"/>
+            <p:ph type="ftr" idx="11"/>
           </p:nvPr>
         </p:nvSpPr>
         <p:spPr>
@@ -9763,7 +10001,7 @@
           </a:ln>
         </p:spPr>
         <p:txBody>
-          <a:bodyPr anchorCtr="0" anchor="ctr" bIns="45700" lIns="91425" spcFirstLastPara="1" rIns="91425" wrap="square" tIns="45700"/>
+          <a:bodyPr spcFirstLastPara="1" wrap="square" lIns="91425" tIns="45700" rIns="91425" bIns="45700" anchor="ctr" anchorCtr="0"/>
           <a:lstStyle>
             <a:lvl1pPr lvl="0" algn="ctr">
               <a:spcBef>
@@ -9865,15 +10103,19 @@
               <a:defRPr/>
             </a:lvl9pPr>
           </a:lstStyle>
-          <a:p/>
+          <a:p>
+            <a:endParaRPr/>
+          </a:p>
         </p:txBody>
       </p:sp>
       <p:sp>
         <p:nvSpPr>
           <p:cNvPr id="71" name="Google Shape;71;p10"/>
-          <p:cNvSpPr txBox="1"/>
+          <p:cNvSpPr txBox="1">
+            <a:spLocks noGrp="1"/>
+          </p:cNvSpPr>
           <p:nvPr>
-            <p:ph idx="12" type="sldNum"/>
+            <p:ph type="sldNum" idx="12"/>
           </p:nvPr>
         </p:nvSpPr>
         <p:spPr>
@@ -9890,67 +10132,67 @@
           </a:ln>
         </p:spPr>
         <p:txBody>
-          <a:bodyPr anchorCtr="0" anchor="ctr" bIns="45700" lIns="91425" spcFirstLastPara="1" rIns="91425" wrap="square" tIns="45700">
+          <a:bodyPr spcFirstLastPara="1" wrap="square" lIns="91425" tIns="45700" rIns="91425" bIns="45700" anchor="ctr" anchorCtr="0">
             <a:noAutofit/>
           </a:bodyPr>
           <a:lstStyle>
-            <a:lvl1pPr indent="0" lvl="0" marL="0" algn="r">
+            <a:lvl1pPr marL="0" lvl="0" indent="0" algn="r">
               <a:spcBef>
                 <a:spcPts val="0"/>
               </a:spcBef>
               <a:buNone/>
               <a:defRPr/>
             </a:lvl1pPr>
-            <a:lvl2pPr indent="0" lvl="1" marL="0" algn="r">
+            <a:lvl2pPr marL="0" lvl="1" indent="0" algn="r">
               <a:spcBef>
                 <a:spcPts val="0"/>
               </a:spcBef>
               <a:buNone/>
               <a:defRPr/>
             </a:lvl2pPr>
-            <a:lvl3pPr indent="0" lvl="2" marL="0" algn="r">
+            <a:lvl3pPr marL="0" lvl="2" indent="0" algn="r">
               <a:spcBef>
                 <a:spcPts val="0"/>
               </a:spcBef>
               <a:buNone/>
               <a:defRPr/>
             </a:lvl3pPr>
-            <a:lvl4pPr indent="0" lvl="3" marL="0" algn="r">
+            <a:lvl4pPr marL="0" lvl="3" indent="0" algn="r">
               <a:spcBef>
                 <a:spcPts val="0"/>
               </a:spcBef>
               <a:buNone/>
               <a:defRPr/>
             </a:lvl4pPr>
-            <a:lvl5pPr indent="0" lvl="4" marL="0" algn="r">
+            <a:lvl5pPr marL="0" lvl="4" indent="0" algn="r">
               <a:spcBef>
                 <a:spcPts val="0"/>
               </a:spcBef>
               <a:buNone/>
               <a:defRPr/>
             </a:lvl5pPr>
-            <a:lvl6pPr indent="0" lvl="5" marL="0" algn="r">
+            <a:lvl6pPr marL="0" lvl="5" indent="0" algn="r">
               <a:spcBef>
                 <a:spcPts val="0"/>
               </a:spcBef>
               <a:buNone/>
               <a:defRPr/>
             </a:lvl6pPr>
-            <a:lvl7pPr indent="0" lvl="6" marL="0" algn="r">
+            <a:lvl7pPr marL="0" lvl="6" indent="0" algn="r">
               <a:spcBef>
                 <a:spcPts val="0"/>
               </a:spcBef>
               <a:buNone/>
               <a:defRPr/>
             </a:lvl7pPr>
-            <a:lvl8pPr indent="0" lvl="7" marL="0" algn="r">
+            <a:lvl8pPr marL="0" lvl="7" indent="0" algn="r">
               <a:spcBef>
                 <a:spcPts val="0"/>
               </a:spcBef>
               <a:buNone/>
               <a:defRPr/>
             </a:lvl8pPr>
-            <a:lvl9pPr indent="0" lvl="8" marL="0" algn="r">
+            <a:lvl9pPr marL="0" lvl="8" indent="0" algn="r">
               <a:spcBef>
                 <a:spcPts val="0"/>
               </a:spcBef>
@@ -9959,7 +10201,7 @@
             </a:lvl9pPr>
           </a:lstStyle>
           <a:p>
-            <a:pPr indent="0" lvl="0" marL="0" rtl="0" algn="r">
+            <a:pPr marL="0" lvl="0" indent="0" algn="r" rtl="0">
               <a:spcBef>
                 <a:spcPts val="0"/>
               </a:spcBef>
@@ -9985,18 +10227,19 @@
 </file>
 
 <file path=ppt/slideMasters/slideMaster1.xml><?xml version="1.0" encoding="utf-8"?>
-<p:sldMaster xmlns:a="http://schemas.openxmlformats.org/drawingml/2006/main" xmlns:r="http://schemas.openxmlformats.org/officeDocument/2006/relationships" xmlns:mc="http://schemas.openxmlformats.org/markup-compatibility/2006" xmlns:mv="urn:schemas-microsoft-com:mac:vml" xmlns:p="http://schemas.openxmlformats.org/presentationml/2006/main" xmlns:c="http://schemas.openxmlformats.org/drawingml/2006/chart" xmlns:dgm="http://schemas.openxmlformats.org/drawingml/2006/diagram" xmlns:o="urn:schemas-microsoft-com:office:office" xmlns:v="urn:schemas-microsoft-com:vml" xmlns:pvml="urn:schemas-microsoft-com:office:powerpoint" xmlns:com="http://schemas.openxmlformats.org/drawingml/2006/compatibility" xmlns:p14="http://schemas.microsoft.com/office/powerpoint/2010/main" xmlns:p15="http://schemas.microsoft.com/office/powerpoint/2012/main">
+<p:sldMaster xmlns:a="http://schemas.openxmlformats.org/drawingml/2006/main" xmlns:r="http://schemas.openxmlformats.org/officeDocument/2006/relationships" xmlns:p="http://schemas.openxmlformats.org/presentationml/2006/main">
   <p:cSld>
     <p:bg>
       <p:bgPr>
         <a:solidFill>
           <a:schemeClr val="lt1"/>
         </a:solidFill>
+        <a:effectLst/>
       </p:bgPr>
     </p:bg>
     <p:spTree>
       <p:nvGrpSpPr>
-        <p:cNvPr id="9" name="Shape 9"/>
+        <p:cNvPr id="1" name="Shape 9"/>
         <p:cNvGrpSpPr/>
         <p:nvPr/>
       </p:nvGrpSpPr>
@@ -10011,7 +10254,9 @@
       <p:sp>
         <p:nvSpPr>
           <p:cNvPr id="10" name="Google Shape;10;p1"/>
-          <p:cNvSpPr txBox="1"/>
+          <p:cNvSpPr txBox="1">
+            <a:spLocks noGrp="1"/>
+          </p:cNvSpPr>
           <p:nvPr>
             <p:ph type="title"/>
           </p:nvPr>
@@ -10030,9 +10275,9 @@
           </a:ln>
         </p:spPr>
         <p:txBody>
-          <a:bodyPr anchorCtr="0" anchor="ctr" bIns="45700" lIns="91425" spcFirstLastPara="1" rIns="91425" wrap="square" tIns="45700"/>
+          <a:bodyPr spcFirstLastPara="1" wrap="square" lIns="91425" tIns="45700" rIns="91425" bIns="45700" anchor="ctr" anchorCtr="0"/>
           <a:lstStyle>
-            <a:lvl1pPr lvl="0" marR="0" rtl="0" algn="l">
+            <a:lvl1pPr marR="0" lvl="0" algn="l" rtl="0">
               <a:lnSpc>
                 <a:spcPct val="90000"/>
               </a:lnSpc>
@@ -10048,7 +10293,7 @@
               <a:buSzPts val="14080"/>
               <a:buFont typeface="Calibri"/>
               <a:buNone/>
-              <a:defRPr b="0" i="0" sz="14080" u="none" cap="none" strike="noStrike">
+              <a:defRPr sz="14080" b="0" i="0" u="none" strike="noStrike" cap="none">
                 <a:solidFill>
                   <a:schemeClr val="dk1"/>
                 </a:solidFill>
@@ -10147,15 +10392,19 @@
               <a:defRPr sz="1800"/>
             </a:lvl9pPr>
           </a:lstStyle>
-          <a:p/>
+          <a:p>
+            <a:endParaRPr/>
+          </a:p>
         </p:txBody>
       </p:sp>
       <p:sp>
         <p:nvSpPr>
           <p:cNvPr id="11" name="Google Shape;11;p1"/>
-          <p:cNvSpPr txBox="1"/>
+          <p:cNvSpPr txBox="1">
+            <a:spLocks noGrp="1"/>
+          </p:cNvSpPr>
           <p:nvPr>
-            <p:ph idx="1" type="body"/>
+            <p:ph type="body" idx="1"/>
           </p:nvPr>
         </p:nvSpPr>
         <p:spPr>
@@ -10172,9 +10421,9 @@
           </a:ln>
         </p:spPr>
         <p:txBody>
-          <a:bodyPr anchorCtr="0" anchor="t" bIns="45700" lIns="91425" spcFirstLastPara="1" rIns="91425" wrap="square" tIns="45700"/>
+          <a:bodyPr spcFirstLastPara="1" wrap="square" lIns="91425" tIns="45700" rIns="91425" bIns="45700" anchor="t" anchorCtr="0"/>
           <a:lstStyle>
-            <a:lvl1pPr indent="-797560" lvl="0" marL="457200" marR="0" rtl="0" algn="l">
+            <a:lvl1pPr marL="457200" marR="0" lvl="0" indent="-797560" algn="l" rtl="0">
               <a:lnSpc>
                 <a:spcPct val="90000"/>
               </a:lnSpc>
@@ -10190,7 +10439,7 @@
               <a:buSzPts val="8960"/>
               <a:buFont typeface="Arial"/>
               <a:buChar char="•"/>
-              <a:defRPr b="0" i="0" sz="8960" u="none" cap="none" strike="noStrike">
+              <a:defRPr sz="8960" b="0" i="0" u="none" strike="noStrike" cap="none">
                 <a:solidFill>
                   <a:schemeClr val="dk1"/>
                 </a:solidFill>
@@ -10200,7 +10449,7 @@
                 <a:sym typeface="Calibri"/>
               </a:defRPr>
             </a:lvl1pPr>
-            <a:lvl2pPr indent="-716280" lvl="1" marL="914400" marR="0" rtl="0" algn="l">
+            <a:lvl2pPr marL="914400" marR="0" lvl="1" indent="-716280" algn="l" rtl="0">
               <a:lnSpc>
                 <a:spcPct val="90000"/>
               </a:lnSpc>
@@ -10216,7 +10465,7 @@
               <a:buSzPts val="7680"/>
               <a:buFont typeface="Arial"/>
               <a:buChar char="•"/>
-              <a:defRPr b="0" i="0" sz="7680" u="none" cap="none" strike="noStrike">
+              <a:defRPr sz="7680" b="0" i="0" u="none" strike="noStrike" cap="none">
                 <a:solidFill>
                   <a:schemeClr val="dk1"/>
                 </a:solidFill>
@@ -10226,7 +10475,7 @@
                 <a:sym typeface="Calibri"/>
               </a:defRPr>
             </a:lvl2pPr>
-            <a:lvl3pPr indent="-635000" lvl="2" marL="1371600" marR="0" rtl="0" algn="l">
+            <a:lvl3pPr marL="1371600" marR="0" lvl="2" indent="-635000" algn="l" rtl="0">
               <a:lnSpc>
                 <a:spcPct val="90000"/>
               </a:lnSpc>
@@ -10242,7 +10491,7 @@
               <a:buSzPts val="6400"/>
               <a:buFont typeface="Arial"/>
               <a:buChar char="•"/>
-              <a:defRPr b="0" i="0" sz="6400" u="none" cap="none" strike="noStrike">
+              <a:defRPr sz="6400" b="0" i="0" u="none" strike="noStrike" cap="none">
                 <a:solidFill>
                   <a:schemeClr val="dk1"/>
                 </a:solidFill>
@@ -10252,7 +10501,7 @@
                 <a:sym typeface="Calibri"/>
               </a:defRPr>
             </a:lvl3pPr>
-            <a:lvl4pPr indent="-594360" lvl="3" marL="1828800" marR="0" rtl="0" algn="l">
+            <a:lvl4pPr marL="1828800" marR="0" lvl="3" indent="-594360" algn="l" rtl="0">
               <a:lnSpc>
                 <a:spcPct val="90000"/>
               </a:lnSpc>
@@ -10268,7 +10517,7 @@
               <a:buSzPts val="5760"/>
               <a:buFont typeface="Arial"/>
               <a:buChar char="•"/>
-              <a:defRPr b="0" i="0" sz="5760" u="none" cap="none" strike="noStrike">
+              <a:defRPr sz="5760" b="0" i="0" u="none" strike="noStrike" cap="none">
                 <a:solidFill>
                   <a:schemeClr val="dk1"/>
                 </a:solidFill>
@@ -10278,7 +10527,7 @@
                 <a:sym typeface="Calibri"/>
               </a:defRPr>
             </a:lvl4pPr>
-            <a:lvl5pPr indent="-594360" lvl="4" marL="2286000" marR="0" rtl="0" algn="l">
+            <a:lvl5pPr marL="2286000" marR="0" lvl="4" indent="-594360" algn="l" rtl="0">
               <a:lnSpc>
                 <a:spcPct val="90000"/>
               </a:lnSpc>
@@ -10294,7 +10543,7 @@
               <a:buSzPts val="5760"/>
               <a:buFont typeface="Arial"/>
               <a:buChar char="•"/>
-              <a:defRPr b="0" i="0" sz="5760" u="none" cap="none" strike="noStrike">
+              <a:defRPr sz="5760" b="0" i="0" u="none" strike="noStrike" cap="none">
                 <a:solidFill>
                   <a:schemeClr val="dk1"/>
                 </a:solidFill>
@@ -10304,7 +10553,7 @@
                 <a:sym typeface="Calibri"/>
               </a:defRPr>
             </a:lvl5pPr>
-            <a:lvl6pPr indent="-594360" lvl="5" marL="2743200" marR="0" rtl="0" algn="l">
+            <a:lvl6pPr marL="2743200" marR="0" lvl="5" indent="-594360" algn="l" rtl="0">
               <a:lnSpc>
                 <a:spcPct val="90000"/>
               </a:lnSpc>
@@ -10320,7 +10569,7 @@
               <a:buSzPts val="5760"/>
               <a:buFont typeface="Arial"/>
               <a:buChar char="•"/>
-              <a:defRPr b="0" i="0" sz="5760" u="none" cap="none" strike="noStrike">
+              <a:defRPr sz="5760" b="0" i="0" u="none" strike="noStrike" cap="none">
                 <a:solidFill>
                   <a:schemeClr val="dk1"/>
                 </a:solidFill>
@@ -10330,7 +10579,7 @@
                 <a:sym typeface="Calibri"/>
               </a:defRPr>
             </a:lvl6pPr>
-            <a:lvl7pPr indent="-594360" lvl="6" marL="3200400" marR="0" rtl="0" algn="l">
+            <a:lvl7pPr marL="3200400" marR="0" lvl="6" indent="-594360" algn="l" rtl="0">
               <a:lnSpc>
                 <a:spcPct val="90000"/>
               </a:lnSpc>
@@ -10346,7 +10595,7 @@
               <a:buSzPts val="5760"/>
               <a:buFont typeface="Arial"/>
               <a:buChar char="•"/>
-              <a:defRPr b="0" i="0" sz="5760" u="none" cap="none" strike="noStrike">
+              <a:defRPr sz="5760" b="0" i="0" u="none" strike="noStrike" cap="none">
                 <a:solidFill>
                   <a:schemeClr val="dk1"/>
                 </a:solidFill>
@@ -10356,7 +10605,7 @@
                 <a:sym typeface="Calibri"/>
               </a:defRPr>
             </a:lvl7pPr>
-            <a:lvl8pPr indent="-594360" lvl="7" marL="3657600" marR="0" rtl="0" algn="l">
+            <a:lvl8pPr marL="3657600" marR="0" lvl="7" indent="-594360" algn="l" rtl="0">
               <a:lnSpc>
                 <a:spcPct val="90000"/>
               </a:lnSpc>
@@ -10372,7 +10621,7 @@
               <a:buSzPts val="5760"/>
               <a:buFont typeface="Arial"/>
               <a:buChar char="•"/>
-              <a:defRPr b="0" i="0" sz="5760" u="none" cap="none" strike="noStrike">
+              <a:defRPr sz="5760" b="0" i="0" u="none" strike="noStrike" cap="none">
                 <a:solidFill>
                   <a:schemeClr val="dk1"/>
                 </a:solidFill>
@@ -10382,7 +10631,7 @@
                 <a:sym typeface="Calibri"/>
               </a:defRPr>
             </a:lvl8pPr>
-            <a:lvl9pPr indent="-594359" lvl="8" marL="4114800" marR="0" rtl="0" algn="l">
+            <a:lvl9pPr marL="4114800" marR="0" lvl="8" indent="-594359" algn="l" rtl="0">
               <a:lnSpc>
                 <a:spcPct val="90000"/>
               </a:lnSpc>
@@ -10398,7 +10647,7 @@
               <a:buSzPts val="5760"/>
               <a:buFont typeface="Arial"/>
               <a:buChar char="•"/>
-              <a:defRPr b="0" i="0" sz="5760" u="none" cap="none" strike="noStrike">
+              <a:defRPr sz="5760" b="0" i="0" u="none" strike="noStrike" cap="none">
                 <a:solidFill>
                   <a:schemeClr val="dk1"/>
                 </a:solidFill>
@@ -10409,15 +10658,19 @@
               </a:defRPr>
             </a:lvl9pPr>
           </a:lstStyle>
-          <a:p/>
+          <a:p>
+            <a:endParaRPr/>
+          </a:p>
         </p:txBody>
       </p:sp>
       <p:sp>
         <p:nvSpPr>
           <p:cNvPr id="12" name="Google Shape;12;p1"/>
-          <p:cNvSpPr txBox="1"/>
+          <p:cNvSpPr txBox="1">
+            <a:spLocks noGrp="1"/>
+          </p:cNvSpPr>
           <p:nvPr>
-            <p:ph idx="10" type="dt"/>
+            <p:ph type="dt" idx="10"/>
           </p:nvPr>
         </p:nvSpPr>
         <p:spPr>
@@ -10434,18 +10687,18 @@
           </a:ln>
         </p:spPr>
         <p:txBody>
-          <a:bodyPr anchorCtr="0" anchor="ctr" bIns="45700" lIns="91425" spcFirstLastPara="1" rIns="91425" wrap="square" tIns="45700"/>
+          <a:bodyPr spcFirstLastPara="1" wrap="square" lIns="91425" tIns="45700" rIns="91425" bIns="45700" anchor="ctr" anchorCtr="0"/>
           <a:lstStyle>
-            <a:lvl1pPr lvl="0" marR="0" rtl="0" algn="l">
-              <a:spcBef>
-                <a:spcPts val="0"/>
-              </a:spcBef>
-              <a:spcAft>
-                <a:spcPts val="0"/>
-              </a:spcAft>
-              <a:buSzPts val="1400"/>
-              <a:buNone/>
-              <a:defRPr b="0" i="0" sz="3840" u="none" cap="none" strike="noStrike">
+            <a:lvl1pPr marR="0" lvl="0" algn="l" rtl="0">
+              <a:spcBef>
+                <a:spcPts val="0"/>
+              </a:spcBef>
+              <a:spcAft>
+                <a:spcPts val="0"/>
+              </a:spcAft>
+              <a:buSzPts val="1400"/>
+              <a:buNone/>
+              <a:defRPr sz="3840" b="0" i="0" u="none" strike="noStrike" cap="none">
                 <a:solidFill>
                   <a:srgbClr val="888888"/>
                 </a:solidFill>
@@ -10455,16 +10708,16 @@
                 <a:sym typeface="Calibri"/>
               </a:defRPr>
             </a:lvl1pPr>
-            <a:lvl2pPr lvl="1" marR="0" rtl="0" algn="l">
-              <a:spcBef>
-                <a:spcPts val="0"/>
-              </a:spcBef>
-              <a:spcAft>
-                <a:spcPts val="0"/>
-              </a:spcAft>
-              <a:buSzPts val="1400"/>
-              <a:buNone/>
-              <a:defRPr b="0" i="0" sz="5184" u="none" cap="none" strike="noStrike">
+            <a:lvl2pPr marR="0" lvl="1" algn="l" rtl="0">
+              <a:spcBef>
+                <a:spcPts val="0"/>
+              </a:spcBef>
+              <a:spcAft>
+                <a:spcPts val="0"/>
+              </a:spcAft>
+              <a:buSzPts val="1400"/>
+              <a:buNone/>
+              <a:defRPr sz="5184" b="0" i="0" u="none" strike="noStrike" cap="none">
                 <a:solidFill>
                   <a:schemeClr val="dk1"/>
                 </a:solidFill>
@@ -10474,16 +10727,16 @@
                 <a:sym typeface="Calibri"/>
               </a:defRPr>
             </a:lvl2pPr>
-            <a:lvl3pPr lvl="2" marR="0" rtl="0" algn="l">
-              <a:spcBef>
-                <a:spcPts val="0"/>
-              </a:spcBef>
-              <a:spcAft>
-                <a:spcPts val="0"/>
-              </a:spcAft>
-              <a:buSzPts val="1400"/>
-              <a:buNone/>
-              <a:defRPr b="0" i="0" sz="5184" u="none" cap="none" strike="noStrike">
+            <a:lvl3pPr marR="0" lvl="2" algn="l" rtl="0">
+              <a:spcBef>
+                <a:spcPts val="0"/>
+              </a:spcBef>
+              <a:spcAft>
+                <a:spcPts val="0"/>
+              </a:spcAft>
+              <a:buSzPts val="1400"/>
+              <a:buNone/>
+              <a:defRPr sz="5184" b="0" i="0" u="none" strike="noStrike" cap="none">
                 <a:solidFill>
                   <a:schemeClr val="dk1"/>
                 </a:solidFill>
@@ -10493,16 +10746,16 @@
                 <a:sym typeface="Calibri"/>
               </a:defRPr>
             </a:lvl3pPr>
-            <a:lvl4pPr lvl="3" marR="0" rtl="0" algn="l">
-              <a:spcBef>
-                <a:spcPts val="0"/>
-              </a:spcBef>
-              <a:spcAft>
-                <a:spcPts val="0"/>
-              </a:spcAft>
-              <a:buSzPts val="1400"/>
-              <a:buNone/>
-              <a:defRPr b="0" i="0" sz="5184" u="none" cap="none" strike="noStrike">
+            <a:lvl4pPr marR="0" lvl="3" algn="l" rtl="0">
+              <a:spcBef>
+                <a:spcPts val="0"/>
+              </a:spcBef>
+              <a:spcAft>
+                <a:spcPts val="0"/>
+              </a:spcAft>
+              <a:buSzPts val="1400"/>
+              <a:buNone/>
+              <a:defRPr sz="5184" b="0" i="0" u="none" strike="noStrike" cap="none">
                 <a:solidFill>
                   <a:schemeClr val="dk1"/>
                 </a:solidFill>
@@ -10512,16 +10765,16 @@
                 <a:sym typeface="Calibri"/>
               </a:defRPr>
             </a:lvl4pPr>
-            <a:lvl5pPr lvl="4" marR="0" rtl="0" algn="l">
-              <a:spcBef>
-                <a:spcPts val="0"/>
-              </a:spcBef>
-              <a:spcAft>
-                <a:spcPts val="0"/>
-              </a:spcAft>
-              <a:buSzPts val="1400"/>
-              <a:buNone/>
-              <a:defRPr b="0" i="0" sz="5184" u="none" cap="none" strike="noStrike">
+            <a:lvl5pPr marR="0" lvl="4" algn="l" rtl="0">
+              <a:spcBef>
+                <a:spcPts val="0"/>
+              </a:spcBef>
+              <a:spcAft>
+                <a:spcPts val="0"/>
+              </a:spcAft>
+              <a:buSzPts val="1400"/>
+              <a:buNone/>
+              <a:defRPr sz="5184" b="0" i="0" u="none" strike="noStrike" cap="none">
                 <a:solidFill>
                   <a:schemeClr val="dk1"/>
                 </a:solidFill>
@@ -10531,16 +10784,16 @@
                 <a:sym typeface="Calibri"/>
               </a:defRPr>
             </a:lvl5pPr>
-            <a:lvl6pPr lvl="5" marR="0" rtl="0" algn="l">
-              <a:spcBef>
-                <a:spcPts val="0"/>
-              </a:spcBef>
-              <a:spcAft>
-                <a:spcPts val="0"/>
-              </a:spcAft>
-              <a:buSzPts val="1400"/>
-              <a:buNone/>
-              <a:defRPr b="0" i="0" sz="5184" u="none" cap="none" strike="noStrike">
+            <a:lvl6pPr marR="0" lvl="5" algn="l" rtl="0">
+              <a:spcBef>
+                <a:spcPts val="0"/>
+              </a:spcBef>
+              <a:spcAft>
+                <a:spcPts val="0"/>
+              </a:spcAft>
+              <a:buSzPts val="1400"/>
+              <a:buNone/>
+              <a:defRPr sz="5184" b="0" i="0" u="none" strike="noStrike" cap="none">
                 <a:solidFill>
                   <a:schemeClr val="dk1"/>
                 </a:solidFill>
@@ -10550,16 +10803,16 @@
                 <a:sym typeface="Calibri"/>
               </a:defRPr>
             </a:lvl6pPr>
-            <a:lvl7pPr lvl="6" marR="0" rtl="0" algn="l">
-              <a:spcBef>
-                <a:spcPts val="0"/>
-              </a:spcBef>
-              <a:spcAft>
-                <a:spcPts val="0"/>
-              </a:spcAft>
-              <a:buSzPts val="1400"/>
-              <a:buNone/>
-              <a:defRPr b="0" i="0" sz="5184" u="none" cap="none" strike="noStrike">
+            <a:lvl7pPr marR="0" lvl="6" algn="l" rtl="0">
+              <a:spcBef>
+                <a:spcPts val="0"/>
+              </a:spcBef>
+              <a:spcAft>
+                <a:spcPts val="0"/>
+              </a:spcAft>
+              <a:buSzPts val="1400"/>
+              <a:buNone/>
+              <a:defRPr sz="5184" b="0" i="0" u="none" strike="noStrike" cap="none">
                 <a:solidFill>
                   <a:schemeClr val="dk1"/>
                 </a:solidFill>
@@ -10569,16 +10822,16 @@
                 <a:sym typeface="Calibri"/>
               </a:defRPr>
             </a:lvl7pPr>
-            <a:lvl8pPr lvl="7" marR="0" rtl="0" algn="l">
-              <a:spcBef>
-                <a:spcPts val="0"/>
-              </a:spcBef>
-              <a:spcAft>
-                <a:spcPts val="0"/>
-              </a:spcAft>
-              <a:buSzPts val="1400"/>
-              <a:buNone/>
-              <a:defRPr b="0" i="0" sz="5184" u="none" cap="none" strike="noStrike">
+            <a:lvl8pPr marR="0" lvl="7" algn="l" rtl="0">
+              <a:spcBef>
+                <a:spcPts val="0"/>
+              </a:spcBef>
+              <a:spcAft>
+                <a:spcPts val="0"/>
+              </a:spcAft>
+              <a:buSzPts val="1400"/>
+              <a:buNone/>
+              <a:defRPr sz="5184" b="0" i="0" u="none" strike="noStrike" cap="none">
                 <a:solidFill>
                   <a:schemeClr val="dk1"/>
                 </a:solidFill>
@@ -10588,16 +10841,16 @@
                 <a:sym typeface="Calibri"/>
               </a:defRPr>
             </a:lvl8pPr>
-            <a:lvl9pPr lvl="8" marR="0" rtl="0" algn="l">
-              <a:spcBef>
-                <a:spcPts val="0"/>
-              </a:spcBef>
-              <a:spcAft>
-                <a:spcPts val="0"/>
-              </a:spcAft>
-              <a:buSzPts val="1400"/>
-              <a:buNone/>
-              <a:defRPr b="0" i="0" sz="5184" u="none" cap="none" strike="noStrike">
+            <a:lvl9pPr marR="0" lvl="8" algn="l" rtl="0">
+              <a:spcBef>
+                <a:spcPts val="0"/>
+              </a:spcBef>
+              <a:spcAft>
+                <a:spcPts val="0"/>
+              </a:spcAft>
+              <a:buSzPts val="1400"/>
+              <a:buNone/>
+              <a:defRPr sz="5184" b="0" i="0" u="none" strike="noStrike" cap="none">
                 <a:solidFill>
                   <a:schemeClr val="dk1"/>
                 </a:solidFill>
@@ -10608,15 +10861,19 @@
               </a:defRPr>
             </a:lvl9pPr>
           </a:lstStyle>
-          <a:p/>
+          <a:p>
+            <a:endParaRPr/>
+          </a:p>
         </p:txBody>
       </p:sp>
       <p:sp>
         <p:nvSpPr>
           <p:cNvPr id="13" name="Google Shape;13;p1"/>
-          <p:cNvSpPr txBox="1"/>
+          <p:cNvSpPr txBox="1">
+            <a:spLocks noGrp="1"/>
+          </p:cNvSpPr>
           <p:nvPr>
-            <p:ph idx="11" type="ftr"/>
+            <p:ph type="ftr" idx="11"/>
           </p:nvPr>
         </p:nvSpPr>
         <p:spPr>
@@ -10633,18 +10890,18 @@
           </a:ln>
         </p:spPr>
         <p:txBody>
-          <a:bodyPr anchorCtr="0" anchor="ctr" bIns="45700" lIns="91425" spcFirstLastPara="1" rIns="91425" wrap="square" tIns="45700"/>
+          <a:bodyPr spcFirstLastPara="1" wrap="square" lIns="91425" tIns="45700" rIns="91425" bIns="45700" anchor="ctr" anchorCtr="0"/>
           <a:lstStyle>
-            <a:lvl1pPr lvl="0" marR="0" rtl="0" algn="ctr">
-              <a:spcBef>
-                <a:spcPts val="0"/>
-              </a:spcBef>
-              <a:spcAft>
-                <a:spcPts val="0"/>
-              </a:spcAft>
-              <a:buSzPts val="1400"/>
-              <a:buNone/>
-              <a:defRPr b="0" i="0" sz="3840" u="none" cap="none" strike="noStrike">
+            <a:lvl1pPr marR="0" lvl="0" algn="ctr" rtl="0">
+              <a:spcBef>
+                <a:spcPts val="0"/>
+              </a:spcBef>
+              <a:spcAft>
+                <a:spcPts val="0"/>
+              </a:spcAft>
+              <a:buSzPts val="1400"/>
+              <a:buNone/>
+              <a:defRPr sz="3840" b="0" i="0" u="none" strike="noStrike" cap="none">
                 <a:solidFill>
                   <a:srgbClr val="888888"/>
                 </a:solidFill>
@@ -10654,16 +10911,16 @@
                 <a:sym typeface="Calibri"/>
               </a:defRPr>
             </a:lvl1pPr>
-            <a:lvl2pPr lvl="1" marR="0" rtl="0" algn="l">
-              <a:spcBef>
-                <a:spcPts val="0"/>
-              </a:spcBef>
-              <a:spcAft>
-                <a:spcPts val="0"/>
-              </a:spcAft>
-              <a:buSzPts val="1400"/>
-              <a:buNone/>
-              <a:defRPr b="0" i="0" sz="5184" u="none" cap="none" strike="noStrike">
+            <a:lvl2pPr marR="0" lvl="1" algn="l" rtl="0">
+              <a:spcBef>
+                <a:spcPts val="0"/>
+              </a:spcBef>
+              <a:spcAft>
+                <a:spcPts val="0"/>
+              </a:spcAft>
+              <a:buSzPts val="1400"/>
+              <a:buNone/>
+              <a:defRPr sz="5184" b="0" i="0" u="none" strike="noStrike" cap="none">
                 <a:solidFill>
                   <a:schemeClr val="dk1"/>
                 </a:solidFill>
@@ -10673,16 +10930,16 @@
                 <a:sym typeface="Calibri"/>
               </a:defRPr>
             </a:lvl2pPr>
-            <a:lvl3pPr lvl="2" marR="0" rtl="0" algn="l">
-              <a:spcBef>
-                <a:spcPts val="0"/>
-              </a:spcBef>
-              <a:spcAft>
-                <a:spcPts val="0"/>
-              </a:spcAft>
-              <a:buSzPts val="1400"/>
-              <a:buNone/>
-              <a:defRPr b="0" i="0" sz="5184" u="none" cap="none" strike="noStrike">
+            <a:lvl3pPr marR="0" lvl="2" algn="l" rtl="0">
+              <a:spcBef>
+                <a:spcPts val="0"/>
+              </a:spcBef>
+              <a:spcAft>
+                <a:spcPts val="0"/>
+              </a:spcAft>
+              <a:buSzPts val="1400"/>
+              <a:buNone/>
+              <a:defRPr sz="5184" b="0" i="0" u="none" strike="noStrike" cap="none">
                 <a:solidFill>
                   <a:schemeClr val="dk1"/>
                 </a:solidFill>
@@ -10692,16 +10949,16 @@
                 <a:sym typeface="Calibri"/>
               </a:defRPr>
             </a:lvl3pPr>
-            <a:lvl4pPr lvl="3" marR="0" rtl="0" algn="l">
-              <a:spcBef>
-                <a:spcPts val="0"/>
-              </a:spcBef>
-              <a:spcAft>
-                <a:spcPts val="0"/>
-              </a:spcAft>
-              <a:buSzPts val="1400"/>
-              <a:buNone/>
-              <a:defRPr b="0" i="0" sz="5184" u="none" cap="none" strike="noStrike">
+            <a:lvl4pPr marR="0" lvl="3" algn="l" rtl="0">
+              <a:spcBef>
+                <a:spcPts val="0"/>
+              </a:spcBef>
+              <a:spcAft>
+                <a:spcPts val="0"/>
+              </a:spcAft>
+              <a:buSzPts val="1400"/>
+              <a:buNone/>
+              <a:defRPr sz="5184" b="0" i="0" u="none" strike="noStrike" cap="none">
                 <a:solidFill>
                   <a:schemeClr val="dk1"/>
                 </a:solidFill>
@@ -10711,16 +10968,16 @@
                 <a:sym typeface="Calibri"/>
               </a:defRPr>
             </a:lvl4pPr>
-            <a:lvl5pPr lvl="4" marR="0" rtl="0" algn="l">
-              <a:spcBef>
-                <a:spcPts val="0"/>
-              </a:spcBef>
-              <a:spcAft>
-                <a:spcPts val="0"/>
-              </a:spcAft>
-              <a:buSzPts val="1400"/>
-              <a:buNone/>
-              <a:defRPr b="0" i="0" sz="5184" u="none" cap="none" strike="noStrike">
+            <a:lvl5pPr marR="0" lvl="4" algn="l" rtl="0">
+              <a:spcBef>
+                <a:spcPts val="0"/>
+              </a:spcBef>
+              <a:spcAft>
+                <a:spcPts val="0"/>
+              </a:spcAft>
+              <a:buSzPts val="1400"/>
+              <a:buNone/>
+              <a:defRPr sz="5184" b="0" i="0" u="none" strike="noStrike" cap="none">
                 <a:solidFill>
                   <a:schemeClr val="dk1"/>
                 </a:solidFill>
@@ -10730,16 +10987,16 @@
                 <a:sym typeface="Calibri"/>
               </a:defRPr>
             </a:lvl5pPr>
-            <a:lvl6pPr lvl="5" marR="0" rtl="0" algn="l">
-              <a:spcBef>
-                <a:spcPts val="0"/>
-              </a:spcBef>
-              <a:spcAft>
-                <a:spcPts val="0"/>
-              </a:spcAft>
-              <a:buSzPts val="1400"/>
-              <a:buNone/>
-              <a:defRPr b="0" i="0" sz="5184" u="none" cap="none" strike="noStrike">
+            <a:lvl6pPr marR="0" lvl="5" algn="l" rtl="0">
+              <a:spcBef>
+                <a:spcPts val="0"/>
+              </a:spcBef>
+              <a:spcAft>
+                <a:spcPts val="0"/>
+              </a:spcAft>
+              <a:buSzPts val="1400"/>
+              <a:buNone/>
+              <a:defRPr sz="5184" b="0" i="0" u="none" strike="noStrike" cap="none">
                 <a:solidFill>
                   <a:schemeClr val="dk1"/>
                 </a:solidFill>
@@ -10749,16 +11006,16 @@
                 <a:sym typeface="Calibri"/>
               </a:defRPr>
             </a:lvl6pPr>
-            <a:lvl7pPr lvl="6" marR="0" rtl="0" algn="l">
-              <a:spcBef>
-                <a:spcPts val="0"/>
-              </a:spcBef>
-              <a:spcAft>
-                <a:spcPts val="0"/>
-              </a:spcAft>
-              <a:buSzPts val="1400"/>
-              <a:buNone/>
-              <a:defRPr b="0" i="0" sz="5184" u="none" cap="none" strike="noStrike">
+            <a:lvl7pPr marR="0" lvl="6" algn="l" rtl="0">
+              <a:spcBef>
+                <a:spcPts val="0"/>
+              </a:spcBef>
+              <a:spcAft>
+                <a:spcPts val="0"/>
+              </a:spcAft>
+              <a:buSzPts val="1400"/>
+              <a:buNone/>
+              <a:defRPr sz="5184" b="0" i="0" u="none" strike="noStrike" cap="none">
                 <a:solidFill>
                   <a:schemeClr val="dk1"/>
                 </a:solidFill>
@@ -10768,16 +11025,16 @@
                 <a:sym typeface="Calibri"/>
               </a:defRPr>
             </a:lvl7pPr>
-            <a:lvl8pPr lvl="7" marR="0" rtl="0" algn="l">
-              <a:spcBef>
-                <a:spcPts val="0"/>
-              </a:spcBef>
-              <a:spcAft>
-                <a:spcPts val="0"/>
-              </a:spcAft>
-              <a:buSzPts val="1400"/>
-              <a:buNone/>
-              <a:defRPr b="0" i="0" sz="5184" u="none" cap="none" strike="noStrike">
+            <a:lvl8pPr marR="0" lvl="7" algn="l" rtl="0">
+              <a:spcBef>
+                <a:spcPts val="0"/>
+              </a:spcBef>
+              <a:spcAft>
+                <a:spcPts val="0"/>
+              </a:spcAft>
+              <a:buSzPts val="1400"/>
+              <a:buNone/>
+              <a:defRPr sz="5184" b="0" i="0" u="none" strike="noStrike" cap="none">
                 <a:solidFill>
                   <a:schemeClr val="dk1"/>
                 </a:solidFill>
@@ -10787,16 +11044,16 @@
                 <a:sym typeface="Calibri"/>
               </a:defRPr>
             </a:lvl8pPr>
-            <a:lvl9pPr lvl="8" marR="0" rtl="0" algn="l">
-              <a:spcBef>
-                <a:spcPts val="0"/>
-              </a:spcBef>
-              <a:spcAft>
-                <a:spcPts val="0"/>
-              </a:spcAft>
-              <a:buSzPts val="1400"/>
-              <a:buNone/>
-              <a:defRPr b="0" i="0" sz="5184" u="none" cap="none" strike="noStrike">
+            <a:lvl9pPr marR="0" lvl="8" algn="l" rtl="0">
+              <a:spcBef>
+                <a:spcPts val="0"/>
+              </a:spcBef>
+              <a:spcAft>
+                <a:spcPts val="0"/>
+              </a:spcAft>
+              <a:buSzPts val="1400"/>
+              <a:buNone/>
+              <a:defRPr sz="5184" b="0" i="0" u="none" strike="noStrike" cap="none">
                 <a:solidFill>
                   <a:schemeClr val="dk1"/>
                 </a:solidFill>
@@ -10807,15 +11064,19 @@
               </a:defRPr>
             </a:lvl9pPr>
           </a:lstStyle>
-          <a:p/>
+          <a:p>
+            <a:endParaRPr/>
+          </a:p>
         </p:txBody>
       </p:sp>
       <p:sp>
         <p:nvSpPr>
           <p:cNvPr id="14" name="Google Shape;14;p1"/>
-          <p:cNvSpPr txBox="1"/>
+          <p:cNvSpPr txBox="1">
+            <a:spLocks noGrp="1"/>
+          </p:cNvSpPr>
           <p:nvPr>
-            <p:ph idx="12" type="sldNum"/>
+            <p:ph type="sldNum" idx="12"/>
           </p:nvPr>
         </p:nvSpPr>
         <p:spPr>
@@ -10832,16 +11093,16 @@
           </a:ln>
         </p:spPr>
         <p:txBody>
-          <a:bodyPr anchorCtr="0" anchor="ctr" bIns="45700" lIns="91425" spcFirstLastPara="1" rIns="91425" wrap="square" tIns="45700">
+          <a:bodyPr spcFirstLastPara="1" wrap="square" lIns="91425" tIns="45700" rIns="91425" bIns="45700" anchor="ctr" anchorCtr="0">
             <a:noAutofit/>
           </a:bodyPr>
           <a:lstStyle>
-            <a:lvl1pPr indent="0" lvl="0" marL="0" marR="0" rtl="0" algn="r">
-              <a:spcBef>
-                <a:spcPts val="0"/>
-              </a:spcBef>
-              <a:buNone/>
-              <a:defRPr b="0" i="0" sz="3840" u="none" cap="none" strike="noStrike">
+            <a:lvl1pPr marL="0" marR="0" lvl="0" indent="0" algn="r" rtl="0">
+              <a:spcBef>
+                <a:spcPts val="0"/>
+              </a:spcBef>
+              <a:buNone/>
+              <a:defRPr sz="3840" b="0" i="0" u="none" strike="noStrike" cap="none">
                 <a:solidFill>
                   <a:srgbClr val="888888"/>
                 </a:solidFill>
@@ -10851,12 +11112,12 @@
                 <a:sym typeface="Calibri"/>
               </a:defRPr>
             </a:lvl1pPr>
-            <a:lvl2pPr indent="0" lvl="1" marL="0" marR="0" rtl="0" algn="r">
-              <a:spcBef>
-                <a:spcPts val="0"/>
-              </a:spcBef>
-              <a:buNone/>
-              <a:defRPr b="0" i="0" sz="3840" u="none" cap="none" strike="noStrike">
+            <a:lvl2pPr marL="0" marR="0" lvl="1" indent="0" algn="r" rtl="0">
+              <a:spcBef>
+                <a:spcPts val="0"/>
+              </a:spcBef>
+              <a:buNone/>
+              <a:defRPr sz="3840" b="0" i="0" u="none" strike="noStrike" cap="none">
                 <a:solidFill>
                   <a:srgbClr val="888888"/>
                 </a:solidFill>
@@ -10866,12 +11127,12 @@
                 <a:sym typeface="Calibri"/>
               </a:defRPr>
             </a:lvl2pPr>
-            <a:lvl3pPr indent="0" lvl="2" marL="0" marR="0" rtl="0" algn="r">
-              <a:spcBef>
-                <a:spcPts val="0"/>
-              </a:spcBef>
-              <a:buNone/>
-              <a:defRPr b="0" i="0" sz="3840" u="none" cap="none" strike="noStrike">
+            <a:lvl3pPr marL="0" marR="0" lvl="2" indent="0" algn="r" rtl="0">
+              <a:spcBef>
+                <a:spcPts val="0"/>
+              </a:spcBef>
+              <a:buNone/>
+              <a:defRPr sz="3840" b="0" i="0" u="none" strike="noStrike" cap="none">
                 <a:solidFill>
                   <a:srgbClr val="888888"/>
                 </a:solidFill>
@@ -10881,12 +11142,12 @@
                 <a:sym typeface="Calibri"/>
               </a:defRPr>
             </a:lvl3pPr>
-            <a:lvl4pPr indent="0" lvl="3" marL="0" marR="0" rtl="0" algn="r">
-              <a:spcBef>
-                <a:spcPts val="0"/>
-              </a:spcBef>
-              <a:buNone/>
-              <a:defRPr b="0" i="0" sz="3840" u="none" cap="none" strike="noStrike">
+            <a:lvl4pPr marL="0" marR="0" lvl="3" indent="0" algn="r" rtl="0">
+              <a:spcBef>
+                <a:spcPts val="0"/>
+              </a:spcBef>
+              <a:buNone/>
+              <a:defRPr sz="3840" b="0" i="0" u="none" strike="noStrike" cap="none">
                 <a:solidFill>
                   <a:srgbClr val="888888"/>
                 </a:solidFill>
@@ -10896,12 +11157,12 @@
                 <a:sym typeface="Calibri"/>
               </a:defRPr>
             </a:lvl4pPr>
-            <a:lvl5pPr indent="0" lvl="4" marL="0" marR="0" rtl="0" algn="r">
-              <a:spcBef>
-                <a:spcPts val="0"/>
-              </a:spcBef>
-              <a:buNone/>
-              <a:defRPr b="0" i="0" sz="3840" u="none" cap="none" strike="noStrike">
+            <a:lvl5pPr marL="0" marR="0" lvl="4" indent="0" algn="r" rtl="0">
+              <a:spcBef>
+                <a:spcPts val="0"/>
+              </a:spcBef>
+              <a:buNone/>
+              <a:defRPr sz="3840" b="0" i="0" u="none" strike="noStrike" cap="none">
                 <a:solidFill>
                   <a:srgbClr val="888888"/>
                 </a:solidFill>
@@ -10911,12 +11172,12 @@
                 <a:sym typeface="Calibri"/>
               </a:defRPr>
             </a:lvl5pPr>
-            <a:lvl6pPr indent="0" lvl="5" marL="0" marR="0" rtl="0" algn="r">
-              <a:spcBef>
-                <a:spcPts val="0"/>
-              </a:spcBef>
-              <a:buNone/>
-              <a:defRPr b="0" i="0" sz="3840" u="none" cap="none" strike="noStrike">
+            <a:lvl6pPr marL="0" marR="0" lvl="5" indent="0" algn="r" rtl="0">
+              <a:spcBef>
+                <a:spcPts val="0"/>
+              </a:spcBef>
+              <a:buNone/>
+              <a:defRPr sz="3840" b="0" i="0" u="none" strike="noStrike" cap="none">
                 <a:solidFill>
                   <a:srgbClr val="888888"/>
                 </a:solidFill>
@@ -10926,12 +11187,12 @@
                 <a:sym typeface="Calibri"/>
               </a:defRPr>
             </a:lvl6pPr>
-            <a:lvl7pPr indent="0" lvl="6" marL="0" marR="0" rtl="0" algn="r">
-              <a:spcBef>
-                <a:spcPts val="0"/>
-              </a:spcBef>
-              <a:buNone/>
-              <a:defRPr b="0" i="0" sz="3840" u="none" cap="none" strike="noStrike">
+            <a:lvl7pPr marL="0" marR="0" lvl="6" indent="0" algn="r" rtl="0">
+              <a:spcBef>
+                <a:spcPts val="0"/>
+              </a:spcBef>
+              <a:buNone/>
+              <a:defRPr sz="3840" b="0" i="0" u="none" strike="noStrike" cap="none">
                 <a:solidFill>
                   <a:srgbClr val="888888"/>
                 </a:solidFill>
@@ -10941,12 +11202,12 @@
                 <a:sym typeface="Calibri"/>
               </a:defRPr>
             </a:lvl7pPr>
-            <a:lvl8pPr indent="0" lvl="7" marL="0" marR="0" rtl="0" algn="r">
-              <a:spcBef>
-                <a:spcPts val="0"/>
-              </a:spcBef>
-              <a:buNone/>
-              <a:defRPr b="0" i="0" sz="3840" u="none" cap="none" strike="noStrike">
+            <a:lvl8pPr marL="0" marR="0" lvl="7" indent="0" algn="r" rtl="0">
+              <a:spcBef>
+                <a:spcPts val="0"/>
+              </a:spcBef>
+              <a:buNone/>
+              <a:defRPr sz="3840" b="0" i="0" u="none" strike="noStrike" cap="none">
                 <a:solidFill>
                   <a:srgbClr val="888888"/>
                 </a:solidFill>
@@ -10956,12 +11217,12 @@
                 <a:sym typeface="Calibri"/>
               </a:defRPr>
             </a:lvl8pPr>
-            <a:lvl9pPr indent="0" lvl="8" marL="0" marR="0" rtl="0" algn="r">
-              <a:spcBef>
-                <a:spcPts val="0"/>
-              </a:spcBef>
-              <a:buNone/>
-              <a:defRPr b="0" i="0" sz="3840" u="none" cap="none" strike="noStrike">
+            <a:lvl9pPr marL="0" marR="0" lvl="8" indent="0" algn="r" rtl="0">
+              <a:spcBef>
+                <a:spcPts val="0"/>
+              </a:spcBef>
+              <a:buNone/>
+              <a:defRPr sz="3840" b="0" i="0" u="none" strike="noStrike" cap="none">
                 <a:solidFill>
                   <a:srgbClr val="888888"/>
                 </a:solidFill>
@@ -10973,7 +11234,7 @@
             </a:lvl9pPr>
           </a:lstStyle>
           <a:p>
-            <a:pPr indent="0" lvl="0" marL="0" rtl="0" algn="r">
+            <a:pPr marL="0" lvl="0" indent="0" algn="r" rtl="0">
               <a:spcBef>
                 <a:spcPts val="0"/>
               </a:spcBef>
@@ -10992,7 +11253,7 @@
       </p:sp>
     </p:spTree>
   </p:cSld>
-  <p:clrMap accent1="accent1" accent2="accent2" accent3="accent3" accent4="accent4" accent5="accent5" accent6="accent6" bg1="lt1" bg2="dk2" tx1="dk1" tx2="lt2" folHlink="folHlink" hlink="hlink"/>
+  <p:clrMap bg1="lt1" tx1="dk1" bg2="dk2" tx2="lt2" accent1="accent1" accent2="accent2" accent3="accent3" accent4="accent4" accent5="accent5" accent6="accent6" hlink="hlink" folHlink="folHlink"/>
   <p:sldLayoutIdLst>
     <p:sldLayoutId id="2147483648" r:id="rId1"/>
     <p:sldLayoutId id="2147483649" r:id="rId2"/>
@@ -11006,10 +11267,10 @@
     <p:sldLayoutId id="2147483657" r:id="rId10"/>
     <p:sldLayoutId id="2147483658" r:id="rId11"/>
   </p:sldLayoutIdLst>
-  <p:hf dt="0" ftr="0" hdr="0" sldNum="0"/>
+  <p:hf sldNum="0" hdr="0" ftr="0" dt="0"/>
   <p:txStyles>
     <p:titleStyle>
-      <a:defPPr lvl="0" marR="0" rtl="0" algn="l">
+      <a:defPPr marR="0" lvl="0" algn="l" rtl="0">
         <a:lnSpc>
           <a:spcPct val="100000"/>
         </a:lnSpc>
@@ -11020,7 +11281,7 @@
           <a:spcPts val="0"/>
         </a:spcAft>
       </a:defPPr>
-      <a:lvl1pPr lvl="0" marR="0" rtl="0" algn="l">
+      <a:lvl1pPr marR="0" lvl="0" algn="l" rtl="0">
         <a:lnSpc>
           <a:spcPct val="100000"/>
         </a:lnSpc>
@@ -11034,7 +11295,7 @@
           <a:srgbClr val="000000"/>
         </a:buClr>
         <a:buFont typeface="Arial"/>
-        <a:defRPr b="0" i="0" sz="1400" u="none" cap="none" strike="noStrike">
+        <a:defRPr sz="1400" b="0" i="0" u="none" strike="noStrike" cap="none">
           <a:solidFill>
             <a:srgbClr val="000000"/>
           </a:solidFill>
@@ -11044,7 +11305,7 @@
           <a:sym typeface="Arial"/>
         </a:defRPr>
       </a:lvl1pPr>
-      <a:lvl2pPr lvl="1" marR="0" rtl="0" algn="l">
+      <a:lvl2pPr marR="0" lvl="1" algn="l" rtl="0">
         <a:lnSpc>
           <a:spcPct val="100000"/>
         </a:lnSpc>
@@ -11058,7 +11319,7 @@
           <a:srgbClr val="000000"/>
         </a:buClr>
         <a:buFont typeface="Arial"/>
-        <a:defRPr b="0" i="0" sz="1400" u="none" cap="none" strike="noStrike">
+        <a:defRPr sz="1400" b="0" i="0" u="none" strike="noStrike" cap="none">
           <a:solidFill>
             <a:srgbClr val="000000"/>
           </a:solidFill>
@@ -11068,7 +11329,7 @@
           <a:sym typeface="Arial"/>
         </a:defRPr>
       </a:lvl2pPr>
-      <a:lvl3pPr lvl="2" marR="0" rtl="0" algn="l">
+      <a:lvl3pPr marR="0" lvl="2" algn="l" rtl="0">
         <a:lnSpc>
           <a:spcPct val="100000"/>
         </a:lnSpc>
@@ -11082,7 +11343,7 @@
           <a:srgbClr val="000000"/>
         </a:buClr>
         <a:buFont typeface="Arial"/>
-        <a:defRPr b="0" i="0" sz="1400" u="none" cap="none" strike="noStrike">
+        <a:defRPr sz="1400" b="0" i="0" u="none" strike="noStrike" cap="none">
           <a:solidFill>
             <a:srgbClr val="000000"/>
           </a:solidFill>
@@ -11092,7 +11353,7 @@
           <a:sym typeface="Arial"/>
         </a:defRPr>
       </a:lvl3pPr>
-      <a:lvl4pPr lvl="3" marR="0" rtl="0" algn="l">
+      <a:lvl4pPr marR="0" lvl="3" algn="l" rtl="0">
         <a:lnSpc>
           <a:spcPct val="100000"/>
         </a:lnSpc>
@@ -11106,7 +11367,7 @@
           <a:srgbClr val="000000"/>
         </a:buClr>
         <a:buFont typeface="Arial"/>
-        <a:defRPr b="0" i="0" sz="1400" u="none" cap="none" strike="noStrike">
+        <a:defRPr sz="1400" b="0" i="0" u="none" strike="noStrike" cap="none">
           <a:solidFill>
             <a:srgbClr val="000000"/>
           </a:solidFill>
@@ -11116,7 +11377,7 @@
           <a:sym typeface="Arial"/>
         </a:defRPr>
       </a:lvl4pPr>
-      <a:lvl5pPr lvl="4" marR="0" rtl="0" algn="l">
+      <a:lvl5pPr marR="0" lvl="4" algn="l" rtl="0">
         <a:lnSpc>
           <a:spcPct val="100000"/>
         </a:lnSpc>
@@ -11130,7 +11391,7 @@
           <a:srgbClr val="000000"/>
         </a:buClr>
         <a:buFont typeface="Arial"/>
-        <a:defRPr b="0" i="0" sz="1400" u="none" cap="none" strike="noStrike">
+        <a:defRPr sz="1400" b="0" i="0" u="none" strike="noStrike" cap="none">
           <a:solidFill>
             <a:srgbClr val="000000"/>
           </a:solidFill>
@@ -11140,7 +11401,7 @@
           <a:sym typeface="Arial"/>
         </a:defRPr>
       </a:lvl5pPr>
-      <a:lvl6pPr lvl="5" marR="0" rtl="0" algn="l">
+      <a:lvl6pPr marR="0" lvl="5" algn="l" rtl="0">
         <a:lnSpc>
           <a:spcPct val="100000"/>
         </a:lnSpc>
@@ -11154,7 +11415,7 @@
           <a:srgbClr val="000000"/>
         </a:buClr>
         <a:buFont typeface="Arial"/>
-        <a:defRPr b="0" i="0" sz="1400" u="none" cap="none" strike="noStrike">
+        <a:defRPr sz="1400" b="0" i="0" u="none" strike="noStrike" cap="none">
           <a:solidFill>
             <a:srgbClr val="000000"/>
           </a:solidFill>
@@ -11164,7 +11425,7 @@
           <a:sym typeface="Arial"/>
         </a:defRPr>
       </a:lvl6pPr>
-      <a:lvl7pPr lvl="6" marR="0" rtl="0" algn="l">
+      <a:lvl7pPr marR="0" lvl="6" algn="l" rtl="0">
         <a:lnSpc>
           <a:spcPct val="100000"/>
         </a:lnSpc>
@@ -11178,7 +11439,7 @@
           <a:srgbClr val="000000"/>
         </a:buClr>
         <a:buFont typeface="Arial"/>
-        <a:defRPr b="0" i="0" sz="1400" u="none" cap="none" strike="noStrike">
+        <a:defRPr sz="1400" b="0" i="0" u="none" strike="noStrike" cap="none">
           <a:solidFill>
             <a:srgbClr val="000000"/>
           </a:solidFill>
@@ -11188,7 +11449,7 @@
           <a:sym typeface="Arial"/>
         </a:defRPr>
       </a:lvl7pPr>
-      <a:lvl8pPr lvl="7" marR="0" rtl="0" algn="l">
+      <a:lvl8pPr marR="0" lvl="7" algn="l" rtl="0">
         <a:lnSpc>
           <a:spcPct val="100000"/>
         </a:lnSpc>
@@ -11202,7 +11463,7 @@
           <a:srgbClr val="000000"/>
         </a:buClr>
         <a:buFont typeface="Arial"/>
-        <a:defRPr b="0" i="0" sz="1400" u="none" cap="none" strike="noStrike">
+        <a:defRPr sz="1400" b="0" i="0" u="none" strike="noStrike" cap="none">
           <a:solidFill>
             <a:srgbClr val="000000"/>
           </a:solidFill>
@@ -11212,7 +11473,7 @@
           <a:sym typeface="Arial"/>
         </a:defRPr>
       </a:lvl8pPr>
-      <a:lvl9pPr lvl="8" marR="0" rtl="0" algn="l">
+      <a:lvl9pPr marR="0" lvl="8" algn="l" rtl="0">
         <a:lnSpc>
           <a:spcPct val="100000"/>
         </a:lnSpc>
@@ -11226,7 +11487,7 @@
           <a:srgbClr val="000000"/>
         </a:buClr>
         <a:buFont typeface="Arial"/>
-        <a:defRPr b="0" i="0" sz="1400" u="none" cap="none" strike="noStrike">
+        <a:defRPr sz="1400" b="0" i="0" u="none" strike="noStrike" cap="none">
           <a:solidFill>
             <a:srgbClr val="000000"/>
           </a:solidFill>
@@ -11238,7 +11499,7 @@
       </a:lvl9pPr>
     </p:titleStyle>
     <p:bodyStyle>
-      <a:defPPr lvl="0" marR="0" rtl="0" algn="l">
+      <a:defPPr marR="0" lvl="0" algn="l" rtl="0">
         <a:lnSpc>
           <a:spcPct val="100000"/>
         </a:lnSpc>
@@ -11249,7 +11510,7 @@
           <a:spcPts val="0"/>
         </a:spcAft>
       </a:defPPr>
-      <a:lvl1pPr lvl="0" marR="0" rtl="0" algn="l">
+      <a:lvl1pPr marR="0" lvl="0" algn="l" rtl="0">
         <a:lnSpc>
           <a:spcPct val="100000"/>
         </a:lnSpc>
@@ -11263,7 +11524,7 @@
           <a:srgbClr val="000000"/>
         </a:buClr>
         <a:buFont typeface="Arial"/>
-        <a:defRPr b="0" i="0" sz="1400" u="none" cap="none" strike="noStrike">
+        <a:defRPr sz="1400" b="0" i="0" u="none" strike="noStrike" cap="none">
           <a:solidFill>
             <a:srgbClr val="000000"/>
           </a:solidFill>
@@ -11273,7 +11534,7 @@
           <a:sym typeface="Arial"/>
         </a:defRPr>
       </a:lvl1pPr>
-      <a:lvl2pPr lvl="1" marR="0" rtl="0" algn="l">
+      <a:lvl2pPr marR="0" lvl="1" algn="l" rtl="0">
         <a:lnSpc>
           <a:spcPct val="100000"/>
         </a:lnSpc>
@@ -11287,7 +11548,7 @@
           <a:srgbClr val="000000"/>
         </a:buClr>
         <a:buFont typeface="Arial"/>
-        <a:defRPr b="0" i="0" sz="1400" u="none" cap="none" strike="noStrike">
+        <a:defRPr sz="1400" b="0" i="0" u="none" strike="noStrike" cap="none">
           <a:solidFill>
             <a:srgbClr val="000000"/>
           </a:solidFill>
@@ -11297,7 +11558,7 @@
           <a:sym typeface="Arial"/>
         </a:defRPr>
       </a:lvl2pPr>
-      <a:lvl3pPr lvl="2" marR="0" rtl="0" algn="l">
+      <a:lvl3pPr marR="0" lvl="2" algn="l" rtl="0">
         <a:lnSpc>
           <a:spcPct val="100000"/>
         </a:lnSpc>
@@ -11311,7 +11572,7 @@
           <a:srgbClr val="000000"/>
         </a:buClr>
         <a:buFont typeface="Arial"/>
-        <a:defRPr b="0" i="0" sz="1400" u="none" cap="none" strike="noStrike">
+        <a:defRPr sz="1400" b="0" i="0" u="none" strike="noStrike" cap="none">
           <a:solidFill>
             <a:srgbClr val="000000"/>
           </a:solidFill>
@@ -11321,7 +11582,7 @@
           <a:sym typeface="Arial"/>
         </a:defRPr>
       </a:lvl3pPr>
-      <a:lvl4pPr lvl="3" marR="0" rtl="0" algn="l">
+      <a:lvl4pPr marR="0" lvl="3" algn="l" rtl="0">
         <a:lnSpc>
           <a:spcPct val="100000"/>
         </a:lnSpc>
@@ -11335,7 +11596,7 @@
           <a:srgbClr val="000000"/>
         </a:buClr>
         <a:buFont typeface="Arial"/>
-        <a:defRPr b="0" i="0" sz="1400" u="none" cap="none" strike="noStrike">
+        <a:defRPr sz="1400" b="0" i="0" u="none" strike="noStrike" cap="none">
           <a:solidFill>
             <a:srgbClr val="000000"/>
           </a:solidFill>
@@ -11345,7 +11606,7 @@
           <a:sym typeface="Arial"/>
         </a:defRPr>
       </a:lvl4pPr>
-      <a:lvl5pPr lvl="4" marR="0" rtl="0" algn="l">
+      <a:lvl5pPr marR="0" lvl="4" algn="l" rtl="0">
         <a:lnSpc>
           <a:spcPct val="100000"/>
         </a:lnSpc>
@@ -11359,7 +11620,7 @@
           <a:srgbClr val="000000"/>
         </a:buClr>
         <a:buFont typeface="Arial"/>
-        <a:defRPr b="0" i="0" sz="1400" u="none" cap="none" strike="noStrike">
+        <a:defRPr sz="1400" b="0" i="0" u="none" strike="noStrike" cap="none">
           <a:solidFill>
             <a:srgbClr val="000000"/>
           </a:solidFill>
@@ -11369,7 +11630,7 @@
           <a:sym typeface="Arial"/>
         </a:defRPr>
       </a:lvl5pPr>
-      <a:lvl6pPr lvl="5" marR="0" rtl="0" algn="l">
+      <a:lvl6pPr marR="0" lvl="5" algn="l" rtl="0">
         <a:lnSpc>
           <a:spcPct val="100000"/>
         </a:lnSpc>
@@ -11383,7 +11644,7 @@
           <a:srgbClr val="000000"/>
         </a:buClr>
         <a:buFont typeface="Arial"/>
-        <a:defRPr b="0" i="0" sz="1400" u="none" cap="none" strike="noStrike">
+        <a:defRPr sz="1400" b="0" i="0" u="none" strike="noStrike" cap="none">
           <a:solidFill>
             <a:srgbClr val="000000"/>
           </a:solidFill>
@@ -11393,7 +11654,7 @@
           <a:sym typeface="Arial"/>
         </a:defRPr>
       </a:lvl6pPr>
-      <a:lvl7pPr lvl="6" marR="0" rtl="0" algn="l">
+      <a:lvl7pPr marR="0" lvl="6" algn="l" rtl="0">
         <a:lnSpc>
           <a:spcPct val="100000"/>
         </a:lnSpc>
@@ -11407,7 +11668,7 @@
           <a:srgbClr val="000000"/>
         </a:buClr>
         <a:buFont typeface="Arial"/>
-        <a:defRPr b="0" i="0" sz="1400" u="none" cap="none" strike="noStrike">
+        <a:defRPr sz="1400" b="0" i="0" u="none" strike="noStrike" cap="none">
           <a:solidFill>
             <a:srgbClr val="000000"/>
           </a:solidFill>
@@ -11417,7 +11678,7 @@
           <a:sym typeface="Arial"/>
         </a:defRPr>
       </a:lvl7pPr>
-      <a:lvl8pPr lvl="7" marR="0" rtl="0" algn="l">
+      <a:lvl8pPr marR="0" lvl="7" algn="l" rtl="0">
         <a:lnSpc>
           <a:spcPct val="100000"/>
         </a:lnSpc>
@@ -11431,7 +11692,7 @@
           <a:srgbClr val="000000"/>
         </a:buClr>
         <a:buFont typeface="Arial"/>
-        <a:defRPr b="0" i="0" sz="1400" u="none" cap="none" strike="noStrike">
+        <a:defRPr sz="1400" b="0" i="0" u="none" strike="noStrike" cap="none">
           <a:solidFill>
             <a:srgbClr val="000000"/>
           </a:solidFill>
@@ -11441,7 +11702,7 @@
           <a:sym typeface="Arial"/>
         </a:defRPr>
       </a:lvl8pPr>
-      <a:lvl9pPr lvl="8" marR="0" rtl="0" algn="l">
+      <a:lvl9pPr marR="0" lvl="8" algn="l" rtl="0">
         <a:lnSpc>
           <a:spcPct val="100000"/>
         </a:lnSpc>
@@ -11455,7 +11716,7 @@
           <a:srgbClr val="000000"/>
         </a:buClr>
         <a:buFont typeface="Arial"/>
-        <a:defRPr b="0" i="0" sz="1400" u="none" cap="none" strike="noStrike">
+        <a:defRPr sz="1400" b="0" i="0" u="none" strike="noStrike" cap="none">
           <a:solidFill>
             <a:srgbClr val="000000"/>
           </a:solidFill>
@@ -11467,7 +11728,7 @@
       </a:lvl9pPr>
     </p:bodyStyle>
     <p:otherStyle>
-      <a:defPPr lvl="0" marR="0" rtl="0" algn="l">
+      <a:defPPr marR="0" lvl="0" algn="l" rtl="0">
         <a:lnSpc>
           <a:spcPct val="100000"/>
         </a:lnSpc>
@@ -11478,7 +11739,7 @@
           <a:spcPts val="0"/>
         </a:spcAft>
       </a:defPPr>
-      <a:lvl1pPr lvl="0" marR="0" rtl="0" algn="l">
+      <a:lvl1pPr marR="0" lvl="0" algn="l" rtl="0">
         <a:lnSpc>
           <a:spcPct val="100000"/>
         </a:lnSpc>
@@ -11492,7 +11753,7 @@
           <a:srgbClr val="000000"/>
         </a:buClr>
         <a:buFont typeface="Arial"/>
-        <a:defRPr b="0" i="0" sz="1400" u="none" cap="none" strike="noStrike">
+        <a:defRPr sz="1400" b="0" i="0" u="none" strike="noStrike" cap="none">
           <a:solidFill>
             <a:srgbClr val="000000"/>
           </a:solidFill>
@@ -11502,7 +11763,7 @@
           <a:sym typeface="Arial"/>
         </a:defRPr>
       </a:lvl1pPr>
-      <a:lvl2pPr lvl="1" marR="0" rtl="0" algn="l">
+      <a:lvl2pPr marR="0" lvl="1" algn="l" rtl="0">
         <a:lnSpc>
           <a:spcPct val="100000"/>
         </a:lnSpc>
@@ -11516,7 +11777,7 @@
           <a:srgbClr val="000000"/>
         </a:buClr>
         <a:buFont typeface="Arial"/>
-        <a:defRPr b="0" i="0" sz="1400" u="none" cap="none" strike="noStrike">
+        <a:defRPr sz="1400" b="0" i="0" u="none" strike="noStrike" cap="none">
           <a:solidFill>
             <a:srgbClr val="000000"/>
           </a:solidFill>
@@ -11526,7 +11787,7 @@
           <a:sym typeface="Arial"/>
         </a:defRPr>
       </a:lvl2pPr>
-      <a:lvl3pPr lvl="2" marR="0" rtl="0" algn="l">
+      <a:lvl3pPr marR="0" lvl="2" algn="l" rtl="0">
         <a:lnSpc>
           <a:spcPct val="100000"/>
         </a:lnSpc>
@@ -11540,7 +11801,7 @@
           <a:srgbClr val="000000"/>
         </a:buClr>
         <a:buFont typeface="Arial"/>
-        <a:defRPr b="0" i="0" sz="1400" u="none" cap="none" strike="noStrike">
+        <a:defRPr sz="1400" b="0" i="0" u="none" strike="noStrike" cap="none">
           <a:solidFill>
             <a:srgbClr val="000000"/>
           </a:solidFill>
@@ -11550,7 +11811,7 @@
           <a:sym typeface="Arial"/>
         </a:defRPr>
       </a:lvl3pPr>
-      <a:lvl4pPr lvl="3" marR="0" rtl="0" algn="l">
+      <a:lvl4pPr marR="0" lvl="3" algn="l" rtl="0">
         <a:lnSpc>
           <a:spcPct val="100000"/>
         </a:lnSpc>
@@ -11564,7 +11825,7 @@
           <a:srgbClr val="000000"/>
         </a:buClr>
         <a:buFont typeface="Arial"/>
-        <a:defRPr b="0" i="0" sz="1400" u="none" cap="none" strike="noStrike">
+        <a:defRPr sz="1400" b="0" i="0" u="none" strike="noStrike" cap="none">
           <a:solidFill>
             <a:srgbClr val="000000"/>
           </a:solidFill>
@@ -11574,7 +11835,7 @@
           <a:sym typeface="Arial"/>
         </a:defRPr>
       </a:lvl4pPr>
-      <a:lvl5pPr lvl="4" marR="0" rtl="0" algn="l">
+      <a:lvl5pPr marR="0" lvl="4" algn="l" rtl="0">
         <a:lnSpc>
           <a:spcPct val="100000"/>
         </a:lnSpc>
@@ -11588,7 +11849,7 @@
           <a:srgbClr val="000000"/>
         </a:buClr>
         <a:buFont typeface="Arial"/>
-        <a:defRPr b="0" i="0" sz="1400" u="none" cap="none" strike="noStrike">
+        <a:defRPr sz="1400" b="0" i="0" u="none" strike="noStrike" cap="none">
           <a:solidFill>
             <a:srgbClr val="000000"/>
           </a:solidFill>
@@ -11598,7 +11859,7 @@
           <a:sym typeface="Arial"/>
         </a:defRPr>
       </a:lvl5pPr>
-      <a:lvl6pPr lvl="5" marR="0" rtl="0" algn="l">
+      <a:lvl6pPr marR="0" lvl="5" algn="l" rtl="0">
         <a:lnSpc>
           <a:spcPct val="100000"/>
         </a:lnSpc>
@@ -11612,7 +11873,7 @@
           <a:srgbClr val="000000"/>
         </a:buClr>
         <a:buFont typeface="Arial"/>
-        <a:defRPr b="0" i="0" sz="1400" u="none" cap="none" strike="noStrike">
+        <a:defRPr sz="1400" b="0" i="0" u="none" strike="noStrike" cap="none">
           <a:solidFill>
             <a:srgbClr val="000000"/>
           </a:solidFill>
@@ -11622,7 +11883,7 @@
           <a:sym typeface="Arial"/>
         </a:defRPr>
       </a:lvl6pPr>
-      <a:lvl7pPr lvl="6" marR="0" rtl="0" algn="l">
+      <a:lvl7pPr marR="0" lvl="6" algn="l" rtl="0">
         <a:lnSpc>
           <a:spcPct val="100000"/>
         </a:lnSpc>
@@ -11636,7 +11897,7 @@
           <a:srgbClr val="000000"/>
         </a:buClr>
         <a:buFont typeface="Arial"/>
-        <a:defRPr b="0" i="0" sz="1400" u="none" cap="none" strike="noStrike">
+        <a:defRPr sz="1400" b="0" i="0" u="none" strike="noStrike" cap="none">
           <a:solidFill>
             <a:srgbClr val="000000"/>
           </a:solidFill>
@@ -11646,7 +11907,7 @@
           <a:sym typeface="Arial"/>
         </a:defRPr>
       </a:lvl7pPr>
-      <a:lvl8pPr lvl="7" marR="0" rtl="0" algn="l">
+      <a:lvl8pPr marR="0" lvl="7" algn="l" rtl="0">
         <a:lnSpc>
           <a:spcPct val="100000"/>
         </a:lnSpc>
@@ -11660,7 +11921,7 @@
           <a:srgbClr val="000000"/>
         </a:buClr>
         <a:buFont typeface="Arial"/>
-        <a:defRPr b="0" i="0" sz="1400" u="none" cap="none" strike="noStrike">
+        <a:defRPr sz="1400" b="0" i="0" u="none" strike="noStrike" cap="none">
           <a:solidFill>
             <a:srgbClr val="000000"/>
           </a:solidFill>
@@ -11670,7 +11931,7 @@
           <a:sym typeface="Arial"/>
         </a:defRPr>
       </a:lvl8pPr>
-      <a:lvl9pPr lvl="8" marR="0" rtl="0" algn="l">
+      <a:lvl9pPr marR="0" lvl="8" algn="l" rtl="0">
         <a:lnSpc>
           <a:spcPct val="100000"/>
         </a:lnSpc>
@@ -11684,7 +11945,7 @@
           <a:srgbClr val="000000"/>
         </a:buClr>
         <a:buFont typeface="Arial"/>
-        <a:defRPr b="0" i="0" sz="1400" u="none" cap="none" strike="noStrike">
+        <a:defRPr sz="1400" b="0" i="0" u="none" strike="noStrike" cap="none">
           <a:solidFill>
             <a:srgbClr val="000000"/>
           </a:solidFill>
@@ -11700,11 +11961,11 @@
 </file>
 
 <file path=ppt/slides/slide1.xml><?xml version="1.0" encoding="utf-8"?>
-<p:sld xmlns:a="http://schemas.openxmlformats.org/drawingml/2006/main" xmlns:r="http://schemas.openxmlformats.org/officeDocument/2006/relationships" xmlns:mc="http://schemas.openxmlformats.org/markup-compatibility/2006" xmlns:mv="urn:schemas-microsoft-com:mac:vml" xmlns:p="http://schemas.openxmlformats.org/presentationml/2006/main" xmlns:c="http://schemas.openxmlformats.org/drawingml/2006/chart" xmlns:dgm="http://schemas.openxmlformats.org/drawingml/2006/diagram" xmlns:o="urn:schemas-microsoft-com:office:office" xmlns:v="urn:schemas-microsoft-com:vml" xmlns:pvml="urn:schemas-microsoft-com:office:powerpoint" xmlns:com="http://schemas.openxmlformats.org/drawingml/2006/compatibility" xmlns:p14="http://schemas.microsoft.com/office/powerpoint/2010/main" xmlns:p15="http://schemas.microsoft.com/office/powerpoint/2012/main">
+<p:sld xmlns:a="http://schemas.openxmlformats.org/drawingml/2006/main" xmlns:r="http://schemas.openxmlformats.org/officeDocument/2006/relationships" xmlns:p="http://schemas.openxmlformats.org/presentationml/2006/main">
   <p:cSld>
     <p:spTree>
       <p:nvGrpSpPr>
-        <p:cNvPr id="88" name="Shape 88"/>
+        <p:cNvPr id="1" name="Shape 88"/>
         <p:cNvGrpSpPr/>
         <p:nvPr/>
       </p:nvGrpSpPr>
@@ -11754,7 +12015,7 @@
               <a:blip r:embed="rId3">
                 <a:alphaModFix/>
               </a:blip>
-              <a:srcRect b="0" l="0" r="0" t="0"/>
+              <a:srcRect/>
               <a:stretch/>
             </p:blipFill>
             <p:spPr>
@@ -11791,12 +12052,12 @@
               </a:ln>
             </p:spPr>
             <p:txBody>
-              <a:bodyPr anchorCtr="0" anchor="t" bIns="45700" lIns="91425" spcFirstLastPara="1" rIns="91425" wrap="square" tIns="45700">
+              <a:bodyPr spcFirstLastPara="1" wrap="square" lIns="91425" tIns="45700" rIns="91425" bIns="45700" anchor="t" anchorCtr="0">
                 <a:noAutofit/>
               </a:bodyPr>
               <a:lstStyle/>
               <a:p>
-                <a:pPr indent="0" lvl="0" marL="0" marR="0" rtl="0" algn="ctr">
+                <a:pPr marL="0" marR="0" lvl="0" indent="0" algn="ctr" rtl="0">
                   <a:spcBef>
                     <a:spcPts val="0"/>
                   </a:spcBef>
@@ -11806,7 +12067,7 @@
                   <a:buNone/>
                 </a:pPr>
                 <a:r>
-                  <a:rPr i="0" lang="en-US" sz="6600" u="none" cap="none" strike="noStrike">
+                  <a:rPr lang="en-US" sz="6600" i="0" u="none" strike="noStrike" cap="none">
                     <a:solidFill>
                       <a:srgbClr val="0C1172"/>
                     </a:solidFill>
@@ -11817,7 +12078,7 @@
                   </a:rPr>
                   <a:t>Under the Dome -- Beijing PM 2.5 Air Pollution Analysis Using Time Series Analysis and Linear Regression</a:t>
                 </a:r>
-                <a:endParaRPr i="0" sz="6600" u="none" cap="none" strike="noStrike">
+                <a:endParaRPr sz="6600" i="0" u="none" strike="noStrike" cap="none">
                   <a:solidFill>
                     <a:srgbClr val="0C1172"/>
                   </a:solidFill>
@@ -11849,12 +12110,12 @@
               </a:ln>
             </p:spPr>
             <p:txBody>
-              <a:bodyPr anchorCtr="0" anchor="t" bIns="45700" lIns="91425" spcFirstLastPara="1" rIns="91425" wrap="square" tIns="45700">
+              <a:bodyPr spcFirstLastPara="1" wrap="square" lIns="91425" tIns="45700" rIns="91425" bIns="45700" anchor="t" anchorCtr="0">
                 <a:noAutofit/>
               </a:bodyPr>
               <a:lstStyle/>
               <a:p>
-                <a:pPr indent="0" lvl="0" marL="0" marR="0" rtl="0" algn="l">
+                <a:pPr marL="0" marR="0" lvl="0" indent="0" algn="l" rtl="0">
                   <a:spcBef>
                     <a:spcPts val="0"/>
                   </a:spcBef>
@@ -11864,7 +12125,7 @@
                   <a:buNone/>
                 </a:pPr>
                 <a:r>
-                  <a:rPr b="0" i="0" lang="en-US" sz="3000" u="none" cap="none" strike="noStrike">
+                  <a:rPr lang="en-US" sz="3000" b="0" i="0" u="none" strike="noStrike" cap="none">
                     <a:solidFill>
                       <a:srgbClr val="0C1172"/>
                     </a:solidFill>
@@ -11878,7 +12139,7 @@
                 <a:endParaRPr sz="3000"/>
               </a:p>
               <a:p>
-                <a:pPr indent="0" lvl="0" marL="0" marR="0" rtl="0" algn="l">
+                <a:pPr marL="0" marR="0" lvl="0" indent="0" algn="l" rtl="0">
                   <a:spcBef>
                     <a:spcPts val="0"/>
                   </a:spcBef>
@@ -11910,7 +12171,7 @@
                 </a:endParaRPr>
               </a:p>
               <a:p>
-                <a:pPr indent="0" lvl="0" marL="0" marR="0" rtl="0" algn="l">
+                <a:pPr marL="0" marR="0" lvl="0" indent="0" algn="l" rtl="0">
                   <a:spcBef>
                     <a:spcPts val="0"/>
                   </a:spcBef>
@@ -11934,7 +12195,7 @@
                 <a:endParaRPr sz="3000"/>
               </a:p>
               <a:p>
-                <a:pPr indent="0" lvl="0" marL="0" marR="0" rtl="0" algn="l">
+                <a:pPr marL="0" marR="0" lvl="0" indent="0" algn="l" rtl="0">
                   <a:spcBef>
                     <a:spcPts val="0"/>
                   </a:spcBef>
@@ -11988,12 +12249,12 @@
             </a:ln>
           </p:spPr>
           <p:txBody>
-            <a:bodyPr anchorCtr="0" anchor="t" bIns="45700" lIns="91425" spcFirstLastPara="1" rIns="91425" wrap="square" tIns="45700">
+            <a:bodyPr spcFirstLastPara="1" wrap="square" lIns="91425" tIns="45700" rIns="91425" bIns="45700" anchor="t" anchorCtr="0">
               <a:noAutofit/>
             </a:bodyPr>
             <a:lstStyle/>
             <a:p>
-              <a:pPr indent="0" lvl="0" marL="0" marR="0" rtl="0" algn="ctr">
+              <a:pPr marL="0" marR="0" lvl="0" indent="0" algn="ctr" rtl="0">
                 <a:spcBef>
                   <a:spcPts val="0"/>
                 </a:spcBef>
@@ -12063,12 +12324,12 @@
             </a:ln>
           </p:spPr>
           <p:txBody>
-            <a:bodyPr anchorCtr="0" anchor="t" bIns="45700" lIns="91425" spcFirstLastPara="1" rIns="91425" wrap="square" tIns="45700">
+            <a:bodyPr spcFirstLastPara="1" wrap="square" lIns="91425" tIns="45700" rIns="91425" bIns="45700" anchor="t" anchorCtr="0">
               <a:noAutofit/>
             </a:bodyPr>
             <a:lstStyle/>
             <a:p>
-              <a:pPr indent="0" lvl="0" marL="0" marR="0" rtl="0" algn="ctr">
+              <a:pPr marL="0" marR="0" lvl="0" indent="0" algn="ctr" rtl="0">
                 <a:spcBef>
                   <a:spcPts val="0"/>
                 </a:spcBef>
@@ -12121,12 +12382,12 @@
             </a:ln>
           </p:spPr>
           <p:txBody>
-            <a:bodyPr anchorCtr="0" anchor="t" bIns="45700" lIns="91425" spcFirstLastPara="1" rIns="91425" wrap="square" tIns="45700">
+            <a:bodyPr spcFirstLastPara="1" wrap="square" lIns="91425" tIns="45700" rIns="91425" bIns="45700" anchor="t" anchorCtr="0">
               <a:noAutofit/>
             </a:bodyPr>
             <a:lstStyle/>
             <a:p>
-              <a:pPr indent="0" lvl="0" marL="0" marR="0" rtl="0" algn="l">
+              <a:pPr marL="0" marR="0" lvl="0" indent="0" algn="l" rtl="0">
                 <a:lnSpc>
                   <a:spcPct val="115000"/>
                 </a:lnSpc>
@@ -12166,7 +12427,7 @@
               </a:endParaRPr>
             </a:p>
             <a:p>
-              <a:pPr indent="0" lvl="0" marL="0" marR="0" rtl="0" algn="l">
+              <a:pPr marL="0" marR="0" lvl="0" indent="0" algn="l" rtl="0">
                 <a:lnSpc>
                   <a:spcPct val="115000"/>
                 </a:lnSpc>
@@ -12198,7 +12459,7 @@
               <a:endParaRPr/>
             </a:p>
             <a:p>
-              <a:pPr indent="0" lvl="0" marL="0" marR="0" rtl="0" algn="l">
+              <a:pPr marL="0" marR="0" lvl="0" indent="0" algn="l" rtl="0">
                 <a:spcBef>
                   <a:spcPts val="0"/>
                 </a:spcBef>
@@ -12207,6 +12468,18 @@
                 </a:spcAft>
                 <a:buNone/>
               </a:pPr>
+              <a:r>
+                <a:rPr lang="en-US" sz="2400">
+                  <a:solidFill>
+                    <a:schemeClr val="dk1"/>
+                  </a:solidFill>
+                  <a:latin typeface="Times New Roman"/>
+                  <a:ea typeface="Times New Roman"/>
+                  <a:cs typeface="Times New Roman"/>
+                  <a:sym typeface="Times New Roman"/>
+                </a:rPr>
+                <a:t/>
+              </a:r>
               <a:br>
                 <a:rPr lang="en-US" sz="2400">
                   <a:solidFill>
@@ -12253,12 +12526,12 @@
           </a:ln>
         </p:spPr>
         <p:txBody>
-          <a:bodyPr anchorCtr="0" anchor="t" bIns="45700" lIns="91425" spcFirstLastPara="1" rIns="91425" wrap="square" tIns="45700">
+          <a:bodyPr spcFirstLastPara="1" wrap="square" lIns="91425" tIns="45700" rIns="91425" bIns="45700" anchor="t" anchorCtr="0">
             <a:noAutofit/>
           </a:bodyPr>
           <a:lstStyle/>
           <a:p>
-            <a:pPr indent="0" lvl="0" marL="0" marR="0" rtl="0" algn="ctr">
+            <a:pPr marL="0" marR="0" lvl="0" indent="0" algn="ctr" rtl="0">
               <a:spcBef>
                 <a:spcPts val="0"/>
               </a:spcBef>
@@ -12311,12 +12584,12 @@
           </a:ln>
         </p:spPr>
         <p:txBody>
-          <a:bodyPr anchorCtr="0" anchor="t" bIns="45700" lIns="91425" spcFirstLastPara="1" rIns="91425" wrap="square" tIns="45700">
+          <a:bodyPr spcFirstLastPara="1" wrap="square" lIns="91425" tIns="45700" rIns="91425" bIns="45700" anchor="t" anchorCtr="0">
             <a:noAutofit/>
           </a:bodyPr>
           <a:lstStyle/>
           <a:p>
-            <a:pPr indent="0" lvl="0" marL="0" rtl="0" algn="l">
+            <a:pPr marL="0" lvl="0" indent="0" algn="l" rtl="0">
               <a:lnSpc>
                 <a:spcPct val="115000"/>
               </a:lnSpc>
@@ -12356,7 +12629,7 @@
             </a:endParaRPr>
           </a:p>
           <a:p>
-            <a:pPr indent="0" lvl="0" marL="0" rtl="0" algn="l">
+            <a:pPr marL="0" lvl="0" indent="0" algn="l" rtl="0">
               <a:lnSpc>
                 <a:spcPct val="115000"/>
               </a:lnSpc>
@@ -12396,7 +12669,7 @@
             </a:endParaRPr>
           </a:p>
           <a:p>
-            <a:pPr indent="0" lvl="0" marL="0" marR="0" rtl="0" algn="l">
+            <a:pPr marL="0" marR="0" lvl="0" indent="0" algn="l" rtl="0">
               <a:lnSpc>
                 <a:spcPct val="115000"/>
               </a:lnSpc>
@@ -12436,7 +12709,7 @@
             </a:endParaRPr>
           </a:p>
           <a:p>
-            <a:pPr indent="0" lvl="0" marL="0" marR="0" rtl="0" algn="l">
+            <a:pPr marL="0" marR="0" lvl="0" indent="0" algn="l" rtl="0">
               <a:lnSpc>
                 <a:spcPct val="115000"/>
               </a:lnSpc>
@@ -12499,12 +12772,12 @@
           </a:ln>
         </p:spPr>
         <p:txBody>
-          <a:bodyPr anchorCtr="0" anchor="t" bIns="45700" lIns="91425" spcFirstLastPara="1" rIns="91425" wrap="square" tIns="45700">
+          <a:bodyPr spcFirstLastPara="1" wrap="square" lIns="91425" tIns="45700" rIns="91425" bIns="45700" anchor="t" anchorCtr="0">
             <a:noAutofit/>
           </a:bodyPr>
           <a:lstStyle/>
           <a:p>
-            <a:pPr indent="0" lvl="0" marL="0" marR="0" rtl="0" algn="ctr">
+            <a:pPr marL="0" marR="0" lvl="0" indent="0" algn="ctr" rtl="0">
               <a:lnSpc>
                 <a:spcPct val="100000"/>
               </a:lnSpc>
@@ -12560,12 +12833,12 @@
           </a:ln>
         </p:spPr>
         <p:txBody>
-          <a:bodyPr anchorCtr="0" anchor="t" bIns="45700" lIns="91425" spcFirstLastPara="1" rIns="91425" wrap="square" tIns="45700">
+          <a:bodyPr spcFirstLastPara="1" wrap="square" lIns="91425" tIns="45700" rIns="91425" bIns="45700" anchor="t" anchorCtr="0">
             <a:noAutofit/>
           </a:bodyPr>
           <a:lstStyle/>
           <a:p>
-            <a:pPr indent="0" lvl="0" marL="0" rtl="0" algn="l">
+            <a:pPr marL="0" lvl="0" indent="0" algn="l" rtl="0">
               <a:lnSpc>
                 <a:spcPct val="115000"/>
               </a:lnSpc>
@@ -12601,7 +12874,7 @@
             </a:endParaRPr>
           </a:p>
           <a:p>
-            <a:pPr indent="0" lvl="0" marL="0" rtl="0" algn="l">
+            <a:pPr marL="0" lvl="0" indent="0" algn="l" rtl="0">
               <a:lnSpc>
                 <a:spcPct val="115000"/>
               </a:lnSpc>
@@ -12637,7 +12910,7 @@
             </a:endParaRPr>
           </a:p>
           <a:p>
-            <a:pPr indent="0" lvl="0" marL="0" rtl="0" algn="l">
+            <a:pPr marL="0" lvl="0" indent="0" algn="l" rtl="0">
               <a:lnSpc>
                 <a:spcPct val="115000"/>
               </a:lnSpc>
@@ -12650,9 +12923,6 @@
               <a:buSzPts val="1100"/>
               <a:buNone/>
             </a:pPr>
-            <a:r>
-              <a:t/>
-            </a:r>
             <a:endParaRPr sz="2800">
               <a:solidFill>
                 <a:schemeClr val="dk1"/>
@@ -12664,7 +12934,7 @@
             </a:endParaRPr>
           </a:p>
           <a:p>
-            <a:pPr indent="0" lvl="0" marL="0" marR="0" rtl="0" algn="l">
+            <a:pPr marL="0" marR="0" lvl="0" indent="0" algn="l" rtl="0">
               <a:spcBef>
                 <a:spcPts val="0"/>
               </a:spcBef>
@@ -12673,13 +12943,10 @@
               </a:spcAft>
               <a:buNone/>
             </a:pPr>
-            <a:r>
-              <a:t/>
-            </a:r>
             <a:endParaRPr/>
           </a:p>
           <a:p>
-            <a:pPr indent="0" lvl="0" marL="0" marR="0" rtl="0" algn="l">
+            <a:pPr marL="0" marR="0" lvl="0" indent="0" algn="l" rtl="0">
               <a:spcBef>
                 <a:spcPts val="0"/>
               </a:spcBef>
@@ -12688,9 +12955,6 @@
               </a:spcAft>
               <a:buNone/>
             </a:pPr>
-            <a:r>
-              <a:t/>
-            </a:r>
             <a:endParaRPr sz="2800">
               <a:solidFill>
                 <a:schemeClr val="dk1"/>
@@ -12702,7 +12966,7 @@
             </a:endParaRPr>
           </a:p>
           <a:p>
-            <a:pPr indent="0" lvl="0" marL="0" marR="0" rtl="0" algn="l">
+            <a:pPr marL="0" marR="0" lvl="0" indent="0" algn="l" rtl="0">
               <a:spcBef>
                 <a:spcPts val="0"/>
               </a:spcBef>
@@ -12711,9 +12975,6 @@
               </a:spcAft>
               <a:buNone/>
             </a:pPr>
-            <a:r>
-              <a:t/>
-            </a:r>
             <a:endParaRPr sz="2800">
               <a:solidFill>
                 <a:schemeClr val="dk1"/>
@@ -12748,12 +13009,12 @@
           </a:ln>
         </p:spPr>
         <p:txBody>
-          <a:bodyPr anchorCtr="0" anchor="t" bIns="45700" lIns="91425" spcFirstLastPara="1" rIns="91425" wrap="square" tIns="45700">
+          <a:bodyPr spcFirstLastPara="1" wrap="square" lIns="91425" tIns="45700" rIns="91425" bIns="45700" anchor="t" anchorCtr="0">
             <a:noAutofit/>
           </a:bodyPr>
           <a:lstStyle/>
           <a:p>
-            <a:pPr indent="0" lvl="0" marL="0" marR="0" rtl="0" algn="ctr">
+            <a:pPr marL="0" marR="0" lvl="0" indent="0" algn="ctr" rtl="0">
               <a:spcBef>
                 <a:spcPts val="0"/>
               </a:spcBef>
@@ -12772,31 +13033,7 @@
                 <a:cs typeface="Calibri"/>
                 <a:sym typeface="Calibri"/>
               </a:rPr>
-              <a:t>Time S</a:t>
-            </a:r>
-            <a:r>
-              <a:rPr lang="en-US" sz="4400">
-                <a:solidFill>
-                  <a:schemeClr val="lt1"/>
-                </a:solidFill>
-                <a:latin typeface="Calibri"/>
-                <a:ea typeface="Calibri"/>
-                <a:cs typeface="Calibri"/>
-                <a:sym typeface="Calibri"/>
-              </a:rPr>
-              <a:t>eries</a:t>
-            </a:r>
-            <a:r>
-              <a:rPr lang="en-US" sz="4400">
-                <a:solidFill>
-                  <a:schemeClr val="lt1"/>
-                </a:solidFill>
-                <a:latin typeface="Calibri"/>
-                <a:ea typeface="Calibri"/>
-                <a:cs typeface="Calibri"/>
-                <a:sym typeface="Calibri"/>
-              </a:rPr>
-              <a:t> Analysis</a:t>
+              <a:t>Time Series Analysis</a:t>
             </a:r>
             <a:endParaRPr sz="4400">
               <a:solidFill>
@@ -12830,12 +13067,12 @@
           </a:ln>
         </p:spPr>
         <p:txBody>
-          <a:bodyPr anchorCtr="0" anchor="t" bIns="45700" lIns="91425" spcFirstLastPara="1" rIns="91425" wrap="square" tIns="45700">
+          <a:bodyPr spcFirstLastPara="1" wrap="square" lIns="91425" tIns="45700" rIns="91425" bIns="45700" anchor="t" anchorCtr="0">
             <a:noAutofit/>
           </a:bodyPr>
           <a:lstStyle/>
           <a:p>
-            <a:pPr indent="0" lvl="0" marL="0" marR="0" rtl="0" algn="l">
+            <a:pPr marL="0" marR="0" lvl="0" indent="0" algn="l" rtl="0">
               <a:spcBef>
                 <a:spcPts val="0"/>
               </a:spcBef>
@@ -12859,7 +13096,7 @@
             <a:endParaRPr sz="2800"/>
           </a:p>
           <a:p>
-            <a:pPr indent="0" lvl="0" marL="0" marR="0" rtl="0" algn="l">
+            <a:pPr marL="0" marR="0" lvl="0" indent="0" algn="l" rtl="0">
               <a:spcBef>
                 <a:spcPts val="0"/>
               </a:spcBef>
@@ -12869,7 +13106,7 @@
               <a:buNone/>
             </a:pPr>
             <a:r>
-              <a:rPr b="1" lang="en-US" sz="2800">
+              <a:rPr lang="en-US" sz="2800" b="1">
                 <a:solidFill>
                   <a:srgbClr val="2E75B5"/>
                 </a:solidFill>
@@ -12883,7 +13120,7 @@
             <a:endParaRPr sz="2800"/>
           </a:p>
           <a:p>
-            <a:pPr indent="0" lvl="0" marL="0" marR="0" rtl="0" algn="l">
+            <a:pPr marL="0" marR="0" lvl="0" indent="0" algn="l" rtl="0">
               <a:spcBef>
                 <a:spcPts val="0"/>
               </a:spcBef>
@@ -12916,7 +13153,7 @@
               </a:rPr>
               <a:t>As for the monthly PM 2.5 data, first an MA(6) model  and an AR(6) model were tested,  and then MA(6) was chosen because it has smaller AIC value. </a:t>
             </a:r>
-            <a:endParaRPr i="1" sz="2800" u="sng">
+            <a:endParaRPr sz="2800" i="1" u="sng">
               <a:solidFill>
                 <a:srgbClr val="000000"/>
               </a:solidFill>
@@ -12927,7 +13164,7 @@
             </a:endParaRPr>
           </a:p>
           <a:p>
-            <a:pPr indent="0" lvl="0" marL="0" marR="0" rtl="0" algn="l">
+            <a:pPr marL="0" marR="0" lvl="0" indent="0" algn="l" rtl="0">
               <a:spcBef>
                 <a:spcPts val="0"/>
               </a:spcBef>
@@ -12937,7 +13174,7 @@
               <a:buNone/>
             </a:pPr>
             <a:r>
-              <a:rPr b="1" lang="en-US" sz="2800">
+              <a:rPr lang="en-US" sz="2800" b="1">
                 <a:solidFill>
                   <a:srgbClr val="2E75B5"/>
                 </a:solidFill>
@@ -12951,7 +13188,7 @@
             <a:endParaRPr sz="2800"/>
           </a:p>
           <a:p>
-            <a:pPr indent="0" lvl="0" marL="0" marR="0" rtl="0" algn="l">
+            <a:pPr marL="0" marR="0" lvl="0" indent="0" algn="l" rtl="0">
               <a:spcBef>
                 <a:spcPts val="0"/>
               </a:spcBef>
@@ -12975,7 +13212,7 @@
             <a:endParaRPr sz="2800"/>
           </a:p>
           <a:p>
-            <a:pPr indent="0" lvl="0" marL="0" marR="0" rtl="0" algn="l">
+            <a:pPr marL="0" marR="0" lvl="0" indent="0" algn="l" rtl="0">
               <a:spcBef>
                 <a:spcPts val="0"/>
               </a:spcBef>
@@ -12999,7 +13236,7 @@
             <a:endParaRPr sz="2800"/>
           </a:p>
           <a:p>
-            <a:pPr indent="0" lvl="0" marL="0" marR="0" rtl="0" algn="l">
+            <a:pPr marL="0" marR="0" lvl="0" indent="0" algn="l" rtl="0">
               <a:spcBef>
                 <a:spcPts val="0"/>
               </a:spcBef>
@@ -13009,7 +13246,7 @@
               <a:buNone/>
             </a:pPr>
             <a:r>
-              <a:rPr b="1" lang="en-US" sz="2800">
+              <a:rPr lang="en-US" sz="2800" b="1">
                 <a:solidFill>
                   <a:srgbClr val="2E75B5"/>
                 </a:solidFill>
@@ -13023,7 +13260,7 @@
             <a:endParaRPr sz="2800"/>
           </a:p>
           <a:p>
-            <a:pPr indent="0" lvl="0" marL="0" marR="0" rtl="0" algn="l">
+            <a:pPr marL="0" marR="0" lvl="0" indent="0" algn="l" rtl="0">
               <a:spcBef>
                 <a:spcPts val="0"/>
               </a:spcBef>
@@ -13055,7 +13292,7 @@
             </a:endParaRPr>
           </a:p>
           <a:p>
-            <a:pPr indent="0" lvl="0" marL="0" marR="0" rtl="0" algn="l">
+            <a:pPr marL="0" marR="0" lvl="0" indent="0" algn="l" rtl="0">
               <a:spcBef>
                 <a:spcPts val="0"/>
               </a:spcBef>
@@ -13064,10 +13301,7 @@
               </a:spcAft>
               <a:buNone/>
             </a:pPr>
-            <a:r>
-              <a:t/>
-            </a:r>
-            <a:endParaRPr i="1" sz="2800" u="sng">
+            <a:endParaRPr sz="2800" i="1" u="sng">
               <a:solidFill>
                 <a:schemeClr val="dk1"/>
               </a:solidFill>
@@ -13078,7 +13312,7 @@
             </a:endParaRPr>
           </a:p>
           <a:p>
-            <a:pPr indent="0" lvl="0" marL="0" marR="0" rtl="0" algn="l">
+            <a:pPr marL="0" marR="0" lvl="0" indent="0" algn="l" rtl="0">
               <a:spcBef>
                 <a:spcPts val="0"/>
               </a:spcBef>
@@ -13087,9 +13321,6 @@
               </a:spcAft>
               <a:buNone/>
             </a:pPr>
-            <a:r>
-              <a:t/>
-            </a:r>
             <a:endParaRPr sz="2800">
               <a:solidFill>
                 <a:schemeClr val="dk1"/>
@@ -13101,7 +13332,7 @@
             </a:endParaRPr>
           </a:p>
           <a:p>
-            <a:pPr indent="0" lvl="0" marL="0" marR="0" rtl="0" algn="l">
+            <a:pPr marL="0" marR="0" lvl="0" indent="0" algn="l" rtl="0">
               <a:lnSpc>
                 <a:spcPct val="115000"/>
               </a:lnSpc>
@@ -13113,9 +13344,6 @@
               </a:spcAft>
               <a:buNone/>
             </a:pPr>
-            <a:r>
-              <a:t/>
-            </a:r>
             <a:endParaRPr sz="2800">
               <a:solidFill>
                 <a:schemeClr val="dk1"/>
@@ -13127,7 +13355,7 @@
             </a:endParaRPr>
           </a:p>
           <a:p>
-            <a:pPr indent="0" lvl="0" marL="0" marR="0" rtl="0" algn="ctr">
+            <a:pPr marL="0" marR="0" lvl="0" indent="0" algn="ctr" rtl="0">
               <a:spcBef>
                 <a:spcPts val="1000"/>
               </a:spcBef>
@@ -13136,9 +13364,6 @@
               </a:spcAft>
               <a:buNone/>
             </a:pPr>
-            <a:r>
-              <a:t/>
-            </a:r>
             <a:endParaRPr sz="2800">
               <a:solidFill>
                 <a:schemeClr val="dk1"/>
@@ -13150,7 +13375,7 @@
             </a:endParaRPr>
           </a:p>
           <a:p>
-            <a:pPr indent="0" lvl="0" marL="0" marR="0" rtl="0" algn="l">
+            <a:pPr marL="0" marR="0" lvl="0" indent="0" algn="l" rtl="0">
               <a:spcBef>
                 <a:spcPts val="0"/>
               </a:spcBef>
@@ -13159,9 +13384,6 @@
               </a:spcAft>
               <a:buNone/>
             </a:pPr>
-            <a:r>
-              <a:t/>
-            </a:r>
             <a:endParaRPr sz="2800">
               <a:solidFill>
                 <a:schemeClr val="dk1"/>
@@ -13196,12 +13418,12 @@
           </a:ln>
         </p:spPr>
         <p:txBody>
-          <a:bodyPr anchorCtr="0" anchor="t" bIns="45700" lIns="91425" spcFirstLastPara="1" rIns="91425" wrap="square" tIns="45700">
+          <a:bodyPr spcFirstLastPara="1" wrap="square" lIns="91425" tIns="45700" rIns="91425" bIns="45700" anchor="t" anchorCtr="0">
             <a:noAutofit/>
           </a:bodyPr>
           <a:lstStyle/>
           <a:p>
-            <a:pPr indent="0" lvl="0" marL="0" marR="0" rtl="0" algn="ctr">
+            <a:pPr marL="0" marR="0" lvl="0" indent="0" algn="ctr" rtl="0">
               <a:lnSpc>
                 <a:spcPct val="100000"/>
               </a:lnSpc>
@@ -13257,12 +13479,12 @@
           </a:ln>
         </p:spPr>
         <p:txBody>
-          <a:bodyPr anchorCtr="0" anchor="t" bIns="45700" lIns="91425" spcFirstLastPara="1" rIns="91425" wrap="square" tIns="45700">
+          <a:bodyPr spcFirstLastPara="1" wrap="square" lIns="91425" tIns="45700" rIns="91425" bIns="45700" anchor="t" anchorCtr="0">
             <a:noAutofit/>
           </a:bodyPr>
           <a:lstStyle/>
           <a:p>
-            <a:pPr indent="0" lvl="0" marL="0" rtl="0" algn="l">
+            <a:pPr marL="0" lvl="0" indent="0" algn="l" rtl="0">
               <a:lnSpc>
                 <a:spcPct val="115000"/>
               </a:lnSpc>
@@ -13302,7 +13524,7 @@
             </a:endParaRPr>
           </a:p>
           <a:p>
-            <a:pPr indent="0" lvl="0" marL="0" rtl="0" algn="l">
+            <a:pPr marL="0" lvl="0" indent="0" algn="l" rtl="0">
               <a:lnSpc>
                 <a:spcPct val="115000"/>
               </a:lnSpc>
@@ -13320,7 +13542,7 @@
               <a:buNone/>
             </a:pPr>
             <a:r>
-              <a:rPr b="1" lang="en-US" sz="2800">
+              <a:rPr lang="en-US" sz="2800" b="1">
                 <a:solidFill>
                   <a:srgbClr val="2E75B6"/>
                 </a:solidFill>
@@ -13331,7 +13553,7 @@
               </a:rPr>
               <a:t>Model selection:</a:t>
             </a:r>
-            <a:endParaRPr b="1" sz="2800">
+            <a:endParaRPr sz="2800" b="1">
               <a:solidFill>
                 <a:srgbClr val="2E75B6"/>
               </a:solidFill>
@@ -13342,7 +13564,7 @@
             </a:endParaRPr>
           </a:p>
           <a:p>
-            <a:pPr indent="0" lvl="0" marL="0" rtl="0" algn="l">
+            <a:pPr marL="0" lvl="0" indent="0" algn="l" rtl="0">
               <a:lnSpc>
                 <a:spcPct val="115000"/>
               </a:lnSpc>
@@ -13382,7 +13604,7 @@
             </a:endParaRPr>
           </a:p>
           <a:p>
-            <a:pPr indent="0" lvl="0" marL="0" rtl="0" algn="l">
+            <a:pPr marL="0" lvl="0" indent="0" algn="l" rtl="0">
               <a:lnSpc>
                 <a:spcPct val="115000"/>
               </a:lnSpc>
@@ -13422,7 +13644,7 @@
             </a:endParaRPr>
           </a:p>
           <a:p>
-            <a:pPr indent="0" lvl="0" marL="0" rtl="0" algn="l">
+            <a:pPr marL="0" lvl="0" indent="0" algn="l" rtl="0">
               <a:lnSpc>
                 <a:spcPct val="115000"/>
               </a:lnSpc>
@@ -13462,7 +13684,7 @@
             </a:endParaRPr>
           </a:p>
           <a:p>
-            <a:pPr indent="0" lvl="0" marL="0" rtl="0" algn="l">
+            <a:pPr marL="0" lvl="0" indent="0" algn="l" rtl="0">
               <a:lnSpc>
                 <a:spcPct val="115000"/>
               </a:lnSpc>
@@ -13502,7 +13724,7 @@
             </a:endParaRPr>
           </a:p>
           <a:p>
-            <a:pPr indent="0" lvl="0" marL="0" rtl="0" algn="l">
+            <a:pPr marL="0" lvl="0" indent="0" algn="l" rtl="0">
               <a:lnSpc>
                 <a:spcPct val="115000"/>
               </a:lnSpc>
@@ -13520,7 +13742,7 @@
               <a:buNone/>
             </a:pPr>
             <a:r>
-              <a:rPr b="1" lang="en-US" sz="2800">
+              <a:rPr lang="en-US" sz="2800" b="1">
                 <a:solidFill>
                   <a:srgbClr val="2E75B6"/>
                 </a:solidFill>
@@ -13531,7 +13753,7 @@
               </a:rPr>
               <a:t>Conclusion:</a:t>
             </a:r>
-            <a:endParaRPr b="1" sz="2800">
+            <a:endParaRPr sz="2800" b="1">
               <a:solidFill>
                 <a:srgbClr val="2E75B6"/>
               </a:solidFill>
@@ -13542,7 +13764,7 @@
             </a:endParaRPr>
           </a:p>
           <a:p>
-            <a:pPr indent="0" lvl="0" marL="0" rtl="0" algn="l">
+            <a:pPr marL="0" lvl="0" indent="0" algn="l" rtl="0">
               <a:lnSpc>
                 <a:spcPct val="115000"/>
               </a:lnSpc>
@@ -13578,7 +13800,7 @@
             </a:endParaRPr>
           </a:p>
           <a:p>
-            <a:pPr indent="0" lvl="0" marL="0" rtl="0" algn="l">
+            <a:pPr marL="0" lvl="0" indent="0" algn="l" rtl="0">
               <a:lnSpc>
                 <a:spcPct val="115000"/>
               </a:lnSpc>
@@ -13591,9 +13813,6 @@
               <a:buSzPts val="1100"/>
               <a:buNone/>
             </a:pPr>
-            <a:r>
-              <a:t/>
-            </a:r>
             <a:endParaRPr sz="2800">
               <a:solidFill>
                 <a:schemeClr val="dk1"/>
@@ -13605,7 +13824,7 @@
             </a:endParaRPr>
           </a:p>
           <a:p>
-            <a:pPr indent="0" lvl="0" marL="0" rtl="0" algn="l">
+            <a:pPr marL="0" lvl="0" indent="0" algn="l" rtl="0">
               <a:lnSpc>
                 <a:spcPct val="115000"/>
               </a:lnSpc>
@@ -13618,9 +13837,6 @@
               <a:buSzPts val="1100"/>
               <a:buNone/>
             </a:pPr>
-            <a:r>
-              <a:t/>
-            </a:r>
             <a:endParaRPr sz="2800">
               <a:solidFill>
                 <a:schemeClr val="dk1"/>
@@ -13632,7 +13848,7 @@
             </a:endParaRPr>
           </a:p>
           <a:p>
-            <a:pPr indent="0" lvl="0" marL="0" rtl="0" algn="l">
+            <a:pPr marL="0" lvl="0" indent="0" algn="l" rtl="0">
               <a:lnSpc>
                 <a:spcPct val="115000"/>
               </a:lnSpc>
@@ -13649,9 +13865,6 @@
               <a:buFont typeface="Arial"/>
               <a:buNone/>
             </a:pPr>
-            <a:r>
-              <a:t/>
-            </a:r>
             <a:endParaRPr sz="2800">
               <a:solidFill>
                 <a:schemeClr val="dk1"/>
@@ -13686,12 +13899,12 @@
           </a:ln>
         </p:spPr>
         <p:txBody>
-          <a:bodyPr anchorCtr="0" anchor="t" bIns="45700" lIns="91425" spcFirstLastPara="1" rIns="91425" wrap="square" tIns="45700">
+          <a:bodyPr spcFirstLastPara="1" wrap="square" lIns="91425" tIns="45700" rIns="91425" bIns="45700" anchor="t" anchorCtr="0">
             <a:noAutofit/>
           </a:bodyPr>
           <a:lstStyle/>
           <a:p>
-            <a:pPr indent="0" lvl="0" marL="0" marR="0" rtl="0" algn="ctr">
+            <a:pPr marL="0" marR="0" lvl="0" indent="0" algn="ctr" rtl="0">
               <a:spcBef>
                 <a:spcPts val="0"/>
               </a:spcBef>
@@ -13744,12 +13957,12 @@
           </a:ln>
         </p:spPr>
         <p:txBody>
-          <a:bodyPr anchorCtr="0" anchor="t" bIns="45700" lIns="91425" spcFirstLastPara="1" rIns="91425" wrap="square" tIns="45700">
+          <a:bodyPr spcFirstLastPara="1" wrap="square" lIns="91425" tIns="45700" rIns="91425" bIns="45700" anchor="t" anchorCtr="0">
             <a:noAutofit/>
           </a:bodyPr>
           <a:lstStyle/>
           <a:p>
-            <a:pPr indent="0" lvl="0" marL="0" rtl="0" algn="l">
+            <a:pPr marL="0" lvl="0" indent="0" algn="l" rtl="0">
               <a:lnSpc>
                 <a:spcPct val="115000"/>
               </a:lnSpc>
@@ -13776,31 +13989,7 @@
                 <a:cs typeface="Times New Roman"/>
                 <a:sym typeface="Times New Roman"/>
               </a:rPr>
-              <a:t>Using data exploring, we found a seasonal and daily </a:t>
-            </a:r>
-            <a:r>
-              <a:rPr lang="en-US" sz="2800">
-                <a:solidFill>
-                  <a:schemeClr val="dk1"/>
-                </a:solidFill>
-                <a:latin typeface="Times New Roman"/>
-                <a:ea typeface="Times New Roman"/>
-                <a:cs typeface="Times New Roman"/>
-                <a:sym typeface="Times New Roman"/>
-              </a:rPr>
-              <a:t>distribution</a:t>
-            </a:r>
-            <a:r>
-              <a:rPr lang="en-US" sz="2800">
-                <a:solidFill>
-                  <a:schemeClr val="dk1"/>
-                </a:solidFill>
-                <a:latin typeface="Times New Roman"/>
-                <a:ea typeface="Times New Roman"/>
-                <a:cs typeface="Times New Roman"/>
-                <a:sym typeface="Times New Roman"/>
-              </a:rPr>
-              <a:t>. The data showed a strong positive skew and 12.5% of all levels registered within the “Very Unhealthy / Hazardous / Beyond Index” categories.</a:t>
+              <a:t>Using data exploring, we found a seasonal and daily distribution. The data showed a strong positive skew and 12.5% of all levels registered within the “Very Unhealthy / Hazardous / Beyond Index” categories.</a:t>
             </a:r>
             <a:endParaRPr sz="2800">
               <a:solidFill>
@@ -13813,7 +14002,7 @@
             </a:endParaRPr>
           </a:p>
           <a:p>
-            <a:pPr indent="0" lvl="0" marL="0" rtl="0" algn="l">
+            <a:pPr marL="0" lvl="0" indent="0" algn="l" rtl="0">
               <a:lnSpc>
                 <a:spcPct val="115000"/>
               </a:lnSpc>
@@ -13853,7 +14042,7 @@
             </a:endParaRPr>
           </a:p>
           <a:p>
-            <a:pPr indent="0" lvl="0" marL="0" rtl="0" algn="l">
+            <a:pPr marL="0" lvl="0" indent="0" algn="l" rtl="0">
               <a:lnSpc>
                 <a:spcPct val="115000"/>
               </a:lnSpc>
@@ -13904,7 +14093,7 @@
           <a:blip r:embed="rId4">
             <a:alphaModFix/>
           </a:blip>
-          <a:srcRect b="0" l="0" r="0" t="0"/>
+          <a:srcRect/>
           <a:stretch/>
         </p:blipFill>
         <p:spPr>
@@ -13929,7 +14118,7 @@
         </p:nvGraphicFramePr>
         <p:xfrm>
           <a:off x="24367725" y="14390035"/>
-          <a:ext cx="3000000" cy="3000000"/>
+          <a:ext cx="5531175" cy="963700"/>
         </p:xfrm>
         <a:graphic>
           <a:graphicData uri="http://schemas.openxmlformats.org/drawingml/2006/table">
@@ -13946,12 +14135,10 @@
               <a:tr h="481850">
                 <a:tc>
                   <a:txBody>
-                    <a:bodyPr>
-                      <a:noAutofit/>
-                    </a:bodyPr>
+                    <a:bodyPr/>
                     <a:lstStyle/>
                     <a:p>
-                      <a:pPr indent="0" lvl="0" marL="0" rtl="0" algn="l">
+                      <a:pPr marL="0" lvl="0" indent="0" algn="l" rtl="0">
                         <a:spcBef>
                           <a:spcPts val="0"/>
                         </a:spcBef>
@@ -13962,25 +14149,19 @@
                       </a:pPr>
                       <a:r>
                         <a:rPr lang="en-US" sz="1800"/>
-                        <a:t>        </a:t>
-                      </a:r>
-                      <a:r>
-                        <a:rPr lang="en-US" sz="1800"/>
-                        <a:t>AIC</a:t>
+                        <a:t>        AIC</a:t>
                       </a:r>
                       <a:endParaRPr sz="1800"/>
                     </a:p>
                   </a:txBody>
-                  <a:tcPr marT="91425" marB="91425" marR="91425" marL="91425"/>
+                  <a:tcPr marL="91425" marR="91425" marT="91425" marB="91425"/>
                 </a:tc>
                 <a:tc>
                   <a:txBody>
-                    <a:bodyPr>
-                      <a:noAutofit/>
-                    </a:bodyPr>
+                    <a:bodyPr/>
                     <a:lstStyle/>
                     <a:p>
-                      <a:pPr indent="0" lvl="0" marL="0" rtl="0" algn="l">
+                      <a:pPr marL="0" lvl="0" indent="0" algn="l" rtl="0">
                         <a:spcBef>
                           <a:spcPts val="0"/>
                         </a:spcBef>
@@ -13996,16 +14177,14 @@
                       <a:endParaRPr sz="1800"/>
                     </a:p>
                   </a:txBody>
-                  <a:tcPr marT="91425" marB="91425" marR="91425" marL="91425"/>
+                  <a:tcPr marL="91425" marR="91425" marT="91425" marB="91425"/>
                 </a:tc>
                 <a:tc>
                   <a:txBody>
-                    <a:bodyPr>
-                      <a:noAutofit/>
-                    </a:bodyPr>
+                    <a:bodyPr/>
                     <a:lstStyle/>
                     <a:p>
-                      <a:pPr indent="0" lvl="0" marL="0" rtl="0" algn="l">
+                      <a:pPr marL="0" lvl="0" indent="0" algn="l" rtl="0">
                         <a:spcBef>
                           <a:spcPts val="0"/>
                         </a:spcBef>
@@ -14021,18 +14200,16 @@
                       <a:endParaRPr sz="1800"/>
                     </a:p>
                   </a:txBody>
-                  <a:tcPr marT="91425" marB="91425" marR="91425" marL="91425"/>
+                  <a:tcPr marL="91425" marR="91425" marT="91425" marB="91425"/>
                 </a:tc>
               </a:tr>
               <a:tr h="481850">
                 <a:tc>
                   <a:txBody>
-                    <a:bodyPr>
-                      <a:noAutofit/>
-                    </a:bodyPr>
+                    <a:bodyPr/>
                     <a:lstStyle/>
                     <a:p>
-                      <a:pPr indent="0" lvl="0" marL="0" rtl="0" algn="l">
+                      <a:pPr marL="0" lvl="0" indent="0" algn="l" rtl="0">
                         <a:spcBef>
                           <a:spcPts val="0"/>
                         </a:spcBef>
@@ -14048,16 +14225,14 @@
                       <a:endParaRPr sz="1800"/>
                     </a:p>
                   </a:txBody>
-                  <a:tcPr marT="91425" marB="91425" marR="91425" marL="91425"/>
+                  <a:tcPr marL="91425" marR="91425" marT="91425" marB="91425"/>
                 </a:tc>
                 <a:tc>
                   <a:txBody>
-                    <a:bodyPr>
-                      <a:noAutofit/>
-                    </a:bodyPr>
+                    <a:bodyPr/>
                     <a:lstStyle/>
                     <a:p>
-                      <a:pPr indent="0" lvl="0" marL="0" rtl="0" algn="l">
+                      <a:pPr marL="0" lvl="0" indent="0" algn="l" rtl="0">
                         <a:spcBef>
                           <a:spcPts val="0"/>
                         </a:spcBef>
@@ -14068,25 +14243,19 @@
                       </a:pPr>
                       <a:r>
                         <a:rPr lang="en-US" sz="1800"/>
-                        <a:t>        </a:t>
-                      </a:r>
-                      <a:r>
-                        <a:rPr lang="en-US" sz="1800"/>
-                        <a:t>0.413</a:t>
+                        <a:t>        0.413</a:t>
                       </a:r>
                       <a:endParaRPr sz="1800"/>
                     </a:p>
                   </a:txBody>
-                  <a:tcPr marT="91425" marB="91425" marR="91425" marL="91425"/>
+                  <a:tcPr marL="91425" marR="91425" marT="91425" marB="91425"/>
                 </a:tc>
                 <a:tc>
                   <a:txBody>
-                    <a:bodyPr>
-                      <a:noAutofit/>
-                    </a:bodyPr>
+                    <a:bodyPr/>
                     <a:lstStyle/>
                     <a:p>
-                      <a:pPr indent="0" lvl="0" marL="0" rtl="0" algn="l">
+                      <a:pPr marL="0" lvl="0" indent="0" algn="l" rtl="0">
                         <a:spcBef>
                           <a:spcPts val="0"/>
                         </a:spcBef>
@@ -14097,16 +14266,12 @@
                       </a:pPr>
                       <a:r>
                         <a:rPr lang="en-US" sz="1800"/>
-                        <a:t>        </a:t>
-                      </a:r>
-                      <a:r>
-                        <a:rPr lang="en-US" sz="1800"/>
-                        <a:t>0.622</a:t>
+                        <a:t>        0.622</a:t>
                       </a:r>
                       <a:endParaRPr sz="1800"/>
                     </a:p>
                   </a:txBody>
-                  <a:tcPr marT="91425" marB="91425" marR="91425" marL="91425"/>
+                  <a:tcPr marL="91425" marR="91425" marT="91425" marB="91425"/>
                 </a:tc>
               </a:tr>
             </a:tbl>
@@ -14123,7 +14288,7 @@
           <a:blip r:embed="rId5">
             <a:alphaModFix/>
           </a:blip>
-          <a:srcRect b="28865" l="24715" r="36238" t="25119"/>
+          <a:srcRect l="24715" t="25119" r="36238" b="28865"/>
           <a:stretch/>
         </p:blipFill>
         <p:spPr>
@@ -14188,12 +14353,12 @@
           </a:ln>
         </p:spPr>
         <p:txBody>
-          <a:bodyPr anchorCtr="0" anchor="t" bIns="91425" lIns="91425" spcFirstLastPara="1" rIns="91425" wrap="square" tIns="91425">
+          <a:bodyPr spcFirstLastPara="1" wrap="square" lIns="91425" tIns="91425" rIns="91425" bIns="91425" anchor="t" anchorCtr="0">
             <a:noAutofit/>
           </a:bodyPr>
           <a:lstStyle/>
           <a:p>
-            <a:pPr indent="0" lvl="0" marL="0" marR="0" rtl="0" algn="l">
+            <a:pPr marL="0" marR="0" lvl="0" indent="0" algn="l" rtl="0">
               <a:lnSpc>
                 <a:spcPct val="115000"/>
               </a:lnSpc>
@@ -14206,7 +14371,7 @@
               <a:buNone/>
             </a:pPr>
             <a:r>
-              <a:rPr b="1" lang="en-US" sz="2800">
+              <a:rPr lang="en-US" sz="2800" b="1">
                 <a:solidFill>
                   <a:srgbClr val="2E75B6"/>
                 </a:solidFill>
@@ -14252,7 +14417,7 @@
             </a:endParaRPr>
           </a:p>
           <a:p>
-            <a:pPr indent="0" lvl="0" marL="0" marR="0" rtl="0" algn="l">
+            <a:pPr marL="0" marR="0" lvl="0" indent="0" algn="l" rtl="0">
               <a:lnSpc>
                 <a:spcPct val="115000"/>
               </a:lnSpc>
@@ -14265,7 +14430,7 @@
               <a:buNone/>
             </a:pPr>
             <a:r>
-              <a:rPr b="1" lang="en-US" sz="2800">
+              <a:rPr lang="en-US" sz="2800" b="1">
                 <a:solidFill>
                   <a:srgbClr val="2E75B6"/>
                 </a:solidFill>
@@ -14369,12 +14534,12 @@
           </a:ln>
         </p:spPr>
         <p:txBody>
-          <a:bodyPr anchorCtr="0" anchor="t" bIns="91425" lIns="91425" spcFirstLastPara="1" rIns="91425" wrap="square" tIns="91425">
+          <a:bodyPr spcFirstLastPara="1" wrap="square" lIns="91425" tIns="91425" rIns="91425" bIns="91425" anchor="t" anchorCtr="0">
             <a:noAutofit/>
           </a:bodyPr>
           <a:lstStyle/>
           <a:p>
-            <a:pPr indent="0" lvl="0" marL="0" rtl="0" algn="ctr">
+            <a:pPr marL="0" lvl="0" indent="0" algn="ctr" rtl="0">
               <a:spcBef>
                 <a:spcPts val="0"/>
               </a:spcBef>
@@ -14410,7 +14575,288 @@
 </file>
 
 <file path=ppt/theme/theme1.xml><?xml version="1.0" encoding="utf-8"?>
-<a:theme xmlns:a="http://schemas.openxmlformats.org/drawingml/2006/main" xmlns:r="http://schemas.openxmlformats.org/officeDocument/2006/relationships" name="Office Theme">
+<a:theme xmlns:a="http://schemas.openxmlformats.org/drawingml/2006/main" name="Office Theme">
+  <a:themeElements>
+    <a:clrScheme name="Office Theme">
+      <a:dk1>
+        <a:srgbClr val="000000"/>
+      </a:dk1>
+      <a:lt1>
+        <a:srgbClr val="FFFFFF"/>
+      </a:lt1>
+      <a:dk2>
+        <a:srgbClr val="44546A"/>
+      </a:dk2>
+      <a:lt2>
+        <a:srgbClr val="E7E6E6"/>
+      </a:lt2>
+      <a:accent1>
+        <a:srgbClr val="5B9BD5"/>
+      </a:accent1>
+      <a:accent2>
+        <a:srgbClr val="ED7D31"/>
+      </a:accent2>
+      <a:accent3>
+        <a:srgbClr val="A5A5A5"/>
+      </a:accent3>
+      <a:accent4>
+        <a:srgbClr val="FFC000"/>
+      </a:accent4>
+      <a:accent5>
+        <a:srgbClr val="4472C4"/>
+      </a:accent5>
+      <a:accent6>
+        <a:srgbClr val="70AD47"/>
+      </a:accent6>
+      <a:hlink>
+        <a:srgbClr val="0563C1"/>
+      </a:hlink>
+      <a:folHlink>
+        <a:srgbClr val="954F72"/>
+      </a:folHlink>
+    </a:clrScheme>
+    <a:fontScheme name="Office">
+      <a:majorFont>
+        <a:latin typeface="Arial"/>
+        <a:ea typeface=""/>
+        <a:cs typeface=""/>
+        <a:font script="Jpan" typeface="ＭＳ Ｐゴシック"/>
+        <a:font script="Hang" typeface="맑은 고딕"/>
+        <a:font script="Hans" typeface="宋体"/>
+        <a:font script="Hant" typeface="新細明體"/>
+        <a:font script="Arab" typeface="Times New Roman"/>
+        <a:font script="Hebr" typeface="Times New Roman"/>
+        <a:font script="Thai" typeface="Angsana New"/>
+        <a:font script="Ethi" typeface="Nyala"/>
+        <a:font script="Beng" typeface="Vrinda"/>
+        <a:font script="Gujr" typeface="Shruti"/>
+        <a:font script="Khmr" typeface="MoolBoran"/>
+        <a:font script="Knda" typeface="Tunga"/>
+        <a:font script="Guru" typeface="Raavi"/>
+        <a:font script="Cans" typeface="Euphemia"/>
+        <a:font script="Cher" typeface="Plantagenet Cherokee"/>
+        <a:font script="Yiii" typeface="Microsoft Yi Baiti"/>
+        <a:font script="Tibt" typeface="Microsoft Himalaya"/>
+        <a:font script="Thaa" typeface="MV Boli"/>
+        <a:font script="Deva" typeface="Mangal"/>
+        <a:font script="Telu" typeface="Gautami"/>
+        <a:font script="Taml" typeface="Latha"/>
+        <a:font script="Syrc" typeface="Estrangelo Edessa"/>
+        <a:font script="Orya" typeface="Kalinga"/>
+        <a:font script="Mlym" typeface="Kartika"/>
+        <a:font script="Laoo" typeface="DokChampa"/>
+        <a:font script="Sinh" typeface="Iskoola Pota"/>
+        <a:font script="Mong" typeface="Mongolian Baiti"/>
+        <a:font script="Viet" typeface="Times New Roman"/>
+        <a:font script="Uigh" typeface="Microsoft Uighur"/>
+        <a:font script="Geor" typeface="Sylfaen"/>
+      </a:majorFont>
+      <a:minorFont>
+        <a:latin typeface="Arial"/>
+        <a:ea typeface=""/>
+        <a:cs typeface=""/>
+        <a:font script="Jpan" typeface="ＭＳ Ｐゴシック"/>
+        <a:font script="Hang" typeface="맑은 고딕"/>
+        <a:font script="Hans" typeface="宋体"/>
+        <a:font script="Hant" typeface="新細明體"/>
+        <a:font script="Arab" typeface="Arial"/>
+        <a:font script="Hebr" typeface="Arial"/>
+        <a:font script="Thai" typeface="Cordia New"/>
+        <a:font script="Ethi" typeface="Nyala"/>
+        <a:font script="Beng" typeface="Vrinda"/>
+        <a:font script="Gujr" typeface="Shruti"/>
+        <a:font script="Khmr" typeface="DaunPenh"/>
+        <a:font script="Knda" typeface="Tunga"/>
+        <a:font script="Guru" typeface="Raavi"/>
+        <a:font script="Cans" typeface="Euphemia"/>
+        <a:font script="Cher" typeface="Plantagenet Cherokee"/>
+        <a:font script="Yiii" typeface="Microsoft Yi Baiti"/>
+        <a:font script="Tibt" typeface="Microsoft Himalaya"/>
+        <a:font script="Thaa" typeface="MV Boli"/>
+        <a:font script="Deva" typeface="Mangal"/>
+        <a:font script="Telu" typeface="Gautami"/>
+        <a:font script="Taml" typeface="Latha"/>
+        <a:font script="Syrc" typeface="Estrangelo Edessa"/>
+        <a:font script="Orya" typeface="Kalinga"/>
+        <a:font script="Mlym" typeface="Kartika"/>
+        <a:font script="Laoo" typeface="DokChampa"/>
+        <a:font script="Sinh" typeface="Iskoola Pota"/>
+        <a:font script="Mong" typeface="Mongolian Baiti"/>
+        <a:font script="Viet" typeface="Arial"/>
+        <a:font script="Uigh" typeface="Microsoft Uighur"/>
+        <a:font script="Geor" typeface="Sylfaen"/>
+      </a:minorFont>
+    </a:fontScheme>
+    <a:fmtScheme name="Office">
+      <a:fillStyleLst>
+        <a:solidFill>
+          <a:schemeClr val="phClr"/>
+        </a:solidFill>
+        <a:gradFill rotWithShape="1">
+          <a:gsLst>
+            <a:gs pos="0">
+              <a:schemeClr val="phClr">
+                <a:tint val="50000"/>
+                <a:satMod val="300000"/>
+              </a:schemeClr>
+            </a:gs>
+            <a:gs pos="35000">
+              <a:schemeClr val="phClr">
+                <a:tint val="37000"/>
+                <a:satMod val="300000"/>
+              </a:schemeClr>
+            </a:gs>
+            <a:gs pos="100000">
+              <a:schemeClr val="phClr">
+                <a:tint val="15000"/>
+                <a:satMod val="350000"/>
+              </a:schemeClr>
+            </a:gs>
+          </a:gsLst>
+          <a:lin ang="16200000" scaled="1"/>
+        </a:gradFill>
+        <a:gradFill rotWithShape="1">
+          <a:gsLst>
+            <a:gs pos="0">
+              <a:schemeClr val="phClr">
+                <a:tint val="100000"/>
+                <a:shade val="100000"/>
+                <a:satMod val="130000"/>
+              </a:schemeClr>
+            </a:gs>
+            <a:gs pos="100000">
+              <a:schemeClr val="phClr">
+                <a:tint val="50000"/>
+                <a:shade val="100000"/>
+                <a:satMod val="350000"/>
+              </a:schemeClr>
+            </a:gs>
+          </a:gsLst>
+          <a:lin ang="16200000" scaled="0"/>
+        </a:gradFill>
+      </a:fillStyleLst>
+      <a:lnStyleLst>
+        <a:ln w="9525" cap="flat" cmpd="sng" algn="ctr">
+          <a:solidFill>
+            <a:schemeClr val="phClr">
+              <a:shade val="95000"/>
+              <a:satMod val="105000"/>
+            </a:schemeClr>
+          </a:solidFill>
+          <a:prstDash val="solid"/>
+        </a:ln>
+        <a:ln w="25400" cap="flat" cmpd="sng" algn="ctr">
+          <a:solidFill>
+            <a:schemeClr val="phClr"/>
+          </a:solidFill>
+          <a:prstDash val="solid"/>
+        </a:ln>
+        <a:ln w="38100" cap="flat" cmpd="sng" algn="ctr">
+          <a:solidFill>
+            <a:schemeClr val="phClr"/>
+          </a:solidFill>
+          <a:prstDash val="solid"/>
+        </a:ln>
+      </a:lnStyleLst>
+      <a:effectStyleLst>
+        <a:effectStyle>
+          <a:effectLst>
+            <a:outerShdw blurRad="40000" dist="20000" dir="5400000" rotWithShape="0">
+              <a:srgbClr val="000000">
+                <a:alpha val="38000"/>
+              </a:srgbClr>
+            </a:outerShdw>
+          </a:effectLst>
+        </a:effectStyle>
+        <a:effectStyle>
+          <a:effectLst>
+            <a:outerShdw blurRad="40000" dist="23000" dir="5400000" rotWithShape="0">
+              <a:srgbClr val="000000">
+                <a:alpha val="35000"/>
+              </a:srgbClr>
+            </a:outerShdw>
+          </a:effectLst>
+        </a:effectStyle>
+        <a:effectStyle>
+          <a:effectLst>
+            <a:outerShdw blurRad="40000" dist="23000" dir="5400000" rotWithShape="0">
+              <a:srgbClr val="000000">
+                <a:alpha val="35000"/>
+              </a:srgbClr>
+            </a:outerShdw>
+          </a:effectLst>
+          <a:scene3d>
+            <a:camera prst="orthographicFront">
+              <a:rot lat="0" lon="0" rev="0"/>
+            </a:camera>
+            <a:lightRig rig="threePt" dir="t">
+              <a:rot lat="0" lon="0" rev="1200000"/>
+            </a:lightRig>
+          </a:scene3d>
+          <a:sp3d>
+            <a:bevelT w="63500" h="25400"/>
+          </a:sp3d>
+        </a:effectStyle>
+      </a:effectStyleLst>
+      <a:bgFillStyleLst>
+        <a:solidFill>
+          <a:schemeClr val="phClr"/>
+        </a:solidFill>
+        <a:gradFill rotWithShape="1">
+          <a:gsLst>
+            <a:gs pos="0">
+              <a:schemeClr val="phClr">
+                <a:tint val="40000"/>
+                <a:satMod val="350000"/>
+              </a:schemeClr>
+            </a:gs>
+            <a:gs pos="40000">
+              <a:schemeClr val="phClr">
+                <a:tint val="45000"/>
+                <a:shade val="99000"/>
+                <a:satMod val="350000"/>
+              </a:schemeClr>
+            </a:gs>
+            <a:gs pos="100000">
+              <a:schemeClr val="phClr">
+                <a:shade val="20000"/>
+                <a:satMod val="255000"/>
+              </a:schemeClr>
+            </a:gs>
+          </a:gsLst>
+          <a:path path="circle">
+            <a:fillToRect l="50000" t="-80000" r="50000" b="180000"/>
+          </a:path>
+        </a:gradFill>
+        <a:gradFill rotWithShape="1">
+          <a:gsLst>
+            <a:gs pos="0">
+              <a:schemeClr val="phClr">
+                <a:tint val="80000"/>
+                <a:satMod val="300000"/>
+              </a:schemeClr>
+            </a:gs>
+            <a:gs pos="100000">
+              <a:schemeClr val="phClr">
+                <a:shade val="30000"/>
+                <a:satMod val="200000"/>
+              </a:schemeClr>
+            </a:gs>
+          </a:gsLst>
+          <a:path path="circle">
+            <a:fillToRect l="50000" t="50000" r="50000" b="50000"/>
+          </a:path>
+        </a:gradFill>
+      </a:bgFillStyleLst>
+    </a:fmtScheme>
+  </a:themeElements>
+  <a:objectDefaults/>
+  <a:extraClrSchemeLst/>
+</a:theme>
+</file>
+
+<file path=ppt/theme/theme2.xml><?xml version="1.0" encoding="utf-8"?>
+<a:theme xmlns:a="http://schemas.openxmlformats.org/drawingml/2006/main" name="Office Theme">
   <a:themeElements>
     <a:clrScheme name="Office">
       <a:dk1>
@@ -14685,284 +15131,7 @@
       </a:bgFillStyleLst>
     </a:fmtScheme>
   </a:themeElements>
-</a:theme>
-</file>
-
-<file path=ppt/theme/theme2.xml><?xml version="1.0" encoding="utf-8"?>
-<a:theme xmlns:a="http://schemas.openxmlformats.org/drawingml/2006/main" xmlns:r="http://schemas.openxmlformats.org/officeDocument/2006/relationships" name="Office Theme">
-  <a:themeElements>
-    <a:clrScheme name="Office Theme">
-      <a:dk1>
-        <a:srgbClr val="000000"/>
-      </a:dk1>
-      <a:lt1>
-        <a:srgbClr val="FFFFFF"/>
-      </a:lt1>
-      <a:dk2>
-        <a:srgbClr val="44546A"/>
-      </a:dk2>
-      <a:lt2>
-        <a:srgbClr val="E7E6E6"/>
-      </a:lt2>
-      <a:accent1>
-        <a:srgbClr val="5B9BD5"/>
-      </a:accent1>
-      <a:accent2>
-        <a:srgbClr val="ED7D31"/>
-      </a:accent2>
-      <a:accent3>
-        <a:srgbClr val="A5A5A5"/>
-      </a:accent3>
-      <a:accent4>
-        <a:srgbClr val="FFC000"/>
-      </a:accent4>
-      <a:accent5>
-        <a:srgbClr val="4472C4"/>
-      </a:accent5>
-      <a:accent6>
-        <a:srgbClr val="70AD47"/>
-      </a:accent6>
-      <a:hlink>
-        <a:srgbClr val="0563C1"/>
-      </a:hlink>
-      <a:folHlink>
-        <a:srgbClr val="954F72"/>
-      </a:folHlink>
-    </a:clrScheme>
-    <a:fontScheme name="Office">
-      <a:majorFont>
-        <a:latin typeface="Arial"/>
-        <a:ea typeface=""/>
-        <a:cs typeface=""/>
-        <a:font script="Jpan" typeface="ＭＳ Ｐゴシック"/>
-        <a:font script="Hang" typeface="맑은 고딕"/>
-        <a:font script="Hans" typeface="宋体"/>
-        <a:font script="Hant" typeface="新細明體"/>
-        <a:font script="Arab" typeface="Times New Roman"/>
-        <a:font script="Hebr" typeface="Times New Roman"/>
-        <a:font script="Thai" typeface="Angsana New"/>
-        <a:font script="Ethi" typeface="Nyala"/>
-        <a:font script="Beng" typeface="Vrinda"/>
-        <a:font script="Gujr" typeface="Shruti"/>
-        <a:font script="Khmr" typeface="MoolBoran"/>
-        <a:font script="Knda" typeface="Tunga"/>
-        <a:font script="Guru" typeface="Raavi"/>
-        <a:font script="Cans" typeface="Euphemia"/>
-        <a:font script="Cher" typeface="Plantagenet Cherokee"/>
-        <a:font script="Yiii" typeface="Microsoft Yi Baiti"/>
-        <a:font script="Tibt" typeface="Microsoft Himalaya"/>
-        <a:font script="Thaa" typeface="MV Boli"/>
-        <a:font script="Deva" typeface="Mangal"/>
-        <a:font script="Telu" typeface="Gautami"/>
-        <a:font script="Taml" typeface="Latha"/>
-        <a:font script="Syrc" typeface="Estrangelo Edessa"/>
-        <a:font script="Orya" typeface="Kalinga"/>
-        <a:font script="Mlym" typeface="Kartika"/>
-        <a:font script="Laoo" typeface="DokChampa"/>
-        <a:font script="Sinh" typeface="Iskoola Pota"/>
-        <a:font script="Mong" typeface="Mongolian Baiti"/>
-        <a:font script="Viet" typeface="Times New Roman"/>
-        <a:font script="Uigh" typeface="Microsoft Uighur"/>
-        <a:font script="Geor" typeface="Sylfaen"/>
-      </a:majorFont>
-      <a:minorFont>
-        <a:latin typeface="Arial"/>
-        <a:ea typeface=""/>
-        <a:cs typeface=""/>
-        <a:font script="Jpan" typeface="ＭＳ Ｐゴシック"/>
-        <a:font script="Hang" typeface="맑은 고딕"/>
-        <a:font script="Hans" typeface="宋体"/>
-        <a:font script="Hant" typeface="新細明體"/>
-        <a:font script="Arab" typeface="Arial"/>
-        <a:font script="Hebr" typeface="Arial"/>
-        <a:font script="Thai" typeface="Cordia New"/>
-        <a:font script="Ethi" typeface="Nyala"/>
-        <a:font script="Beng" typeface="Vrinda"/>
-        <a:font script="Gujr" typeface="Shruti"/>
-        <a:font script="Khmr" typeface="DaunPenh"/>
-        <a:font script="Knda" typeface="Tunga"/>
-        <a:font script="Guru" typeface="Raavi"/>
-        <a:font script="Cans" typeface="Euphemia"/>
-        <a:font script="Cher" typeface="Plantagenet Cherokee"/>
-        <a:font script="Yiii" typeface="Microsoft Yi Baiti"/>
-        <a:font script="Tibt" typeface="Microsoft Himalaya"/>
-        <a:font script="Thaa" typeface="MV Boli"/>
-        <a:font script="Deva" typeface="Mangal"/>
-        <a:font script="Telu" typeface="Gautami"/>
-        <a:font script="Taml" typeface="Latha"/>
-        <a:font script="Syrc" typeface="Estrangelo Edessa"/>
-        <a:font script="Orya" typeface="Kalinga"/>
-        <a:font script="Mlym" typeface="Kartika"/>
-        <a:font script="Laoo" typeface="DokChampa"/>
-        <a:font script="Sinh" typeface="Iskoola Pota"/>
-        <a:font script="Mong" typeface="Mongolian Baiti"/>
-        <a:font script="Viet" typeface="Arial"/>
-        <a:font script="Uigh" typeface="Microsoft Uighur"/>
-        <a:font script="Geor" typeface="Sylfaen"/>
-      </a:minorFont>
-    </a:fontScheme>
-    <a:fmtScheme name="Office">
-      <a:fillStyleLst>
-        <a:solidFill>
-          <a:schemeClr val="phClr"/>
-        </a:solidFill>
-        <a:gradFill rotWithShape="1">
-          <a:gsLst>
-            <a:gs pos="0">
-              <a:schemeClr val="phClr">
-                <a:tint val="50000"/>
-                <a:satMod val="300000"/>
-              </a:schemeClr>
-            </a:gs>
-            <a:gs pos="35000">
-              <a:schemeClr val="phClr">
-                <a:tint val="37000"/>
-                <a:satMod val="300000"/>
-              </a:schemeClr>
-            </a:gs>
-            <a:gs pos="100000">
-              <a:schemeClr val="phClr">
-                <a:tint val="15000"/>
-                <a:satMod val="350000"/>
-              </a:schemeClr>
-            </a:gs>
-          </a:gsLst>
-          <a:lin ang="16200000" scaled="1"/>
-        </a:gradFill>
-        <a:gradFill rotWithShape="1">
-          <a:gsLst>
-            <a:gs pos="0">
-              <a:schemeClr val="phClr">
-                <a:tint val="100000"/>
-                <a:shade val="100000"/>
-                <a:satMod val="130000"/>
-              </a:schemeClr>
-            </a:gs>
-            <a:gs pos="100000">
-              <a:schemeClr val="phClr">
-                <a:tint val="50000"/>
-                <a:shade val="100000"/>
-                <a:satMod val="350000"/>
-              </a:schemeClr>
-            </a:gs>
-          </a:gsLst>
-          <a:lin ang="16200000" scaled="0"/>
-        </a:gradFill>
-      </a:fillStyleLst>
-      <a:lnStyleLst>
-        <a:ln w="9525" cap="flat" cmpd="sng" algn="ctr">
-          <a:solidFill>
-            <a:schemeClr val="phClr">
-              <a:shade val="95000"/>
-              <a:satMod val="105000"/>
-            </a:schemeClr>
-          </a:solidFill>
-          <a:prstDash val="solid"/>
-        </a:ln>
-        <a:ln w="25400" cap="flat" cmpd="sng" algn="ctr">
-          <a:solidFill>
-            <a:schemeClr val="phClr"/>
-          </a:solidFill>
-          <a:prstDash val="solid"/>
-        </a:ln>
-        <a:ln w="38100" cap="flat" cmpd="sng" algn="ctr">
-          <a:solidFill>
-            <a:schemeClr val="phClr"/>
-          </a:solidFill>
-          <a:prstDash val="solid"/>
-        </a:ln>
-      </a:lnStyleLst>
-      <a:effectStyleLst>
-        <a:effectStyle>
-          <a:effectLst>
-            <a:outerShdw blurRad="40000" dist="20000" dir="5400000" rotWithShape="0">
-              <a:srgbClr val="000000">
-                <a:alpha val="38000"/>
-              </a:srgbClr>
-            </a:outerShdw>
-          </a:effectLst>
-        </a:effectStyle>
-        <a:effectStyle>
-          <a:effectLst>
-            <a:outerShdw blurRad="40000" dist="23000" dir="5400000" rotWithShape="0">
-              <a:srgbClr val="000000">
-                <a:alpha val="35000"/>
-              </a:srgbClr>
-            </a:outerShdw>
-          </a:effectLst>
-        </a:effectStyle>
-        <a:effectStyle>
-          <a:effectLst>
-            <a:outerShdw blurRad="40000" dist="23000" dir="5400000" rotWithShape="0">
-              <a:srgbClr val="000000">
-                <a:alpha val="35000"/>
-              </a:srgbClr>
-            </a:outerShdw>
-          </a:effectLst>
-          <a:scene3d>
-            <a:camera prst="orthographicFront">
-              <a:rot lat="0" lon="0" rev="0"/>
-            </a:camera>
-            <a:lightRig rig="threePt" dir="t">
-              <a:rot lat="0" lon="0" rev="1200000"/>
-            </a:lightRig>
-          </a:scene3d>
-          <a:sp3d>
-            <a:bevelT w="63500" h="25400"/>
-          </a:sp3d>
-        </a:effectStyle>
-      </a:effectStyleLst>
-      <a:bgFillStyleLst>
-        <a:solidFill>
-          <a:schemeClr val="phClr"/>
-        </a:solidFill>
-        <a:gradFill rotWithShape="1">
-          <a:gsLst>
-            <a:gs pos="0">
-              <a:schemeClr val="phClr">
-                <a:tint val="40000"/>
-                <a:satMod val="350000"/>
-              </a:schemeClr>
-            </a:gs>
-            <a:gs pos="40000">
-              <a:schemeClr val="phClr">
-                <a:tint val="45000"/>
-                <a:shade val="99000"/>
-                <a:satMod val="350000"/>
-              </a:schemeClr>
-            </a:gs>
-            <a:gs pos="100000">
-              <a:schemeClr val="phClr">
-                <a:shade val="20000"/>
-                <a:satMod val="255000"/>
-              </a:schemeClr>
-            </a:gs>
-          </a:gsLst>
-          <a:path path="circle">
-            <a:fillToRect l="50000" t="-80000" r="50000" b="180000"/>
-          </a:path>
-        </a:gradFill>
-        <a:gradFill rotWithShape="1">
-          <a:gsLst>
-            <a:gs pos="0">
-              <a:schemeClr val="phClr">
-                <a:tint val="80000"/>
-                <a:satMod val="300000"/>
-              </a:schemeClr>
-            </a:gs>
-            <a:gs pos="100000">
-              <a:schemeClr val="phClr">
-                <a:shade val="30000"/>
-                <a:satMod val="200000"/>
-              </a:schemeClr>
-            </a:gs>
-          </a:gsLst>
-          <a:path path="circle">
-            <a:fillToRect l="50000" t="50000" r="50000" b="50000"/>
-          </a:path>
-        </a:gradFill>
-      </a:bgFillStyleLst>
-    </a:fmtScheme>
-  </a:themeElements>
+  <a:objectDefaults/>
+  <a:extraClrSchemeLst/>
 </a:theme>
 </file>